--- a/slides/CodeGen_Template.pptx
+++ b/slides/CodeGen_Template.pptx
@@ -122,6 +122,129 @@
 </p:presentation>
 </file>
 
+<file path=ppt/changesInfos/changesInfo1.xml><?xml version="1.0" encoding="utf-8"?>
+<pc:chgInfo xmlns:a="http://schemas.openxmlformats.org/drawingml/2006/main" xmlns:r="http://schemas.openxmlformats.org/officeDocument/2006/relationships" xmlns:ac="http://schemas.microsoft.com/office/drawing/2013/main/command" xmlns:pc="http://schemas.microsoft.com/office/powerpoint/2013/main/command">
+  <pc:docChgLst>
+    <pc:chgData name="GIULIANO LATINI" userId="27e3ac559581c63f" providerId="LiveId" clId="{4973F3F1-B909-42E3-B41D-E3B1A4AEB0AD}"/>
+    <pc:docChg chg="undo modSld">
+      <pc:chgData name="GIULIANO LATINI" userId="27e3ac559581c63f" providerId="LiveId" clId="{4973F3F1-B909-42E3-B41D-E3B1A4AEB0AD}" dt="2018-09-16T19:35:40.896" v="216"/>
+      <pc:docMkLst>
+        <pc:docMk/>
+      </pc:docMkLst>
+      <pc:sldChg chg="modSp">
+        <pc:chgData name="GIULIANO LATINI" userId="27e3ac559581c63f" providerId="LiveId" clId="{4973F3F1-B909-42E3-B41D-E3B1A4AEB0AD}" dt="2018-09-16T19:34:45.060" v="214" actId="20577"/>
+        <pc:sldMkLst>
+          <pc:docMk/>
+          <pc:sldMk cId="3209317228" sldId="256"/>
+        </pc:sldMkLst>
+        <pc:spChg chg="mod">
+          <ac:chgData name="GIULIANO LATINI" userId="27e3ac559581c63f" providerId="LiveId" clId="{4973F3F1-B909-42E3-B41D-E3B1A4AEB0AD}" dt="2018-09-16T19:34:45.060" v="214" actId="20577"/>
+          <ac:spMkLst>
+            <pc:docMk/>
+            <pc:sldMk cId="3209317228" sldId="256"/>
+            <ac:spMk id="2" creationId="{BD2DF659-465F-4FDC-98F2-347BE3E9589B}"/>
+          </ac:spMkLst>
+        </pc:spChg>
+        <pc:spChg chg="mod">
+          <ac:chgData name="GIULIANO LATINI" userId="27e3ac559581c63f" providerId="LiveId" clId="{4973F3F1-B909-42E3-B41D-E3B1A4AEB0AD}" dt="2018-09-16T19:34:19.771" v="211"/>
+          <ac:spMkLst>
+            <pc:docMk/>
+            <pc:sldMk cId="3209317228" sldId="256"/>
+            <ac:spMk id="3" creationId="{4413CDE4-3094-4196-9173-F4A0D537BAD5}"/>
+          </ac:spMkLst>
+        </pc:spChg>
+      </pc:sldChg>
+      <pc:sldChg chg="modSp">
+        <pc:chgData name="GIULIANO LATINI" userId="27e3ac559581c63f" providerId="LiveId" clId="{4973F3F1-B909-42E3-B41D-E3B1A4AEB0AD}" dt="2018-09-16T19:33:16.267" v="208" actId="20577"/>
+        <pc:sldMkLst>
+          <pc:docMk/>
+          <pc:sldMk cId="3208365751" sldId="262"/>
+        </pc:sldMkLst>
+        <pc:spChg chg="mod">
+          <ac:chgData name="GIULIANO LATINI" userId="27e3ac559581c63f" providerId="LiveId" clId="{4973F3F1-B909-42E3-B41D-E3B1A4AEB0AD}" dt="2018-09-16T19:33:03.883" v="179" actId="20577"/>
+          <ac:spMkLst>
+            <pc:docMk/>
+            <pc:sldMk cId="3208365751" sldId="262"/>
+            <ac:spMk id="2" creationId="{A5DB07F4-037E-4666-BFFC-D4BC9B32ADA4}"/>
+          </ac:spMkLst>
+        </pc:spChg>
+        <pc:spChg chg="mod">
+          <ac:chgData name="GIULIANO LATINI" userId="27e3ac559581c63f" providerId="LiveId" clId="{4973F3F1-B909-42E3-B41D-E3B1A4AEB0AD}" dt="2018-09-16T19:33:11.296" v="194" actId="20577"/>
+          <ac:spMkLst>
+            <pc:docMk/>
+            <pc:sldMk cId="3208365751" sldId="262"/>
+            <ac:spMk id="3" creationId="{0FBC0E0C-D04F-4813-ACAC-967DF99282B2}"/>
+          </ac:spMkLst>
+        </pc:spChg>
+        <pc:spChg chg="mod">
+          <ac:chgData name="GIULIANO LATINI" userId="27e3ac559581c63f" providerId="LiveId" clId="{4973F3F1-B909-42E3-B41D-E3B1A4AEB0AD}" dt="2018-09-16T19:33:16.267" v="208" actId="20577"/>
+          <ac:spMkLst>
+            <pc:docMk/>
+            <pc:sldMk cId="3208365751" sldId="262"/>
+            <ac:spMk id="4" creationId="{FBEDAFD7-CF92-4199-8229-5FCED907CDA4}"/>
+          </ac:spMkLst>
+        </pc:spChg>
+      </pc:sldChg>
+      <pc:sldChg chg="addSp modSp">
+        <pc:chgData name="GIULIANO LATINI" userId="27e3ac559581c63f" providerId="LiveId" clId="{4973F3F1-B909-42E3-B41D-E3B1A4AEB0AD}" dt="2018-09-16T19:35:40.896" v="216"/>
+        <pc:sldMkLst>
+          <pc:docMk/>
+          <pc:sldMk cId="267602705" sldId="263"/>
+        </pc:sldMkLst>
+        <pc:spChg chg="mod">
+          <ac:chgData name="GIULIANO LATINI" userId="27e3ac559581c63f" providerId="LiveId" clId="{4973F3F1-B909-42E3-B41D-E3B1A4AEB0AD}" dt="2018-09-16T19:35:40.896" v="216"/>
+          <ac:spMkLst>
+            <pc:docMk/>
+            <pc:sldMk cId="267602705" sldId="263"/>
+            <ac:spMk id="5" creationId="{10801826-D1EC-495A-B39E-EB60FC876EB9}"/>
+          </ac:spMkLst>
+        </pc:spChg>
+        <pc:spChg chg="mod">
+          <ac:chgData name="GIULIANO LATINI" userId="27e3ac559581c63f" providerId="LiveId" clId="{4973F3F1-B909-42E3-B41D-E3B1A4AEB0AD}" dt="2018-09-16T19:19:43.190" v="45" actId="20577"/>
+          <ac:spMkLst>
+            <pc:docMk/>
+            <pc:sldMk cId="267602705" sldId="263"/>
+            <ac:spMk id="6" creationId="{4AD74FBB-F86F-41E2-81B5-937757080026}"/>
+          </ac:spMkLst>
+        </pc:spChg>
+        <pc:spChg chg="mod">
+          <ac:chgData name="GIULIANO LATINI" userId="27e3ac559581c63f" providerId="LiveId" clId="{4973F3F1-B909-42E3-B41D-E3B1A4AEB0AD}" dt="2018-09-16T19:19:48.686" v="59" actId="20577"/>
+          <ac:spMkLst>
+            <pc:docMk/>
+            <pc:sldMk cId="267602705" sldId="263"/>
+            <ac:spMk id="7" creationId="{5E39D7F1-ED04-48F8-B4A9-96B43565281F}"/>
+          </ac:spMkLst>
+        </pc:spChg>
+        <pc:spChg chg="mod">
+          <ac:chgData name="GIULIANO LATINI" userId="27e3ac559581c63f" providerId="LiveId" clId="{4973F3F1-B909-42E3-B41D-E3B1A4AEB0AD}" dt="2018-09-16T19:19:54.360" v="73" actId="20577"/>
+          <ac:spMkLst>
+            <pc:docMk/>
+            <pc:sldMk cId="267602705" sldId="263"/>
+            <ac:spMk id="8" creationId="{2A12E99D-348B-4644-9C1E-5EE333B378ED}"/>
+          </ac:spMkLst>
+        </pc:spChg>
+        <pc:spChg chg="mod">
+          <ac:chgData name="GIULIANO LATINI" userId="27e3ac559581c63f" providerId="LiveId" clId="{4973F3F1-B909-42E3-B41D-E3B1A4AEB0AD}" dt="2018-09-16T19:19:21.186" v="30" actId="20577"/>
+          <ac:spMkLst>
+            <pc:docMk/>
+            <pc:sldMk cId="267602705" sldId="263"/>
+            <ac:spMk id="9" creationId="{BA5039AF-CDBD-4D77-962C-1DE2CC0CC143}"/>
+          </ac:spMkLst>
+        </pc:spChg>
+        <pc:picChg chg="add mod">
+          <ac:chgData name="GIULIANO LATINI" userId="27e3ac559581c63f" providerId="LiveId" clId="{4973F3F1-B909-42E3-B41D-E3B1A4AEB0AD}" dt="2018-09-16T19:26:44.209" v="165" actId="1037"/>
+          <ac:picMkLst>
+            <pc:docMk/>
+            <pc:sldMk cId="267602705" sldId="263"/>
+            <ac:picMk id="3" creationId="{5FB0D1F6-0529-49EB-B15C-E4AC4BA3314B}"/>
+          </ac:picMkLst>
+        </pc:picChg>
+      </pc:sldChg>
+    </pc:docChg>
+  </pc:docChgLst>
+</pc:chgInfo>
+</file>
+
 <file path=ppt/slideLayouts/slideLayout1.xml><?xml version="1.0" encoding="utf-8"?>
 <p:sldLayout xmlns:a="http://schemas.openxmlformats.org/drawingml/2006/main" xmlns:r="http://schemas.openxmlformats.org/officeDocument/2006/relationships" xmlns:p="http://schemas.openxmlformats.org/presentationml/2006/main" preserve="1" userDrawn="1">
   <p:cSld name="Title Slide">
@@ -539,53 +662,6 @@
       </p:pic>
       <p:sp>
         <p:nvSpPr>
-          <p:cNvPr id="20" name="Rectangle 19">
-            <a:extLst>
-              <a:ext uri="{FF2B5EF4-FFF2-40B4-BE49-F238E27FC236}">
-                <a16:creationId xmlns:a16="http://schemas.microsoft.com/office/drawing/2014/main" id="{C0E6A4BB-5B67-4001-9074-E6DCB6D0817D}"/>
-              </a:ext>
-            </a:extLst>
-          </p:cNvPr>
-          <p:cNvSpPr/>
-          <p:nvPr userDrawn="1"/>
-        </p:nvSpPr>
-        <p:spPr>
-          <a:xfrm>
-            <a:off x="822638" y="1690714"/>
-            <a:ext cx="1682219" cy="495108"/>
-          </a:xfrm>
-          <a:prstGeom prst="rect">
-            <a:avLst/>
-          </a:prstGeom>
-          <a:solidFill>
-            <a:schemeClr val="tx1">
-              <a:lumMod val="20000"/>
-              <a:lumOff val="80000"/>
-            </a:schemeClr>
-          </a:solidFill>
-        </p:spPr>
-        <p:txBody>
-          <a:bodyPr wrap="none" lIns="144000" tIns="108000" rIns="144000" bIns="108000">
-            <a:spAutoFit/>
-          </a:bodyPr>
-          <a:lstStyle/>
-          <a:p>
-            <a:r>
-              <a:rPr lang="en-US" dirty="0">
-                <a:solidFill>
-                  <a:schemeClr val="tx1"/>
-                </a:solidFill>
-                <a:latin typeface="Roboto Light" charset="0"/>
-                <a:ea typeface="Roboto Light" charset="0"/>
-                <a:cs typeface="Roboto Light" charset="0"/>
-              </a:rPr>
-              <a:t>ARGOMENTO</a:t>
-            </a:r>
-          </a:p>
-        </p:txBody>
-      </p:sp>
-      <p:sp>
-        <p:nvSpPr>
           <p:cNvPr id="2" name="Title 1">
             <a:extLst>
               <a:ext uri="{FF2B5EF4-FFF2-40B4-BE49-F238E27FC236}">
@@ -1100,7 +1176,7 @@
           <a:p>
             <a:fld id="{0AE94EDD-D22A-4702-AFE1-732A7AD641D0}" type="datetimeFigureOut">
               <a:rPr lang="en-US" smtClean="0"/>
-              <a:t>8/30/2018</a:t>
+              <a:t>9/16/2018</a:t>
             </a:fld>
             <a:endParaRPr lang="en-US"/>
           </a:p>
@@ -8913,7 +8989,7 @@
           <a:p>
             <a:fld id="{0AE94EDD-D22A-4702-AFE1-732A7AD641D0}" type="datetimeFigureOut">
               <a:rPr lang="en-US" smtClean="0"/>
-              <a:t>8/30/2018</a:t>
+              <a:t>9/16/2018</a:t>
             </a:fld>
             <a:endParaRPr lang="en-US"/>
           </a:p>
@@ -10803,11 +10879,30 @@
             <p:ph type="ctrTitle"/>
           </p:nvPr>
         </p:nvSpPr>
-        <p:spPr/>
+        <p:spPr>
+          <a:xfrm>
+            <a:off x="822638" y="2351023"/>
+            <a:ext cx="4641567" cy="1557275"/>
+          </a:xfrm>
+        </p:spPr>
         <p:txBody>
           <a:bodyPr/>
           <a:lstStyle/>
           <a:p>
+            <a:r>
+              <a:rPr lang="en-US" b="1" dirty="0"/>
+              <a:t>The Infrastructure as Code; </a:t>
+            </a:r>
+            <a:br>
+              <a:rPr lang="en-US" b="1" dirty="0"/>
+            </a:br>
+            <a:r>
+              <a:rPr lang="en-US" b="1" dirty="0"/>
+              <a:t>the naked truth</a:t>
+            </a:r>
+            <a:br>
+              <a:rPr lang="en-US" b="1" dirty="0"/>
+            </a:br>
             <a:endParaRPr lang="en-US" dirty="0"/>
           </a:p>
         </p:txBody>
@@ -10833,7 +10928,7 @@
           <a:bodyPr/>
           <a:lstStyle/>
           <a:p>
-            <a:endParaRPr lang="en-US"/>
+            <a:endParaRPr lang="en-US" dirty="0"/>
           </a:p>
         </p:txBody>
       </p:sp>
@@ -10945,7 +11040,11 @@
           </a:bodyPr>
           <a:lstStyle/>
           <a:p>
-            <a:endParaRPr lang="en-US"/>
+            <a:r>
+              <a:rPr lang="en-US" dirty="0" err="1"/>
+              <a:t>giulianolatini</a:t>
+            </a:r>
+            <a:endParaRPr lang="en-US" dirty="0"/>
           </a:p>
         </p:txBody>
       </p:sp>
@@ -10972,7 +11071,15 @@
           </a:bodyPr>
           <a:lstStyle/>
           <a:p>
-            <a:endParaRPr lang="en-US"/>
+            <a:r>
+              <a:rPr lang="en-US" dirty="0"/>
+              <a:t>@</a:t>
+            </a:r>
+            <a:r>
+              <a:rPr lang="en-US" dirty="0" err="1"/>
+              <a:t>giulianolatini</a:t>
+            </a:r>
+            <a:endParaRPr lang="en-US" dirty="0"/>
           </a:p>
         </p:txBody>
       </p:sp>
@@ -10999,7 +11106,11 @@
           </a:bodyPr>
           <a:lstStyle/>
           <a:p>
-            <a:endParaRPr lang="en-US"/>
+            <a:r>
+              <a:rPr lang="en-US" dirty="0" err="1"/>
+              <a:t>giulianolatini</a:t>
+            </a:r>
+            <a:endParaRPr lang="en-US" dirty="0"/>
           </a:p>
         </p:txBody>
       </p:sp>
@@ -11064,6 +11175,17 @@
             </a:r>
             <a:endParaRPr lang="en-US" dirty="0"/>
           </a:p>
+          <a:p>
+            <a:r>
+              <a:rPr lang="en-US" sz="3200" dirty="0"/>
+              <a:t>#</a:t>
+            </a:r>
+            <a:r>
+              <a:rPr lang="en-US" sz="3200" dirty="0" err="1"/>
+              <a:t>dotnetconf</a:t>
+            </a:r>
+            <a:endParaRPr lang="en-US" sz="3200" dirty="0"/>
+          </a:p>
         </p:txBody>
       </p:sp>
     </p:spTree>
@@ -11143,6 +11265,60 @@
           </a:extLst>
         </p:spPr>
       </p:pic>
+      <p:sp>
+        <p:nvSpPr>
+          <p:cNvPr id="4" name="Title 6">
+            <a:extLst>
+              <a:ext uri="{FF2B5EF4-FFF2-40B4-BE49-F238E27FC236}">
+                <a16:creationId xmlns:a16="http://schemas.microsoft.com/office/drawing/2014/main" id="{770624E2-80CE-4DA7-81E3-04B238B94B22}"/>
+              </a:ext>
+            </a:extLst>
+          </p:cNvPr>
+          <p:cNvSpPr txBox="1">
+            <a:spLocks/>
+          </p:cNvSpPr>
+          <p:nvPr/>
+        </p:nvSpPr>
+        <p:spPr>
+          <a:xfrm>
+            <a:off x="235119" y="176849"/>
+            <a:ext cx="11028485" cy="626517"/>
+          </a:xfrm>
+          <a:prstGeom prst="rect">
+            <a:avLst/>
+          </a:prstGeom>
+        </p:spPr>
+        <p:txBody>
+          <a:bodyPr vert="horz" lIns="91440" tIns="45720" rIns="91440" bIns="45720" rtlCol="0" anchor="ctr">
+            <a:noAutofit/>
+          </a:bodyPr>
+          <a:lstStyle>
+            <a:lvl1pPr algn="l" defTabSz="914400" rtl="0" eaLnBrk="1" latinLnBrk="0" hangingPunct="1">
+              <a:lnSpc>
+                <a:spcPct val="90000"/>
+              </a:lnSpc>
+              <a:spcBef>
+                <a:spcPct val="0"/>
+              </a:spcBef>
+              <a:buNone/>
+              <a:defRPr sz="3000" kern="1200">
+                <a:solidFill>
+                  <a:schemeClr val="bg1"/>
+                </a:solidFill>
+                <a:latin typeface="Myanmar Text" panose="020B0502040204020203" pitchFamily="34" charset="0"/>
+                <a:ea typeface="+mj-ea"/>
+                <a:cs typeface="Myanmar Text" panose="020B0502040204020203" pitchFamily="34" charset="0"/>
+              </a:defRPr>
+            </a:lvl1pPr>
+          </a:lstStyle>
+          <a:p>
+            <a:r>
+              <a:rPr lang="en-US" dirty="0"/>
+              <a:t>Main sponsor</a:t>
+            </a:r>
+          </a:p>
+        </p:txBody>
+      </p:sp>
     </p:spTree>
     <p:extLst>
       <p:ext uri="{BB962C8B-B14F-4D97-AF65-F5344CB8AC3E}">
@@ -11201,7 +11377,7 @@
         </p:blipFill>
         <p:spPr>
           <a:xfrm>
-            <a:off x="5172269" y="1323698"/>
+            <a:off x="3205542" y="870626"/>
             <a:ext cx="6307494" cy="2018398"/>
           </a:xfrm>
           <a:prstGeom prst="rect">
@@ -11237,8 +11413,8 @@
         </p:blipFill>
         <p:spPr>
           <a:xfrm>
-            <a:off x="8326016" y="3229946"/>
-            <a:ext cx="3007774" cy="3260427"/>
+            <a:off x="8693274" y="3628055"/>
+            <a:ext cx="2640515" cy="2862318"/>
           </a:xfrm>
           <a:prstGeom prst="rect">
             <a:avLst/>
@@ -11274,7 +11450,7 @@
         </p:blipFill>
         <p:spPr bwMode="auto">
           <a:xfrm>
-            <a:off x="712237" y="1522444"/>
+            <a:off x="143070" y="2179474"/>
             <a:ext cx="3641508" cy="1314061"/>
           </a:xfrm>
           <a:prstGeom prst="rect">
@@ -11367,14 +11543,103 @@
         </p:blipFill>
         <p:spPr>
           <a:xfrm>
-            <a:off x="4538535" y="2836505"/>
-            <a:ext cx="3641508" cy="4115038"/>
+            <a:off x="4859288" y="3493535"/>
+            <a:ext cx="3127830" cy="3534563"/>
           </a:xfrm>
           <a:prstGeom prst="rect">
             <a:avLst/>
           </a:prstGeom>
         </p:spPr>
       </p:pic>
+      <p:pic>
+        <p:nvPicPr>
+          <p:cNvPr id="3" name="Picture 2">
+            <a:extLst>
+              <a:ext uri="{FF2B5EF4-FFF2-40B4-BE49-F238E27FC236}">
+                <a16:creationId xmlns:a16="http://schemas.microsoft.com/office/drawing/2014/main" id="{CCFA9B2D-8948-44DB-BAB9-6D7B7BE1D986}"/>
+              </a:ext>
+            </a:extLst>
+          </p:cNvPr>
+          <p:cNvPicPr>
+            <a:picLocks noChangeAspect="1"/>
+          </p:cNvPicPr>
+          <p:nvPr/>
+        </p:nvPicPr>
+        <p:blipFill rotWithShape="1">
+          <a:blip r:embed="rId7">
+            <a:extLst>
+              <a:ext uri="{28A0092B-C50C-407E-A947-70E740481C1C}">
+                <a14:useLocalDpi xmlns:a14="http://schemas.microsoft.com/office/drawing/2010/main" val="0"/>
+              </a:ext>
+            </a:extLst>
+          </a:blip>
+          <a:srcRect l="10776" t="16515" r="18526" b="23785"/>
+          <a:stretch/>
+        </p:blipFill>
+        <p:spPr>
+          <a:xfrm>
+            <a:off x="6423203" y="2444620"/>
+            <a:ext cx="5583139" cy="1048915"/>
+          </a:xfrm>
+          <a:prstGeom prst="rect">
+            <a:avLst/>
+          </a:prstGeom>
+        </p:spPr>
+      </p:pic>
+      <p:sp>
+        <p:nvSpPr>
+          <p:cNvPr id="9" name="Title 6">
+            <a:extLst>
+              <a:ext uri="{FF2B5EF4-FFF2-40B4-BE49-F238E27FC236}">
+                <a16:creationId xmlns:a16="http://schemas.microsoft.com/office/drawing/2014/main" id="{4AFDA962-7AFC-4DFC-BC19-7BACF3A384AF}"/>
+              </a:ext>
+            </a:extLst>
+          </p:cNvPr>
+          <p:cNvSpPr txBox="1">
+            <a:spLocks/>
+          </p:cNvSpPr>
+          <p:nvPr/>
+        </p:nvSpPr>
+        <p:spPr>
+          <a:xfrm>
+            <a:off x="235119" y="176849"/>
+            <a:ext cx="11028485" cy="626517"/>
+          </a:xfrm>
+          <a:prstGeom prst="rect">
+            <a:avLst/>
+          </a:prstGeom>
+        </p:spPr>
+        <p:txBody>
+          <a:bodyPr vert="horz" lIns="91440" tIns="45720" rIns="91440" bIns="45720" rtlCol="0" anchor="ctr">
+            <a:noAutofit/>
+          </a:bodyPr>
+          <a:lstStyle>
+            <a:lvl1pPr algn="l" defTabSz="914400" rtl="0" eaLnBrk="1" latinLnBrk="0" hangingPunct="1">
+              <a:lnSpc>
+                <a:spcPct val="90000"/>
+              </a:lnSpc>
+              <a:spcBef>
+                <a:spcPct val="0"/>
+              </a:spcBef>
+              <a:buNone/>
+              <a:defRPr sz="3000" kern="1200">
+                <a:solidFill>
+                  <a:schemeClr val="bg1"/>
+                </a:solidFill>
+                <a:latin typeface="Myanmar Text" panose="020B0502040204020203" pitchFamily="34" charset="0"/>
+                <a:ea typeface="+mj-ea"/>
+                <a:cs typeface="Myanmar Text" panose="020B0502040204020203" pitchFamily="34" charset="0"/>
+              </a:defRPr>
+            </a:lvl1pPr>
+          </a:lstStyle>
+          <a:p>
+            <a:r>
+              <a:rPr lang="en-US" dirty="0"/>
+              <a:t>Community sponsors</a:t>
+            </a:r>
+          </a:p>
+        </p:txBody>
+      </p:sp>
     </p:spTree>
     <p:extLst>
       <p:ext uri="{BB962C8B-B14F-4D97-AF65-F5344CB8AC3E}">
@@ -11460,6 +11725,67 @@
           </a:extLst>
         </p:spPr>
       </p:pic>
+      <p:sp>
+        <p:nvSpPr>
+          <p:cNvPr id="2" name="Rectangle: Rounded Corners 1">
+            <a:extLst>
+              <a:ext uri="{FF2B5EF4-FFF2-40B4-BE49-F238E27FC236}">
+                <a16:creationId xmlns:a16="http://schemas.microsoft.com/office/drawing/2014/main" id="{4D07813C-F964-49F1-AFC1-ECE95E987EF3}"/>
+              </a:ext>
+            </a:extLst>
+          </p:cNvPr>
+          <p:cNvSpPr/>
+          <p:nvPr/>
+        </p:nvSpPr>
+        <p:spPr>
+          <a:xfrm rot="20259998">
+            <a:off x="200054" y="534665"/>
+            <a:ext cx="1987365" cy="541312"/>
+          </a:xfrm>
+          <a:prstGeom prst="roundRect">
+            <a:avLst>
+              <a:gd name="adj" fmla="val 42455"/>
+            </a:avLst>
+          </a:prstGeom>
+          <a:solidFill>
+            <a:srgbClr val="E2068C"/>
+          </a:solidFill>
+        </p:spPr>
+        <p:style>
+          <a:lnRef idx="2">
+            <a:schemeClr val="accent5">
+              <a:shade val="50000"/>
+            </a:schemeClr>
+          </a:lnRef>
+          <a:fillRef idx="1">
+            <a:schemeClr val="accent5"/>
+          </a:fillRef>
+          <a:effectRef idx="0">
+            <a:schemeClr val="accent5"/>
+          </a:effectRef>
+          <a:fontRef idx="minor">
+            <a:schemeClr val="lt1"/>
+          </a:fontRef>
+        </p:style>
+        <p:txBody>
+          <a:bodyPr rtlCol="0" anchor="ctr"/>
+          <a:lstStyle/>
+          <a:p>
+            <a:pPr algn="ctr">
+              <a:lnSpc>
+                <a:spcPct val="150000"/>
+              </a:lnSpc>
+            </a:pPr>
+            <a:r>
+              <a:rPr lang="en-US" sz="2400" dirty="0">
+                <a:latin typeface="Myanmar Text" panose="020B0502040204020203" pitchFamily="34" charset="0"/>
+                <a:cs typeface="Myanmar Text" panose="020B0502040204020203" pitchFamily="34" charset="0"/>
+              </a:rPr>
+              <a:t>Local Event</a:t>
+            </a:r>
+          </a:p>
+        </p:txBody>
+      </p:sp>
     </p:spTree>
     <p:extLst>
       <p:ext uri="{BB962C8B-B14F-4D97-AF65-F5344CB8AC3E}">
@@ -11511,7 +11837,10 @@
           <a:bodyPr/>
           <a:lstStyle/>
           <a:p>
-            <a:endParaRPr lang="en-US"/>
+            <a:r>
+              <a:rPr lang="en-US" b="1" dirty="0"/>
+              <a:t>The Infrastructure as Code; the naked truth</a:t>
+            </a:r>
           </a:p>
         </p:txBody>
       </p:sp>
@@ -11538,7 +11867,15 @@
           </a:bodyPr>
           <a:lstStyle/>
           <a:p>
-            <a:endParaRPr lang="en-US"/>
+            <a:r>
+              <a:rPr lang="en-US" dirty="0"/>
+              <a:t>@</a:t>
+            </a:r>
+            <a:r>
+              <a:rPr lang="en-US" dirty="0" err="1"/>
+              <a:t>giulianolatini</a:t>
+            </a:r>
+            <a:endParaRPr lang="en-US" dirty="0"/>
           </a:p>
         </p:txBody>
       </p:sp>
@@ -11565,7 +11902,11 @@
           </a:bodyPr>
           <a:lstStyle/>
           <a:p>
-            <a:endParaRPr lang="en-US"/>
+            <a:r>
+              <a:rPr lang="en-US" dirty="0" err="1"/>
+              <a:t>giulianolatini</a:t>
+            </a:r>
+            <a:endParaRPr lang="en-US" dirty="0"/>
           </a:p>
         </p:txBody>
       </p:sp>
@@ -11592,7 +11933,11 @@
           </a:bodyPr>
           <a:lstStyle/>
           <a:p>
-            <a:endParaRPr lang="en-US"/>
+            <a:r>
+              <a:rPr lang="en-US" dirty="0" err="1"/>
+              <a:t>giulianolatini</a:t>
+            </a:r>
+            <a:endParaRPr lang="en-US" dirty="0"/>
           </a:p>
         </p:txBody>
       </p:sp>
@@ -11617,10 +11962,49 @@
           <a:bodyPr/>
           <a:lstStyle/>
           <a:p>
-            <a:endParaRPr lang="en-US"/>
+            <a:r>
+              <a:rPr lang="en-US" dirty="0"/>
+              <a:t>GIULIANO LATINI</a:t>
+            </a:r>
           </a:p>
         </p:txBody>
       </p:sp>
+      <p:pic>
+        <p:nvPicPr>
+          <p:cNvPr id="3" name="Immagine 2">
+            <a:extLst>
+              <a:ext uri="{FF2B5EF4-FFF2-40B4-BE49-F238E27FC236}">
+                <a16:creationId xmlns:a16="http://schemas.microsoft.com/office/drawing/2014/main" id="{5FB0D1F6-0529-49EB-B15C-E4AC4BA3314B}"/>
+              </a:ext>
+            </a:extLst>
+          </p:cNvPr>
+          <p:cNvPicPr>
+            <a:picLocks noChangeAspect="1"/>
+          </p:cNvPicPr>
+          <p:nvPr/>
+        </p:nvPicPr>
+        <p:blipFill>
+          <a:blip r:embed="rId2">
+            <a:extLst>
+              <a:ext uri="{28A0092B-C50C-407E-A947-70E740481C1C}">
+                <a14:useLocalDpi xmlns:a14="http://schemas.microsoft.com/office/drawing/2010/main" val="0"/>
+              </a:ext>
+            </a:extLst>
+          </a:blip>
+          <a:stretch>
+            <a:fillRect/>
+          </a:stretch>
+        </p:blipFill>
+        <p:spPr>
+          <a:xfrm>
+            <a:off x="830615" y="2445346"/>
+            <a:ext cx="2707135" cy="2707135"/>
+          </a:xfrm>
+          <a:prstGeom prst="rect">
+            <a:avLst/>
+          </a:prstGeom>
+        </p:spPr>
+      </p:pic>
     </p:spTree>
     <p:extLst>
       <p:ext uri="{BB962C8B-B14F-4D97-AF65-F5344CB8AC3E}">
@@ -11667,12 +12051,17 @@
             <p:ph type="title"/>
           </p:nvPr>
         </p:nvSpPr>
-        <p:spPr/>
+        <p:spPr>
+          <a:xfrm>
+            <a:off x="325315" y="136525"/>
+            <a:ext cx="11028485" cy="626517"/>
+          </a:xfrm>
+        </p:spPr>
         <p:txBody>
           <a:bodyPr/>
           <a:lstStyle/>
           <a:p>
-            <a:endParaRPr lang="en-US"/>
+            <a:endParaRPr lang="en-US" dirty="0"/>
           </a:p>
         </p:txBody>
       </p:sp>

--- a/slides/CodeGen_Template.pptx
+++ b/slides/CodeGen_Template.pptx
@@ -12,10 +12,25 @@
     <p:sldId id="267" r:id="rId6"/>
     <p:sldId id="263" r:id="rId7"/>
     <p:sldId id="264" r:id="rId8"/>
-    <p:sldId id="258" r:id="rId9"/>
-    <p:sldId id="259" r:id="rId10"/>
-    <p:sldId id="260" r:id="rId11"/>
-    <p:sldId id="262" r:id="rId12"/>
+    <p:sldId id="270" r:id="rId9"/>
+    <p:sldId id="268" r:id="rId10"/>
+    <p:sldId id="271" r:id="rId11"/>
+    <p:sldId id="274" r:id="rId12"/>
+    <p:sldId id="272" r:id="rId13"/>
+    <p:sldId id="260" r:id="rId14"/>
+    <p:sldId id="275" r:id="rId15"/>
+    <p:sldId id="276" r:id="rId16"/>
+    <p:sldId id="258" r:id="rId17"/>
+    <p:sldId id="277" r:id="rId18"/>
+    <p:sldId id="278" r:id="rId19"/>
+    <p:sldId id="279" r:id="rId20"/>
+    <p:sldId id="280" r:id="rId21"/>
+    <p:sldId id="281" r:id="rId22"/>
+    <p:sldId id="282" r:id="rId23"/>
+    <p:sldId id="269" r:id="rId24"/>
+    <p:sldId id="259" r:id="rId25"/>
+    <p:sldId id="273" r:id="rId26"/>
+    <p:sldId id="262" r:id="rId27"/>
   </p:sldIdLst>
   <p:sldSz cx="12192000" cy="6858000"/>
   <p:notesSz cx="6858000" cy="9144000"/>
@@ -146,7 +161,7 @@
           </ac:spMkLst>
         </pc:spChg>
         <pc:spChg chg="mod">
-          <ac:chgData name="GIULIANO LATINI" userId="27e3ac559581c63f" providerId="LiveId" clId="{4973F3F1-B909-42E3-B41D-E3B1A4AEB0AD}" dt="2018-09-16T19:34:19.771" v="211"/>
+          <ac:chgData name="GIULIANO LATINI" userId="27e3ac559581c63f" providerId="LiveId" clId="{4973F3F1-B909-42E3-B41D-E3B1A4AEB0AD}" dt="2018-09-16T19:34:19.771" v="211" actId="20577"/>
           <ac:spMkLst>
             <pc:docMk/>
             <pc:sldMk cId="3209317228" sldId="256"/>
@@ -239,6 +254,700 @@
             <ac:picMk id="3" creationId="{5FB0D1F6-0529-49EB-B15C-E4AC4BA3314B}"/>
           </ac:picMkLst>
         </pc:picChg>
+      </pc:sldChg>
+    </pc:docChg>
+  </pc:docChgLst>
+  <pc:docChgLst>
+    <pc:chgData name="GIULIANO LATINI" userId="27e3ac559581c63f" providerId="LiveId" clId="{DACCFB85-F3A2-4F20-9393-1555D7DD57A6}"/>
+    <pc:docChg chg="undo custSel addSld modSld sldOrd">
+      <pc:chgData name="GIULIANO LATINI" userId="27e3ac559581c63f" providerId="LiveId" clId="{DACCFB85-F3A2-4F20-9393-1555D7DD57A6}" dt="2018-09-17T16:54:06.907" v="1945" actId="478"/>
+      <pc:docMkLst>
+        <pc:docMk/>
+      </pc:docMkLst>
+      <pc:sldChg chg="modSp">
+        <pc:chgData name="GIULIANO LATINI" userId="27e3ac559581c63f" providerId="LiveId" clId="{DACCFB85-F3A2-4F20-9393-1555D7DD57A6}" dt="2018-09-17T14:41:25.791" v="1234" actId="20577"/>
+        <pc:sldMkLst>
+          <pc:docMk/>
+          <pc:sldMk cId="3209317228" sldId="256"/>
+        </pc:sldMkLst>
+        <pc:spChg chg="mod">
+          <ac:chgData name="GIULIANO LATINI" userId="27e3ac559581c63f" providerId="LiveId" clId="{DACCFB85-F3A2-4F20-9393-1555D7DD57A6}" dt="2018-09-17T14:41:25.791" v="1234" actId="20577"/>
+          <ac:spMkLst>
+            <pc:docMk/>
+            <pc:sldMk cId="3209317228" sldId="256"/>
+            <ac:spMk id="3" creationId="{4413CDE4-3094-4196-9173-F4A0D537BAD5}"/>
+          </ac:spMkLst>
+        </pc:spChg>
+      </pc:sldChg>
+      <pc:sldChg chg="modSp ord">
+        <pc:chgData name="GIULIANO LATINI" userId="27e3ac559581c63f" providerId="LiveId" clId="{DACCFB85-F3A2-4F20-9393-1555D7DD57A6}" dt="2018-09-17T16:07:17.376" v="1677"/>
+        <pc:sldMkLst>
+          <pc:docMk/>
+          <pc:sldMk cId="659384522" sldId="258"/>
+        </pc:sldMkLst>
+        <pc:spChg chg="mod">
+          <ac:chgData name="GIULIANO LATINI" userId="27e3ac559581c63f" providerId="LiveId" clId="{DACCFB85-F3A2-4F20-9393-1555D7DD57A6}" dt="2018-09-17T16:07:09.302" v="1676" actId="14100"/>
+          <ac:spMkLst>
+            <pc:docMk/>
+            <pc:sldMk cId="659384522" sldId="258"/>
+            <ac:spMk id="2" creationId="{7949173F-1975-47A7-B592-458759073468}"/>
+          </ac:spMkLst>
+        </pc:spChg>
+      </pc:sldChg>
+      <pc:sldChg chg="addSp modSp ord">
+        <pc:chgData name="GIULIANO LATINI" userId="27e3ac559581c63f" providerId="LiveId" clId="{DACCFB85-F3A2-4F20-9393-1555D7DD57A6}" dt="2018-09-17T15:52:53.551" v="1628" actId="1076"/>
+        <pc:sldMkLst>
+          <pc:docMk/>
+          <pc:sldMk cId="209294851" sldId="260"/>
+        </pc:sldMkLst>
+        <pc:spChg chg="mod">
+          <ac:chgData name="GIULIANO LATINI" userId="27e3ac559581c63f" providerId="LiveId" clId="{DACCFB85-F3A2-4F20-9393-1555D7DD57A6}" dt="2018-09-17T14:57:34.332" v="1481" actId="20577"/>
+          <ac:spMkLst>
+            <pc:docMk/>
+            <pc:sldMk cId="209294851" sldId="260"/>
+            <ac:spMk id="2" creationId="{28AD7696-4518-4706-8338-7F16A9E1D481}"/>
+          </ac:spMkLst>
+        </pc:spChg>
+        <pc:picChg chg="add mod modCrop">
+          <ac:chgData name="GIULIANO LATINI" userId="27e3ac559581c63f" providerId="LiveId" clId="{DACCFB85-F3A2-4F20-9393-1555D7DD57A6}" dt="2018-09-17T15:52:53.551" v="1628" actId="1076"/>
+          <ac:picMkLst>
+            <pc:docMk/>
+            <pc:sldMk cId="209294851" sldId="260"/>
+            <ac:picMk id="4098" creationId="{FE2D3BED-27E8-4CF3-8804-764F2B0877B5}"/>
+          </ac:picMkLst>
+        </pc:picChg>
+      </pc:sldChg>
+      <pc:sldChg chg="modSp">
+        <pc:chgData name="GIULIANO LATINI" userId="27e3ac559581c63f" providerId="LiveId" clId="{DACCFB85-F3A2-4F20-9393-1555D7DD57A6}" dt="2018-09-17T14:36:21.970" v="1226" actId="20577"/>
+        <pc:sldMkLst>
+          <pc:docMk/>
+          <pc:sldMk cId="1809519737" sldId="264"/>
+        </pc:sldMkLst>
+        <pc:spChg chg="mod">
+          <ac:chgData name="GIULIANO LATINI" userId="27e3ac559581c63f" providerId="LiveId" clId="{DACCFB85-F3A2-4F20-9393-1555D7DD57A6}" dt="2018-09-17T14:34:39.007" v="1214" actId="20577"/>
+          <ac:spMkLst>
+            <pc:docMk/>
+            <pc:sldMk cId="1809519737" sldId="264"/>
+            <ac:spMk id="7" creationId="{D179CEFE-54E9-4050-BCEC-5F22EDA1E3EE}"/>
+          </ac:spMkLst>
+        </pc:spChg>
+        <pc:spChg chg="mod">
+          <ac:chgData name="GIULIANO LATINI" userId="27e3ac559581c63f" providerId="LiveId" clId="{DACCFB85-F3A2-4F20-9393-1555D7DD57A6}" dt="2018-09-17T14:36:21.970" v="1226" actId="20577"/>
+          <ac:spMkLst>
+            <pc:docMk/>
+            <pc:sldMk cId="1809519737" sldId="264"/>
+            <ac:spMk id="8" creationId="{CE7D99B5-07B2-4C31-84EF-E9ABC9B337F6}"/>
+          </ac:spMkLst>
+        </pc:spChg>
+      </pc:sldChg>
+      <pc:sldChg chg="modSp add">
+        <pc:chgData name="GIULIANO LATINI" userId="27e3ac559581c63f" providerId="LiveId" clId="{DACCFB85-F3A2-4F20-9393-1555D7DD57A6}" dt="2018-09-17T14:26:49.727" v="1202" actId="27636"/>
+        <pc:sldMkLst>
+          <pc:docMk/>
+          <pc:sldMk cId="2177590621" sldId="268"/>
+        </pc:sldMkLst>
+        <pc:spChg chg="mod">
+          <ac:chgData name="GIULIANO LATINI" userId="27e3ac559581c63f" providerId="LiveId" clId="{DACCFB85-F3A2-4F20-9393-1555D7DD57A6}" dt="2018-09-17T14:03:25.701" v="794" actId="20577"/>
+          <ac:spMkLst>
+            <pc:docMk/>
+            <pc:sldMk cId="2177590621" sldId="268"/>
+            <ac:spMk id="7" creationId="{D179CEFE-54E9-4050-BCEC-5F22EDA1E3EE}"/>
+          </ac:spMkLst>
+        </pc:spChg>
+        <pc:spChg chg="mod">
+          <ac:chgData name="GIULIANO LATINI" userId="27e3ac559581c63f" providerId="LiveId" clId="{DACCFB85-F3A2-4F20-9393-1555D7DD57A6}" dt="2018-09-17T14:26:49.727" v="1202" actId="27636"/>
+          <ac:spMkLst>
+            <pc:docMk/>
+            <pc:sldMk cId="2177590621" sldId="268"/>
+            <ac:spMk id="8" creationId="{CE7D99B5-07B2-4C31-84EF-E9ABC9B337F6}"/>
+          </ac:spMkLst>
+        </pc:spChg>
+      </pc:sldChg>
+      <pc:sldChg chg="modSp add">
+        <pc:chgData name="GIULIANO LATINI" userId="27e3ac559581c63f" providerId="LiveId" clId="{DACCFB85-F3A2-4F20-9393-1555D7DD57A6}" dt="2018-09-17T14:03:00.671" v="785" actId="20577"/>
+        <pc:sldMkLst>
+          <pc:docMk/>
+          <pc:sldMk cId="298278517" sldId="269"/>
+        </pc:sldMkLst>
+        <pc:spChg chg="mod">
+          <ac:chgData name="GIULIANO LATINI" userId="27e3ac559581c63f" providerId="LiveId" clId="{DACCFB85-F3A2-4F20-9393-1555D7DD57A6}" dt="2018-09-17T14:03:00.671" v="785" actId="20577"/>
+          <ac:spMkLst>
+            <pc:docMk/>
+            <pc:sldMk cId="298278517" sldId="269"/>
+            <ac:spMk id="7" creationId="{D179CEFE-54E9-4050-BCEC-5F22EDA1E3EE}"/>
+          </ac:spMkLst>
+        </pc:spChg>
+        <pc:spChg chg="mod">
+          <ac:chgData name="GIULIANO LATINI" userId="27e3ac559581c63f" providerId="LiveId" clId="{DACCFB85-F3A2-4F20-9393-1555D7DD57A6}" dt="2018-09-17T14:02:27.508" v="782" actId="948"/>
+          <ac:spMkLst>
+            <pc:docMk/>
+            <pc:sldMk cId="298278517" sldId="269"/>
+            <ac:spMk id="8" creationId="{CE7D99B5-07B2-4C31-84EF-E9ABC9B337F6}"/>
+          </ac:spMkLst>
+        </pc:spChg>
+      </pc:sldChg>
+      <pc:sldChg chg="add">
+        <pc:chgData name="GIULIANO LATINI" userId="27e3ac559581c63f" providerId="LiveId" clId="{DACCFB85-F3A2-4F20-9393-1555D7DD57A6}" dt="2018-09-17T14:31:34.679" v="1203"/>
+        <pc:sldMkLst>
+          <pc:docMk/>
+          <pc:sldMk cId="1838703902" sldId="270"/>
+        </pc:sldMkLst>
+      </pc:sldChg>
+      <pc:sldChg chg="modSp add">
+        <pc:chgData name="GIULIANO LATINI" userId="27e3ac559581c63f" providerId="LiveId" clId="{DACCFB85-F3A2-4F20-9393-1555D7DD57A6}" dt="2018-09-17T14:53:20.102" v="1293" actId="255"/>
+        <pc:sldMkLst>
+          <pc:docMk/>
+          <pc:sldMk cId="1313978287" sldId="271"/>
+        </pc:sldMkLst>
+        <pc:spChg chg="mod">
+          <ac:chgData name="GIULIANO LATINI" userId="27e3ac559581c63f" providerId="LiveId" clId="{DACCFB85-F3A2-4F20-9393-1555D7DD57A6}" dt="2018-09-17T14:38:06.075" v="1230" actId="108"/>
+          <ac:spMkLst>
+            <pc:docMk/>
+            <pc:sldMk cId="1313978287" sldId="271"/>
+            <ac:spMk id="7" creationId="{D179CEFE-54E9-4050-BCEC-5F22EDA1E3EE}"/>
+          </ac:spMkLst>
+        </pc:spChg>
+        <pc:spChg chg="mod">
+          <ac:chgData name="GIULIANO LATINI" userId="27e3ac559581c63f" providerId="LiveId" clId="{DACCFB85-F3A2-4F20-9393-1555D7DD57A6}" dt="2018-09-17T14:53:20.102" v="1293" actId="255"/>
+          <ac:spMkLst>
+            <pc:docMk/>
+            <pc:sldMk cId="1313978287" sldId="271"/>
+            <ac:spMk id="8" creationId="{CE7D99B5-07B2-4C31-84EF-E9ABC9B337F6}"/>
+          </ac:spMkLst>
+        </pc:spChg>
+      </pc:sldChg>
+      <pc:sldChg chg="addSp modSp add ord">
+        <pc:chgData name="GIULIANO LATINI" userId="27e3ac559581c63f" providerId="LiveId" clId="{DACCFB85-F3A2-4F20-9393-1555D7DD57A6}" dt="2018-09-17T15:45:15.894" v="1569" actId="1076"/>
+        <pc:sldMkLst>
+          <pc:docMk/>
+          <pc:sldMk cId="3739297103" sldId="272"/>
+        </pc:sldMkLst>
+        <pc:spChg chg="mod">
+          <ac:chgData name="GIULIANO LATINI" userId="27e3ac559581c63f" providerId="LiveId" clId="{DACCFB85-F3A2-4F20-9393-1555D7DD57A6}" dt="2018-09-17T14:50:55.858" v="1241" actId="255"/>
+          <ac:spMkLst>
+            <pc:docMk/>
+            <pc:sldMk cId="3739297103" sldId="272"/>
+            <ac:spMk id="2" creationId="{28AD7696-4518-4706-8338-7F16A9E1D481}"/>
+          </ac:spMkLst>
+        </pc:spChg>
+        <pc:picChg chg="add mod modCrop">
+          <ac:chgData name="GIULIANO LATINI" userId="27e3ac559581c63f" providerId="LiveId" clId="{DACCFB85-F3A2-4F20-9393-1555D7DD57A6}" dt="2018-09-17T15:45:15.894" v="1569" actId="1076"/>
+          <ac:picMkLst>
+            <pc:docMk/>
+            <pc:sldMk cId="3739297103" sldId="272"/>
+            <ac:picMk id="3074" creationId="{23CBFA89-0FAE-4B54-9C0C-AEE02D27B05B}"/>
+          </ac:picMkLst>
+        </pc:picChg>
+      </pc:sldChg>
+      <pc:sldChg chg="add">
+        <pc:chgData name="GIULIANO LATINI" userId="27e3ac559581c63f" providerId="LiveId" clId="{DACCFB85-F3A2-4F20-9393-1555D7DD57A6}" dt="2018-09-17T14:49:22.008" v="1236"/>
+        <pc:sldMkLst>
+          <pc:docMk/>
+          <pc:sldMk cId="307891768" sldId="273"/>
+        </pc:sldMkLst>
+      </pc:sldChg>
+      <pc:sldChg chg="addSp modSp add ord">
+        <pc:chgData name="GIULIANO LATINI" userId="27e3ac559581c63f" providerId="LiveId" clId="{DACCFB85-F3A2-4F20-9393-1555D7DD57A6}" dt="2018-09-17T15:42:19.446" v="1557" actId="1076"/>
+        <pc:sldMkLst>
+          <pc:docMk/>
+          <pc:sldMk cId="1705890292" sldId="274"/>
+        </pc:sldMkLst>
+        <pc:spChg chg="mod">
+          <ac:chgData name="GIULIANO LATINI" userId="27e3ac559581c63f" providerId="LiveId" clId="{DACCFB85-F3A2-4F20-9393-1555D7DD57A6}" dt="2018-09-17T14:49:55.213" v="1239" actId="255"/>
+          <ac:spMkLst>
+            <pc:docMk/>
+            <pc:sldMk cId="1705890292" sldId="274"/>
+            <ac:spMk id="2" creationId="{28AD7696-4518-4706-8338-7F16A9E1D481}"/>
+          </ac:spMkLst>
+        </pc:spChg>
+        <pc:picChg chg="add mod">
+          <ac:chgData name="GIULIANO LATINI" userId="27e3ac559581c63f" providerId="LiveId" clId="{DACCFB85-F3A2-4F20-9393-1555D7DD57A6}" dt="2018-09-17T15:42:19.446" v="1557" actId="1076"/>
+          <ac:picMkLst>
+            <pc:docMk/>
+            <pc:sldMk cId="1705890292" sldId="274"/>
+            <ac:picMk id="2050" creationId="{DAD99FAF-74EF-4811-8D5B-9A48955FC2EE}"/>
+          </ac:picMkLst>
+        </pc:picChg>
+      </pc:sldChg>
+      <pc:sldChg chg="addSp delSp modSp add ord">
+        <pc:chgData name="GIULIANO LATINI" userId="27e3ac559581c63f" providerId="LiveId" clId="{DACCFB85-F3A2-4F20-9393-1555D7DD57A6}" dt="2018-09-17T15:11:45.424" v="1551" actId="1076"/>
+        <pc:sldMkLst>
+          <pc:docMk/>
+          <pc:sldMk cId="3829954844" sldId="275"/>
+        </pc:sldMkLst>
+        <pc:spChg chg="add del mod">
+          <ac:chgData name="GIULIANO LATINI" userId="27e3ac559581c63f" providerId="LiveId" clId="{DACCFB85-F3A2-4F20-9393-1555D7DD57A6}" dt="2018-09-17T15:06:06.530" v="1521" actId="478"/>
+          <ac:spMkLst>
+            <pc:docMk/>
+            <pc:sldMk cId="3829954844" sldId="275"/>
+            <ac:spMk id="2" creationId="{34D4AA5D-D0F6-49A4-8653-74AFEF6D5830}"/>
+          </ac:spMkLst>
+        </pc:spChg>
+        <pc:spChg chg="add del mod">
+          <ac:chgData name="GIULIANO LATINI" userId="27e3ac559581c63f" providerId="LiveId" clId="{DACCFB85-F3A2-4F20-9393-1555D7DD57A6}" dt="2018-09-17T15:06:29.291" v="1525" actId="478"/>
+          <ac:spMkLst>
+            <pc:docMk/>
+            <pc:sldMk cId="3829954844" sldId="275"/>
+            <ac:spMk id="3" creationId="{E6C09AB2-E40C-4D11-8C48-B06EE6C26D00}"/>
+          </ac:spMkLst>
+        </pc:spChg>
+        <pc:spChg chg="mod">
+          <ac:chgData name="GIULIANO LATINI" userId="27e3ac559581c63f" providerId="LiveId" clId="{DACCFB85-F3A2-4F20-9393-1555D7DD57A6}" dt="2018-09-17T14:58:20.679" v="1484"/>
+          <ac:spMkLst>
+            <pc:docMk/>
+            <pc:sldMk cId="3829954844" sldId="275"/>
+            <ac:spMk id="7" creationId="{D179CEFE-54E9-4050-BCEC-5F22EDA1E3EE}"/>
+          </ac:spMkLst>
+        </pc:spChg>
+        <pc:spChg chg="mod">
+          <ac:chgData name="GIULIANO LATINI" userId="27e3ac559581c63f" providerId="LiveId" clId="{DACCFB85-F3A2-4F20-9393-1555D7DD57A6}" dt="2018-09-17T14:59:03.414" v="1488" actId="14100"/>
+          <ac:spMkLst>
+            <pc:docMk/>
+            <pc:sldMk cId="3829954844" sldId="275"/>
+            <ac:spMk id="8" creationId="{CE7D99B5-07B2-4C31-84EF-E9ABC9B337F6}"/>
+          </ac:spMkLst>
+        </pc:spChg>
+        <pc:picChg chg="add mod">
+          <ac:chgData name="GIULIANO LATINI" userId="27e3ac559581c63f" providerId="LiveId" clId="{DACCFB85-F3A2-4F20-9393-1555D7DD57A6}" dt="2018-09-17T15:11:45.424" v="1551" actId="1076"/>
+          <ac:picMkLst>
+            <pc:docMk/>
+            <pc:sldMk cId="3829954844" sldId="275"/>
+            <ac:picMk id="1026" creationId="{BFBB52FE-E972-4822-B644-DDF1F92A600B}"/>
+          </ac:picMkLst>
+        </pc:picChg>
+        <pc:picChg chg="add mod">
+          <ac:chgData name="GIULIANO LATINI" userId="27e3ac559581c63f" providerId="LiveId" clId="{DACCFB85-F3A2-4F20-9393-1555D7DD57A6}" dt="2018-09-17T15:11:44.238" v="1550" actId="1076"/>
+          <ac:picMkLst>
+            <pc:docMk/>
+            <pc:sldMk cId="3829954844" sldId="275"/>
+            <ac:picMk id="1028" creationId="{8E4412A9-8612-4CBF-84DF-816EE2F1FCE3}"/>
+          </ac:picMkLst>
+        </pc:picChg>
+        <pc:picChg chg="add mod">
+          <ac:chgData name="GIULIANO LATINI" userId="27e3ac559581c63f" providerId="LiveId" clId="{DACCFB85-F3A2-4F20-9393-1555D7DD57A6}" dt="2018-09-17T15:11:42.790" v="1549" actId="1076"/>
+          <ac:picMkLst>
+            <pc:docMk/>
+            <pc:sldMk cId="3829954844" sldId="275"/>
+            <ac:picMk id="1030" creationId="{91434F33-6F88-4686-B5AA-83F32E6C826B}"/>
+          </ac:picMkLst>
+        </pc:picChg>
+        <pc:picChg chg="add mod">
+          <ac:chgData name="GIULIANO LATINI" userId="27e3ac559581c63f" providerId="LiveId" clId="{DACCFB85-F3A2-4F20-9393-1555D7DD57A6}" dt="2018-09-17T15:11:37.662" v="1548" actId="1076"/>
+          <ac:picMkLst>
+            <pc:docMk/>
+            <pc:sldMk cId="3829954844" sldId="275"/>
+            <ac:picMk id="1032" creationId="{27A77462-88DB-492A-90A7-A2C1D9332621}"/>
+          </ac:picMkLst>
+        </pc:picChg>
+        <pc:picChg chg="add mod">
+          <ac:chgData name="GIULIANO LATINI" userId="27e3ac559581c63f" providerId="LiveId" clId="{DACCFB85-F3A2-4F20-9393-1555D7DD57A6}" dt="2018-09-17T15:11:33.111" v="1546" actId="1076"/>
+          <ac:picMkLst>
+            <pc:docMk/>
+            <pc:sldMk cId="3829954844" sldId="275"/>
+            <ac:picMk id="1034" creationId="{77965C36-5A9B-4EBC-8FF9-80F415618E94}"/>
+          </ac:picMkLst>
+        </pc:picChg>
+        <pc:picChg chg="add del mod">
+          <ac:chgData name="GIULIANO LATINI" userId="27e3ac559581c63f" providerId="LiveId" clId="{DACCFB85-F3A2-4F20-9393-1555D7DD57A6}" dt="2018-09-17T15:08:50.414" v="1532" actId="478"/>
+          <ac:picMkLst>
+            <pc:docMk/>
+            <pc:sldMk cId="3829954844" sldId="275"/>
+            <ac:picMk id="1040" creationId="{E081D6C5-C62B-4307-909F-8D6A86A72C38}"/>
+          </ac:picMkLst>
+        </pc:picChg>
+        <pc:picChg chg="add mod">
+          <ac:chgData name="GIULIANO LATINI" userId="27e3ac559581c63f" providerId="LiveId" clId="{DACCFB85-F3A2-4F20-9393-1555D7DD57A6}" dt="2018-09-17T15:11:35.743" v="1547" actId="1076"/>
+          <ac:picMkLst>
+            <pc:docMk/>
+            <pc:sldMk cId="3829954844" sldId="275"/>
+            <ac:picMk id="1042" creationId="{E8C57750-70A0-49F0-A0C7-21022216E1BB}"/>
+          </ac:picMkLst>
+        </pc:picChg>
+        <pc:picChg chg="add del mod">
+          <ac:chgData name="GIULIANO LATINI" userId="27e3ac559581c63f" providerId="LiveId" clId="{DACCFB85-F3A2-4F20-9393-1555D7DD57A6}" dt="2018-09-17T15:10:47.337" v="1540" actId="478"/>
+          <ac:picMkLst>
+            <pc:docMk/>
+            <pc:sldMk cId="3829954844" sldId="275"/>
+            <ac:picMk id="1044" creationId="{D9CED801-B66D-4C77-8295-9509E94443AD}"/>
+          </ac:picMkLst>
+        </pc:picChg>
+        <pc:picChg chg="add mod">
+          <ac:chgData name="GIULIANO LATINI" userId="27e3ac559581c63f" providerId="LiveId" clId="{DACCFB85-F3A2-4F20-9393-1555D7DD57A6}" dt="2018-09-17T15:11:30.599" v="1545" actId="1076"/>
+          <ac:picMkLst>
+            <pc:docMk/>
+            <pc:sldMk cId="3829954844" sldId="275"/>
+            <ac:picMk id="1046" creationId="{108D69C9-0735-4F1B-8178-774527E69CA2}"/>
+          </ac:picMkLst>
+        </pc:picChg>
+      </pc:sldChg>
+      <pc:sldChg chg="addSp modSp add ord">
+        <pc:chgData name="GIULIANO LATINI" userId="27e3ac559581c63f" providerId="LiveId" clId="{DACCFB85-F3A2-4F20-9393-1555D7DD57A6}" dt="2018-09-17T16:06:23.869" v="1668" actId="1076"/>
+        <pc:sldMkLst>
+          <pc:docMk/>
+          <pc:sldMk cId="304533747" sldId="276"/>
+        </pc:sldMkLst>
+        <pc:spChg chg="mod">
+          <ac:chgData name="GIULIANO LATINI" userId="27e3ac559581c63f" providerId="LiveId" clId="{DACCFB85-F3A2-4F20-9393-1555D7DD57A6}" dt="2018-09-17T15:28:49.911" v="1554"/>
+          <ac:spMkLst>
+            <pc:docMk/>
+            <pc:sldMk cId="304533747" sldId="276"/>
+            <ac:spMk id="7" creationId="{D179CEFE-54E9-4050-BCEC-5F22EDA1E3EE}"/>
+          </ac:spMkLst>
+        </pc:spChg>
+        <pc:spChg chg="mod">
+          <ac:chgData name="GIULIANO LATINI" userId="27e3ac559581c63f" providerId="LiveId" clId="{DACCFB85-F3A2-4F20-9393-1555D7DD57A6}" dt="2018-09-17T16:00:59.999" v="1633" actId="1076"/>
+          <ac:spMkLst>
+            <pc:docMk/>
+            <pc:sldMk cId="304533747" sldId="276"/>
+            <ac:spMk id="8" creationId="{CE7D99B5-07B2-4C31-84EF-E9ABC9B337F6}"/>
+          </ac:spMkLst>
+        </pc:spChg>
+        <pc:picChg chg="add mod">
+          <ac:chgData name="GIULIANO LATINI" userId="27e3ac559581c63f" providerId="LiveId" clId="{DACCFB85-F3A2-4F20-9393-1555D7DD57A6}" dt="2018-09-17T16:02:54.174" v="1664" actId="1076"/>
+          <ac:picMkLst>
+            <pc:docMk/>
+            <pc:sldMk cId="304533747" sldId="276"/>
+            <ac:picMk id="5122" creationId="{2B390832-F009-4DC5-BE9D-E7F92416101C}"/>
+          </ac:picMkLst>
+        </pc:picChg>
+        <pc:picChg chg="add mod">
+          <ac:chgData name="GIULIANO LATINI" userId="27e3ac559581c63f" providerId="LiveId" clId="{DACCFB85-F3A2-4F20-9393-1555D7DD57A6}" dt="2018-09-17T16:02:57.334" v="1665" actId="1076"/>
+          <ac:picMkLst>
+            <pc:docMk/>
+            <pc:sldMk cId="304533747" sldId="276"/>
+            <ac:picMk id="5124" creationId="{39396C02-F7F4-4165-AABF-BFDCB73BFA38}"/>
+          </ac:picMkLst>
+        </pc:picChg>
+        <pc:picChg chg="add mod">
+          <ac:chgData name="GIULIANO LATINI" userId="27e3ac559581c63f" providerId="LiveId" clId="{DACCFB85-F3A2-4F20-9393-1555D7DD57A6}" dt="2018-09-17T16:06:23.869" v="1668" actId="1076"/>
+          <ac:picMkLst>
+            <pc:docMk/>
+            <pc:sldMk cId="304533747" sldId="276"/>
+            <ac:picMk id="5126" creationId="{3DFC1D70-510B-4FD2-B1A0-66D98AFCA0AD}"/>
+          </ac:picMkLst>
+        </pc:picChg>
+      </pc:sldChg>
+      <pc:sldChg chg="addSp delSp modSp add">
+        <pc:chgData name="GIULIANO LATINI" userId="27e3ac559581c63f" providerId="LiveId" clId="{DACCFB85-F3A2-4F20-9393-1555D7DD57A6}" dt="2018-09-17T16:33:15.882" v="1822" actId="20577"/>
+        <pc:sldMkLst>
+          <pc:docMk/>
+          <pc:sldMk cId="1194557239" sldId="277"/>
+        </pc:sldMkLst>
+        <pc:spChg chg="add mod">
+          <ac:chgData name="GIULIANO LATINI" userId="27e3ac559581c63f" providerId="LiveId" clId="{DACCFB85-F3A2-4F20-9393-1555D7DD57A6}" dt="2018-09-17T16:33:15.882" v="1822" actId="20577"/>
+          <ac:spMkLst>
+            <pc:docMk/>
+            <pc:sldMk cId="1194557239" sldId="277"/>
+            <ac:spMk id="2" creationId="{118096B9-EDBA-4236-8FE5-99DD0A2199B4}"/>
+          </ac:spMkLst>
+        </pc:spChg>
+        <pc:spChg chg="mod">
+          <ac:chgData name="GIULIANO LATINI" userId="27e3ac559581c63f" providerId="LiveId" clId="{DACCFB85-F3A2-4F20-9393-1555D7DD57A6}" dt="2018-09-17T16:11:58.552" v="1679"/>
+          <ac:spMkLst>
+            <pc:docMk/>
+            <pc:sldMk cId="1194557239" sldId="277"/>
+            <ac:spMk id="7" creationId="{D179CEFE-54E9-4050-BCEC-5F22EDA1E3EE}"/>
+          </ac:spMkLst>
+        </pc:spChg>
+        <pc:spChg chg="mod">
+          <ac:chgData name="GIULIANO LATINI" userId="27e3ac559581c63f" providerId="LiveId" clId="{DACCFB85-F3A2-4F20-9393-1555D7DD57A6}" dt="2018-09-17T16:12:26.082" v="1682" actId="20577"/>
+          <ac:spMkLst>
+            <pc:docMk/>
+            <pc:sldMk cId="1194557239" sldId="277"/>
+            <ac:spMk id="8" creationId="{CE7D99B5-07B2-4C31-84EF-E9ABC9B337F6}"/>
+          </ac:spMkLst>
+        </pc:spChg>
+        <pc:spChg chg="add mod">
+          <ac:chgData name="GIULIANO LATINI" userId="27e3ac559581c63f" providerId="LiveId" clId="{DACCFB85-F3A2-4F20-9393-1555D7DD57A6}" dt="2018-09-17T16:32:49.397" v="1783" actId="20577"/>
+          <ac:spMkLst>
+            <pc:docMk/>
+            <pc:sldMk cId="1194557239" sldId="277"/>
+            <ac:spMk id="16" creationId="{74E41D3E-2D29-44F3-8482-F4791E9709B1}"/>
+          </ac:spMkLst>
+        </pc:spChg>
+        <pc:picChg chg="add mod">
+          <ac:chgData name="GIULIANO LATINI" userId="27e3ac559581c63f" providerId="LiveId" clId="{DACCFB85-F3A2-4F20-9393-1555D7DD57A6}" dt="2018-09-17T16:17:04.925" v="1698" actId="1076"/>
+          <ac:picMkLst>
+            <pc:docMk/>
+            <pc:sldMk cId="1194557239" sldId="277"/>
+            <ac:picMk id="9" creationId="{C60FE27D-3113-47E8-8C86-CF5ACE9C9B5B}"/>
+          </ac:picMkLst>
+        </pc:picChg>
+        <pc:picChg chg="add mod">
+          <ac:chgData name="GIULIANO LATINI" userId="27e3ac559581c63f" providerId="LiveId" clId="{DACCFB85-F3A2-4F20-9393-1555D7DD57A6}" dt="2018-09-17T16:17:14.758" v="1700" actId="571"/>
+          <ac:picMkLst>
+            <pc:docMk/>
+            <pc:sldMk cId="1194557239" sldId="277"/>
+            <ac:picMk id="10" creationId="{02DF07F7-E205-42FB-A913-AD58254FD537}"/>
+          </ac:picMkLst>
+        </pc:picChg>
+        <pc:picChg chg="add mod">
+          <ac:chgData name="GIULIANO LATINI" userId="27e3ac559581c63f" providerId="LiveId" clId="{DACCFB85-F3A2-4F20-9393-1555D7DD57A6}" dt="2018-09-17T16:15:38.950" v="1690" actId="1076"/>
+          <ac:picMkLst>
+            <pc:docMk/>
+            <pc:sldMk cId="1194557239" sldId="277"/>
+            <ac:picMk id="6146" creationId="{47E0E061-E538-47EB-8449-C80FFF9F73A7}"/>
+          </ac:picMkLst>
+        </pc:picChg>
+        <pc:picChg chg="add mod">
+          <ac:chgData name="GIULIANO LATINI" userId="27e3ac559581c63f" providerId="LiveId" clId="{DACCFB85-F3A2-4F20-9393-1555D7DD57A6}" dt="2018-09-17T16:15:45.486" v="1691" actId="1076"/>
+          <ac:picMkLst>
+            <pc:docMk/>
+            <pc:sldMk cId="1194557239" sldId="277"/>
+            <ac:picMk id="6148" creationId="{73E04341-C085-4892-BBE9-C09BF3365C1C}"/>
+          </ac:picMkLst>
+        </pc:picChg>
+        <pc:picChg chg="add del">
+          <ac:chgData name="GIULIANO LATINI" userId="27e3ac559581c63f" providerId="LiveId" clId="{DACCFB85-F3A2-4F20-9393-1555D7DD57A6}" dt="2018-09-17T16:16:24.030" v="1693" actId="478"/>
+          <ac:picMkLst>
+            <pc:docMk/>
+            <pc:sldMk cId="1194557239" sldId="277"/>
+            <ac:picMk id="6150" creationId="{9C1C8EF7-0328-4F78-9F8D-4FB12A1E8998}"/>
+          </ac:picMkLst>
+        </pc:picChg>
+        <pc:picChg chg="add del mod">
+          <ac:chgData name="GIULIANO LATINI" userId="27e3ac559581c63f" providerId="LiveId" clId="{DACCFB85-F3A2-4F20-9393-1555D7DD57A6}" dt="2018-09-17T16:17:07.245" v="1699" actId="478"/>
+          <ac:picMkLst>
+            <pc:docMk/>
+            <pc:sldMk cId="1194557239" sldId="277"/>
+            <ac:picMk id="6152" creationId="{F8582456-84E1-497E-A2F0-09D2F9374938}"/>
+          </ac:picMkLst>
+        </pc:picChg>
+        <pc:picChg chg="add mod">
+          <ac:chgData name="GIULIANO LATINI" userId="27e3ac559581c63f" providerId="LiveId" clId="{DACCFB85-F3A2-4F20-9393-1555D7DD57A6}" dt="2018-09-17T16:32:00.687" v="1763" actId="1076"/>
+          <ac:picMkLst>
+            <pc:docMk/>
+            <pc:sldMk cId="1194557239" sldId="277"/>
+            <ac:picMk id="6154" creationId="{D05269B3-F8EA-472E-A35C-C0AF3503638A}"/>
+          </ac:picMkLst>
+        </pc:picChg>
+        <pc:picChg chg="add del mod">
+          <ac:chgData name="GIULIANO LATINI" userId="27e3ac559581c63f" providerId="LiveId" clId="{DACCFB85-F3A2-4F20-9393-1555D7DD57A6}" dt="2018-09-17T16:32:00.687" v="1763" actId="1076"/>
+          <ac:picMkLst>
+            <pc:docMk/>
+            <pc:sldMk cId="1194557239" sldId="277"/>
+            <ac:picMk id="6156" creationId="{CFEBB018-1448-40BC-90E8-CCDD3D1D294F}"/>
+          </ac:picMkLst>
+        </pc:picChg>
+        <pc:picChg chg="add del mod">
+          <ac:chgData name="GIULIANO LATINI" userId="27e3ac559581c63f" providerId="LiveId" clId="{DACCFB85-F3A2-4F20-9393-1555D7DD57A6}" dt="2018-09-17T16:32:00.687" v="1763" actId="1076"/>
+          <ac:picMkLst>
+            <pc:docMk/>
+            <pc:sldMk cId="1194557239" sldId="277"/>
+            <ac:picMk id="6158" creationId="{52047E0F-463D-4294-A67F-4F1FB378F9DA}"/>
+          </ac:picMkLst>
+        </pc:picChg>
+        <pc:picChg chg="add mod">
+          <ac:chgData name="GIULIANO LATINI" userId="27e3ac559581c63f" providerId="LiveId" clId="{DACCFB85-F3A2-4F20-9393-1555D7DD57A6}" dt="2018-09-17T16:32:00.687" v="1763" actId="1076"/>
+          <ac:picMkLst>
+            <pc:docMk/>
+            <pc:sldMk cId="1194557239" sldId="277"/>
+            <ac:picMk id="6160" creationId="{BBB741B5-73F1-40B1-9419-8C162FE970C8}"/>
+          </ac:picMkLst>
+        </pc:picChg>
+        <pc:picChg chg="add mod ord modCrop">
+          <ac:chgData name="GIULIANO LATINI" userId="27e3ac559581c63f" providerId="LiveId" clId="{DACCFB85-F3A2-4F20-9393-1555D7DD57A6}" dt="2018-09-17T16:32:00.687" v="1763" actId="1076"/>
+          <ac:picMkLst>
+            <pc:docMk/>
+            <pc:sldMk cId="1194557239" sldId="277"/>
+            <ac:picMk id="6162" creationId="{C1230CDE-2EC7-4AC9-B1DF-C549993C4A77}"/>
+          </ac:picMkLst>
+        </pc:picChg>
+      </pc:sldChg>
+      <pc:sldChg chg="modSp add">
+        <pc:chgData name="GIULIANO LATINI" userId="27e3ac559581c63f" providerId="LiveId" clId="{DACCFB85-F3A2-4F20-9393-1555D7DD57A6}" dt="2018-09-17T16:34:17.346" v="1825" actId="27636"/>
+        <pc:sldMkLst>
+          <pc:docMk/>
+          <pc:sldMk cId="4203200150" sldId="278"/>
+        </pc:sldMkLst>
+        <pc:spChg chg="mod">
+          <ac:chgData name="GIULIANO LATINI" userId="27e3ac559581c63f" providerId="LiveId" clId="{DACCFB85-F3A2-4F20-9393-1555D7DD57A6}" dt="2018-09-17T16:34:17.346" v="1825" actId="27636"/>
+          <ac:spMkLst>
+            <pc:docMk/>
+            <pc:sldMk cId="4203200150" sldId="278"/>
+            <ac:spMk id="2" creationId="{7949173F-1975-47A7-B592-458759073468}"/>
+          </ac:spMkLst>
+        </pc:spChg>
+      </pc:sldChg>
+      <pc:sldChg chg="addSp delSp modSp add">
+        <pc:chgData name="GIULIANO LATINI" userId="27e3ac559581c63f" providerId="LiveId" clId="{DACCFB85-F3A2-4F20-9393-1555D7DD57A6}" dt="2018-09-17T16:46:26.902" v="1855" actId="1076"/>
+        <pc:sldMkLst>
+          <pc:docMk/>
+          <pc:sldMk cId="2693854401" sldId="279"/>
+        </pc:sldMkLst>
+        <pc:spChg chg="add del mod">
+          <ac:chgData name="GIULIANO LATINI" userId="27e3ac559581c63f" providerId="LiveId" clId="{DACCFB85-F3A2-4F20-9393-1555D7DD57A6}" dt="2018-09-17T16:37:05.751" v="1834" actId="478"/>
+          <ac:spMkLst>
+            <pc:docMk/>
+            <pc:sldMk cId="2693854401" sldId="279"/>
+            <ac:spMk id="3" creationId="{6C4CEA7F-9B33-4B67-98F1-AF20854364D7}"/>
+          </ac:spMkLst>
+        </pc:spChg>
+        <pc:spChg chg="mod">
+          <ac:chgData name="GIULIANO LATINI" userId="27e3ac559581c63f" providerId="LiveId" clId="{DACCFB85-F3A2-4F20-9393-1555D7DD57A6}" dt="2018-09-17T16:35:03.028" v="1827"/>
+          <ac:spMkLst>
+            <pc:docMk/>
+            <pc:sldMk cId="2693854401" sldId="279"/>
+            <ac:spMk id="7" creationId="{D179CEFE-54E9-4050-BCEC-5F22EDA1E3EE}"/>
+          </ac:spMkLst>
+        </pc:spChg>
+        <pc:spChg chg="del mod">
+          <ac:chgData name="GIULIANO LATINI" userId="27e3ac559581c63f" providerId="LiveId" clId="{DACCFB85-F3A2-4F20-9393-1555D7DD57A6}" dt="2018-09-17T16:35:11.610" v="1830" actId="478"/>
+          <ac:spMkLst>
+            <pc:docMk/>
+            <pc:sldMk cId="2693854401" sldId="279"/>
+            <ac:spMk id="8" creationId="{CE7D99B5-07B2-4C31-84EF-E9ABC9B337F6}"/>
+          </ac:spMkLst>
+        </pc:spChg>
+        <pc:picChg chg="add mod">
+          <ac:chgData name="GIULIANO LATINI" userId="27e3ac559581c63f" providerId="LiveId" clId="{DACCFB85-F3A2-4F20-9393-1555D7DD57A6}" dt="2018-09-17T16:46:25.070" v="1854" actId="1076"/>
+          <ac:picMkLst>
+            <pc:docMk/>
+            <pc:sldMk cId="2693854401" sldId="279"/>
+            <ac:picMk id="4" creationId="{B2AD94FD-9258-4FE4-8CDF-9C34D867F7D9}"/>
+          </ac:picMkLst>
+        </pc:picChg>
+        <pc:picChg chg="add mod">
+          <ac:chgData name="GIULIANO LATINI" userId="27e3ac559581c63f" providerId="LiveId" clId="{DACCFB85-F3A2-4F20-9393-1555D7DD57A6}" dt="2018-09-17T16:45:34.518" v="1843" actId="1076"/>
+          <ac:picMkLst>
+            <pc:docMk/>
+            <pc:sldMk cId="2693854401" sldId="279"/>
+            <ac:picMk id="7170" creationId="{B5D115CA-C85C-4EC0-B8E1-4780A451D743}"/>
+          </ac:picMkLst>
+        </pc:picChg>
+        <pc:picChg chg="add mod">
+          <ac:chgData name="GIULIANO LATINI" userId="27e3ac559581c63f" providerId="LiveId" clId="{DACCFB85-F3A2-4F20-9393-1555D7DD57A6}" dt="2018-09-17T16:45:35.653" v="1844" actId="1076"/>
+          <ac:picMkLst>
+            <pc:docMk/>
+            <pc:sldMk cId="2693854401" sldId="279"/>
+            <ac:picMk id="7172" creationId="{047425B8-D93B-4D6A-B2E5-ECE104C0C929}"/>
+          </ac:picMkLst>
+        </pc:picChg>
+        <pc:picChg chg="add mod">
+          <ac:chgData name="GIULIANO LATINI" userId="27e3ac559581c63f" providerId="LiveId" clId="{DACCFB85-F3A2-4F20-9393-1555D7DD57A6}" dt="2018-09-17T16:46:26.902" v="1855" actId="1076"/>
+          <ac:picMkLst>
+            <pc:docMk/>
+            <pc:sldMk cId="2693854401" sldId="279"/>
+            <ac:picMk id="7174" creationId="{19BBFC76-C28C-4B0E-AAB6-BA77586617AE}"/>
+          </ac:picMkLst>
+        </pc:picChg>
+      </pc:sldChg>
+      <pc:sldChg chg="addSp delSp modSp add">
+        <pc:chgData name="GIULIANO LATINI" userId="27e3ac559581c63f" providerId="LiveId" clId="{DACCFB85-F3A2-4F20-9393-1555D7DD57A6}" dt="2018-09-17T16:52:39" v="1936" actId="208"/>
+        <pc:sldMkLst>
+          <pc:docMk/>
+          <pc:sldMk cId="744094650" sldId="280"/>
+        </pc:sldMkLst>
+        <pc:spChg chg="add del mod">
+          <ac:chgData name="GIULIANO LATINI" userId="27e3ac559581c63f" providerId="LiveId" clId="{DACCFB85-F3A2-4F20-9393-1555D7DD57A6}" dt="2018-09-17T16:51:37.947" v="1931" actId="478"/>
+          <ac:spMkLst>
+            <pc:docMk/>
+            <pc:sldMk cId="744094650" sldId="280"/>
+            <ac:spMk id="5" creationId="{021DC463-E2F6-4225-83A6-069458C294A8}"/>
+          </ac:spMkLst>
+        </pc:spChg>
+        <pc:picChg chg="add mod">
+          <ac:chgData name="GIULIANO LATINI" userId="27e3ac559581c63f" providerId="LiveId" clId="{DACCFB85-F3A2-4F20-9393-1555D7DD57A6}" dt="2018-09-17T16:50:53.406" v="1928" actId="1076"/>
+          <ac:picMkLst>
+            <pc:docMk/>
+            <pc:sldMk cId="744094650" sldId="280"/>
+            <ac:picMk id="2" creationId="{ACDD62A7-C3D5-4173-84A1-7FA415B57582}"/>
+          </ac:picMkLst>
+        </pc:picChg>
+        <pc:picChg chg="add mod">
+          <ac:chgData name="GIULIANO LATINI" userId="27e3ac559581c63f" providerId="LiveId" clId="{DACCFB85-F3A2-4F20-9393-1555D7DD57A6}" dt="2018-09-17T16:50:53.406" v="1928" actId="1076"/>
+          <ac:picMkLst>
+            <pc:docMk/>
+            <pc:sldMk cId="744094650" sldId="280"/>
+            <ac:picMk id="3" creationId="{BA4F9B12-91DA-44D4-A2AA-ECB6BC7540DE}"/>
+          </ac:picMkLst>
+        </pc:picChg>
+        <pc:picChg chg="del">
+          <ac:chgData name="GIULIANO LATINI" userId="27e3ac559581c63f" providerId="LiveId" clId="{DACCFB85-F3A2-4F20-9393-1555D7DD57A6}" dt="2018-09-17T16:46:38.903" v="1857" actId="478"/>
+          <ac:picMkLst>
+            <pc:docMk/>
+            <pc:sldMk cId="744094650" sldId="280"/>
+            <ac:picMk id="4" creationId="{B2AD94FD-9258-4FE4-8CDF-9C34D867F7D9}"/>
+          </ac:picMkLst>
+        </pc:picChg>
+        <pc:picChg chg="mod">
+          <ac:chgData name="GIULIANO LATINI" userId="27e3ac559581c63f" providerId="LiveId" clId="{DACCFB85-F3A2-4F20-9393-1555D7DD57A6}" dt="2018-09-17T16:50:56.478" v="1929" actId="1076"/>
+          <ac:picMkLst>
+            <pc:docMk/>
+            <pc:sldMk cId="744094650" sldId="280"/>
+            <ac:picMk id="7174" creationId="{19BBFC76-C28C-4B0E-AAB6-BA77586617AE}"/>
+          </ac:picMkLst>
+        </pc:picChg>
+        <pc:picChg chg="add mod">
+          <ac:chgData name="GIULIANO LATINI" userId="27e3ac559581c63f" providerId="LiveId" clId="{DACCFB85-F3A2-4F20-9393-1555D7DD57A6}" dt="2018-09-17T16:50:45.886" v="1927" actId="1076"/>
+          <ac:picMkLst>
+            <pc:docMk/>
+            <pc:sldMk cId="744094650" sldId="280"/>
+            <ac:picMk id="8194" creationId="{CC273FBF-E2DD-499E-AC03-D56EBADEAB40}"/>
+          </ac:picMkLst>
+        </pc:picChg>
+        <pc:picChg chg="add mod">
+          <ac:chgData name="GIULIANO LATINI" userId="27e3ac559581c63f" providerId="LiveId" clId="{DACCFB85-F3A2-4F20-9393-1555D7DD57A6}" dt="2018-09-17T16:50:45.886" v="1927" actId="1076"/>
+          <ac:picMkLst>
+            <pc:docMk/>
+            <pc:sldMk cId="744094650" sldId="280"/>
+            <ac:picMk id="8196" creationId="{AA56EC4E-1E67-4B18-8925-8EF87D91654C}"/>
+          </ac:picMkLst>
+        </pc:picChg>
+        <pc:cxnChg chg="add mod">
+          <ac:chgData name="GIULIANO LATINI" userId="27e3ac559581c63f" providerId="LiveId" clId="{DACCFB85-F3A2-4F20-9393-1555D7DD57A6}" dt="2018-09-17T16:52:39" v="1936" actId="208"/>
+          <ac:cxnSpMkLst>
+            <pc:docMk/>
+            <pc:sldMk cId="744094650" sldId="280"/>
+            <ac:cxnSpMk id="8" creationId="{F7EA38C9-82DC-444D-8286-EED8DB740125}"/>
+          </ac:cxnSpMkLst>
+        </pc:cxnChg>
+      </pc:sldChg>
+      <pc:sldChg chg="modSp add">
+        <pc:chgData name="GIULIANO LATINI" userId="27e3ac559581c63f" providerId="LiveId" clId="{DACCFB85-F3A2-4F20-9393-1555D7DD57A6}" dt="2018-09-17T16:53:21.039" v="1939" actId="27636"/>
+        <pc:sldMkLst>
+          <pc:docMk/>
+          <pc:sldMk cId="138074051" sldId="281"/>
+        </pc:sldMkLst>
+        <pc:spChg chg="mod">
+          <ac:chgData name="GIULIANO LATINI" userId="27e3ac559581c63f" providerId="LiveId" clId="{DACCFB85-F3A2-4F20-9393-1555D7DD57A6}" dt="2018-09-17T16:53:21.039" v="1939" actId="27636"/>
+          <ac:spMkLst>
+            <pc:docMk/>
+            <pc:sldMk cId="138074051" sldId="281"/>
+            <ac:spMk id="2" creationId="{7949173F-1975-47A7-B592-458759073468}"/>
+          </ac:spMkLst>
+        </pc:spChg>
+      </pc:sldChg>
+      <pc:sldChg chg="addSp delSp modSp add">
+        <pc:chgData name="GIULIANO LATINI" userId="27e3ac559581c63f" providerId="LiveId" clId="{DACCFB85-F3A2-4F20-9393-1555D7DD57A6}" dt="2018-09-17T16:54:06.907" v="1945" actId="478"/>
+        <pc:sldMkLst>
+          <pc:docMk/>
+          <pc:sldMk cId="4278045101" sldId="282"/>
+        </pc:sldMkLst>
+        <pc:spChg chg="add del mod">
+          <ac:chgData name="GIULIANO LATINI" userId="27e3ac559581c63f" providerId="LiveId" clId="{DACCFB85-F3A2-4F20-9393-1555D7DD57A6}" dt="2018-09-17T16:54:06.907" v="1945" actId="478"/>
+          <ac:spMkLst>
+            <pc:docMk/>
+            <pc:sldMk cId="4278045101" sldId="282"/>
+            <ac:spMk id="3" creationId="{AC2D7279-9418-4FEF-96CD-7CC2D3649184}"/>
+          </ac:spMkLst>
+        </pc:spChg>
+        <pc:spChg chg="mod">
+          <ac:chgData name="GIULIANO LATINI" userId="27e3ac559581c63f" providerId="LiveId" clId="{DACCFB85-F3A2-4F20-9393-1555D7DD57A6}" dt="2018-09-17T16:53:53.787" v="1941"/>
+          <ac:spMkLst>
+            <pc:docMk/>
+            <pc:sldMk cId="4278045101" sldId="282"/>
+            <ac:spMk id="7" creationId="{D179CEFE-54E9-4050-BCEC-5F22EDA1E3EE}"/>
+          </ac:spMkLst>
+        </pc:spChg>
+        <pc:spChg chg="del mod">
+          <ac:chgData name="GIULIANO LATINI" userId="27e3ac559581c63f" providerId="LiveId" clId="{DACCFB85-F3A2-4F20-9393-1555D7DD57A6}" dt="2018-09-17T16:54:02.682" v="1944" actId="478"/>
+          <ac:spMkLst>
+            <pc:docMk/>
+            <pc:sldMk cId="4278045101" sldId="282"/>
+            <ac:spMk id="8" creationId="{CE7D99B5-07B2-4C31-84EF-E9ABC9B337F6}"/>
+          </ac:spMkLst>
+        </pc:spChg>
       </pc:sldChg>
     </pc:docChg>
   </pc:docChgLst>
@@ -1176,7 +1885,7 @@
           <a:p>
             <a:fld id="{0AE94EDD-D22A-4702-AFE1-732A7AD641D0}" type="datetimeFigureOut">
               <a:rPr lang="en-US" smtClean="0"/>
-              <a:t>9/16/2018</a:t>
+              <a:t>9/17/2018</a:t>
             </a:fld>
             <a:endParaRPr lang="en-US"/>
           </a:p>
@@ -2978,7 +3687,7 @@
             </a:ln>
             <a:extLst>
               <a:ext uri="{91240B29-F687-4f45-9708-019B960494DF}">
-                <a14:hiddenLine xmlns:a14="http://schemas.microsoft.com/office/drawing/2010/main" xmlns="" w="9525">
+                <a14:hiddenLine xmlns="" xmlns:a14="http://schemas.microsoft.com/office/drawing/2010/main" w="9525">
                   <a:solidFill>
                     <a:srgbClr val="000000"/>
                   </a:solidFill>
@@ -3200,7 +3909,7 @@
             </a:ln>
             <a:extLst>
               <a:ext uri="{91240B29-F687-4f45-9708-019B960494DF}">
-                <a14:hiddenLine xmlns:a14="http://schemas.microsoft.com/office/drawing/2010/main" xmlns="" w="9525">
+                <a14:hiddenLine xmlns="" xmlns:a14="http://schemas.microsoft.com/office/drawing/2010/main" w="9525">
                   <a:solidFill>
                     <a:srgbClr val="000000"/>
                   </a:solidFill>
@@ -5440,7 +6149,7 @@
             </a:ln>
             <a:extLst>
               <a:ext uri="{91240B29-F687-4f45-9708-019B960494DF}">
-                <a14:hiddenLine xmlns:a14="http://schemas.microsoft.com/office/drawing/2010/main" xmlns="" w="9525">
+                <a14:hiddenLine xmlns="" xmlns:a14="http://schemas.microsoft.com/office/drawing/2010/main" w="9525">
                   <a:solidFill>
                     <a:srgbClr val="000000"/>
                   </a:solidFill>
@@ -5872,7 +6581,7 @@
             </a:ln>
             <a:extLst>
               <a:ext uri="{91240B29-F687-4f45-9708-019B960494DF}">
-                <a14:hiddenLine xmlns:a14="http://schemas.microsoft.com/office/drawing/2010/main" xmlns="" w="9525">
+                <a14:hiddenLine xmlns="" xmlns:a14="http://schemas.microsoft.com/office/drawing/2010/main" w="9525">
                   <a:solidFill>
                     <a:srgbClr val="000000"/>
                   </a:solidFill>
@@ -6996,7 +7705,7 @@
             </a:ln>
             <a:extLst>
               <a:ext uri="{91240B29-F687-4f45-9708-019B960494DF}">
-                <a14:hiddenLine xmlns:a14="http://schemas.microsoft.com/office/drawing/2010/main" xmlns="" w="9525">
+                <a14:hiddenLine xmlns="" xmlns:a14="http://schemas.microsoft.com/office/drawing/2010/main" w="9525">
                   <a:solidFill>
                     <a:srgbClr val="000000"/>
                   </a:solidFill>
@@ -7428,7 +8137,7 @@
             </a:ln>
             <a:extLst>
               <a:ext uri="{91240B29-F687-4f45-9708-019B960494DF}">
-                <a14:hiddenLine xmlns:a14="http://schemas.microsoft.com/office/drawing/2010/main" xmlns="" w="9525">
+                <a14:hiddenLine xmlns="" xmlns:a14="http://schemas.microsoft.com/office/drawing/2010/main" w="9525">
                   <a:solidFill>
                     <a:srgbClr val="000000"/>
                   </a:solidFill>
@@ -8989,7 +9698,7 @@
           <a:p>
             <a:fld id="{0AE94EDD-D22A-4702-AFE1-732A7AD641D0}" type="datetimeFigureOut">
               <a:rPr lang="en-US" smtClean="0"/>
-              <a:t>9/16/2018</a:t>
+              <a:t>9/17/2018</a:t>
             </a:fld>
             <a:endParaRPr lang="en-US"/>
           </a:p>
@@ -10925,8 +11634,64 @@
         </p:nvSpPr>
         <p:spPr/>
         <p:txBody>
-          <a:bodyPr/>
+          <a:bodyPr>
+            <a:normAutofit fontScale="85000" lnSpcReduction="10000"/>
+          </a:bodyPr>
           <a:lstStyle/>
+          <a:p>
+            <a:r>
+              <a:rPr lang="it-IT" dirty="0"/>
+              <a:t>In tempi di </a:t>
+            </a:r>
+            <a:r>
+              <a:rPr lang="it-IT" dirty="0" err="1"/>
+              <a:t>Devops</a:t>
+            </a:r>
+            <a:r>
+              <a:rPr lang="it-IT" dirty="0"/>
+              <a:t>, l'infrastruttura abbandona la fisicità di cavi e ferro e </a:t>
+            </a:r>
+            <a:r>
+              <a:rPr lang="it-IT" dirty="0" err="1"/>
+              <a:t>và</a:t>
+            </a:r>
+            <a:r>
+              <a:rPr lang="it-IT" dirty="0"/>
+              <a:t> re-interpretata come codice che: definisce, crea, modifica e distrugge. Con un approccio pratico, analizzeremo quattro frammenti di codice: </a:t>
+            </a:r>
+            <a:r>
+              <a:rPr lang="it-IT" dirty="0" err="1"/>
+              <a:t>python</a:t>
+            </a:r>
+            <a:r>
+              <a:rPr lang="it-IT" dirty="0"/>
+              <a:t>, </a:t>
+            </a:r>
+            <a:r>
+              <a:rPr lang="it-IT" dirty="0" err="1"/>
+              <a:t>powershell</a:t>
+            </a:r>
+            <a:r>
+              <a:rPr lang="it-IT" dirty="0"/>
+              <a:t>, </a:t>
+            </a:r>
+            <a:r>
+              <a:rPr lang="it-IT" dirty="0" err="1"/>
+              <a:t>ruby</a:t>
+            </a:r>
+            <a:r>
+              <a:rPr lang="it-IT" dirty="0"/>
+              <a:t> e </a:t>
+            </a:r>
+            <a:r>
+              <a:rPr lang="it-IT" dirty="0" err="1"/>
+              <a:t>bash</a:t>
+            </a:r>
+            <a:r>
+              <a:rPr lang="it-IT" dirty="0"/>
+              <a:t>. L'esecuzione del codice ci mostrerà l'effetto prodotto sull'infrastruttura. L'obiettivo della sessione è mostrare come il codice influenza l'infrastruttura, un primo passo per arrivare ad implementare un'infrastruttura tramite codice.</a:t>
+            </a:r>
+          </a:p>
           <a:p>
             <a:endParaRPr lang="en-US" dirty="0"/>
           </a:p>
@@ -10964,10 +11729,10 @@
       </p:grpSpPr>
       <p:sp>
         <p:nvSpPr>
-          <p:cNvPr id="2" name="Text Placeholder 1">
-            <a:extLst>
-              <a:ext uri="{FF2B5EF4-FFF2-40B4-BE49-F238E27FC236}">
-                <a16:creationId xmlns:a16="http://schemas.microsoft.com/office/drawing/2014/main" id="{28AD7696-4518-4706-8338-7F16A9E1D481}"/>
+          <p:cNvPr id="7" name="Title 6">
+            <a:extLst>
+              <a:ext uri="{FF2B5EF4-FFF2-40B4-BE49-F238E27FC236}">
+                <a16:creationId xmlns:a16="http://schemas.microsoft.com/office/drawing/2014/main" id="{D179CEFE-54E9-4050-BCEC-5F22EDA1E3EE}"/>
               </a:ext>
             </a:extLst>
           </p:cNvPr>
@@ -10975,22 +11740,222 @@
             <a:spLocks noGrp="1"/>
           </p:cNvSpPr>
           <p:nvPr>
-            <p:ph type="body" sz="quarter" idx="13"/>
+            <p:ph type="title"/>
+          </p:nvPr>
+        </p:nvSpPr>
+        <p:spPr>
+          <a:xfrm>
+            <a:off x="325315" y="136525"/>
+            <a:ext cx="11028485" cy="626517"/>
+          </a:xfrm>
+        </p:spPr>
+        <p:txBody>
+          <a:bodyPr/>
+          <a:lstStyle/>
+          <a:p>
+            <a:r>
+              <a:rPr lang="en-US" dirty="0"/>
+              <a:t>DevOps: </a:t>
+            </a:r>
+            <a:r>
+              <a:rPr lang="en-US" dirty="0" err="1"/>
+              <a:t>cosa</a:t>
+            </a:r>
+            <a:r>
+              <a:rPr lang="en-US" dirty="0"/>
+              <a:t> </a:t>
+            </a:r>
+            <a:r>
+              <a:rPr lang="en-US" dirty="0" err="1"/>
+              <a:t>significa</a:t>
+            </a:r>
+            <a:r>
+              <a:rPr lang="en-US" dirty="0"/>
+              <a:t>? </a:t>
+            </a:r>
+            <a:r>
+              <a:rPr lang="en-US" dirty="0" err="1"/>
+              <a:t>Definiamo</a:t>
+            </a:r>
+            <a:r>
+              <a:rPr lang="en-US" dirty="0"/>
+              <a:t> </a:t>
+            </a:r>
+            <a:r>
+              <a:rPr lang="en-US" dirty="0" err="1"/>
+              <a:t>il</a:t>
+            </a:r>
+            <a:r>
+              <a:rPr lang="en-US" dirty="0"/>
+              <a:t> </a:t>
+            </a:r>
+            <a:r>
+              <a:rPr lang="en-US" dirty="0" err="1"/>
+              <a:t>contesto</a:t>
+            </a:r>
+            <a:endParaRPr lang="en-US" dirty="0"/>
+          </a:p>
+        </p:txBody>
+      </p:sp>
+      <p:sp>
+        <p:nvSpPr>
+          <p:cNvPr id="8" name="Content Placeholder 7">
+            <a:extLst>
+              <a:ext uri="{FF2B5EF4-FFF2-40B4-BE49-F238E27FC236}">
+                <a16:creationId xmlns:a16="http://schemas.microsoft.com/office/drawing/2014/main" id="{CE7D99B5-07B2-4C31-84EF-E9ABC9B337F6}"/>
+              </a:ext>
+            </a:extLst>
+          </p:cNvPr>
+          <p:cNvSpPr>
+            <a:spLocks noGrp="1"/>
+          </p:cNvSpPr>
+          <p:nvPr>
+            <p:ph idx="1"/>
           </p:nvPr>
         </p:nvSpPr>
         <p:spPr/>
         <p:txBody>
-          <a:bodyPr/>
+          <a:bodyPr>
+            <a:normAutofit/>
+          </a:bodyPr>
           <a:lstStyle/>
           <a:p>
-            <a:endParaRPr lang="en-US"/>
+            <a:pPr marL="457200" indent="-457200">
+              <a:lnSpc>
+                <a:spcPct val="150000"/>
+              </a:lnSpc>
+              <a:spcBef>
+                <a:spcPts val="1800"/>
+              </a:spcBef>
+              <a:buFont typeface="Arial" panose="020B0604020202020204" pitchFamily="34" charset="0"/>
+              <a:buChar char="•"/>
+            </a:pPr>
+            <a:r>
+              <a:rPr lang="en-US" sz="4400" dirty="0" err="1"/>
+              <a:t>Definizione</a:t>
+            </a:r>
+            <a:endParaRPr lang="en-US" sz="4400" dirty="0"/>
+          </a:p>
+          <a:p>
+            <a:pPr marL="457200" indent="-457200">
+              <a:lnSpc>
+                <a:spcPct val="150000"/>
+              </a:lnSpc>
+              <a:spcBef>
+                <a:spcPts val="1800"/>
+              </a:spcBef>
+              <a:buFont typeface="Arial" panose="020B0604020202020204" pitchFamily="34" charset="0"/>
+              <a:buChar char="•"/>
+            </a:pPr>
+            <a:r>
+              <a:rPr lang="en-US" sz="4400" dirty="0" err="1"/>
+              <a:t>Corollario</a:t>
+            </a:r>
+            <a:endParaRPr lang="en-US" sz="4400" dirty="0"/>
+          </a:p>
+          <a:p>
+            <a:pPr marL="457200" indent="-457200">
+              <a:lnSpc>
+                <a:spcPct val="150000"/>
+              </a:lnSpc>
+              <a:spcBef>
+                <a:spcPts val="1800"/>
+              </a:spcBef>
+              <a:buFont typeface="Arial" panose="020B0604020202020204" pitchFamily="34" charset="0"/>
+              <a:buChar char="•"/>
+            </a:pPr>
+            <a:r>
+              <a:rPr lang="en-US" sz="4400" dirty="0"/>
+              <a:t>La </a:t>
+            </a:r>
+            <a:r>
+              <a:rPr lang="en-US" sz="4400" dirty="0" err="1"/>
+              <a:t>mia</a:t>
+            </a:r>
+            <a:r>
+              <a:rPr lang="en-US" sz="4400" dirty="0"/>
+              <a:t> </a:t>
+            </a:r>
+            <a:r>
+              <a:rPr lang="en-US" sz="4400" dirty="0" err="1"/>
+              <a:t>opinione</a:t>
+            </a:r>
+            <a:endParaRPr lang="en-US" sz="4400" dirty="0"/>
+          </a:p>
+          <a:p>
+            <a:pPr marL="457200" indent="-457200">
+              <a:spcBef>
+                <a:spcPts val="1800"/>
+              </a:spcBef>
+              <a:buFont typeface="Arial" panose="020B0604020202020204" pitchFamily="34" charset="0"/>
+              <a:buChar char="•"/>
+            </a:pPr>
+            <a:endParaRPr lang="en-US" dirty="0"/>
+          </a:p>
+          <a:p>
+            <a:pPr marL="457200" indent="-457200">
+              <a:spcBef>
+                <a:spcPts val="1800"/>
+              </a:spcBef>
+              <a:buFont typeface="Arial" panose="020B0604020202020204" pitchFamily="34" charset="0"/>
+              <a:buChar char="•"/>
+            </a:pPr>
+            <a:endParaRPr lang="en-US" dirty="0"/>
+          </a:p>
+          <a:p>
+            <a:pPr marL="457200" indent="-457200">
+              <a:spcBef>
+                <a:spcPts val="1800"/>
+              </a:spcBef>
+              <a:buFont typeface="Arial" panose="020B0604020202020204" pitchFamily="34" charset="0"/>
+              <a:buChar char="•"/>
+            </a:pPr>
+            <a:endParaRPr lang="en-US" dirty="0"/>
+          </a:p>
+          <a:p>
+            <a:endParaRPr lang="en-US" dirty="0"/>
+          </a:p>
+          <a:p>
+            <a:pPr marL="457200" indent="-457200">
+              <a:buFont typeface="Arial" panose="020B0604020202020204" pitchFamily="34" charset="0"/>
+              <a:buChar char="•"/>
+            </a:pPr>
+            <a:endParaRPr lang="en-US" dirty="0"/>
+          </a:p>
+          <a:p>
+            <a:pPr marL="457200" indent="-457200">
+              <a:buFont typeface="Arial" panose="020B0604020202020204" pitchFamily="34" charset="0"/>
+              <a:buChar char="•"/>
+            </a:pPr>
+            <a:endParaRPr lang="en-US" dirty="0"/>
+          </a:p>
+          <a:p>
+            <a:pPr marL="457200" indent="-457200">
+              <a:buFont typeface="Arial" panose="020B0604020202020204" pitchFamily="34" charset="0"/>
+              <a:buChar char="•"/>
+            </a:pPr>
+            <a:endParaRPr lang="en-US" dirty="0"/>
+          </a:p>
+          <a:p>
+            <a:pPr marL="457200" indent="-457200">
+              <a:buFont typeface="Arial" panose="020B0604020202020204" pitchFamily="34" charset="0"/>
+              <a:buChar char="•"/>
+            </a:pPr>
+            <a:endParaRPr lang="en-US" dirty="0"/>
+          </a:p>
+          <a:p>
+            <a:pPr marL="457200" indent="-457200">
+              <a:buFont typeface="Arial" panose="020B0604020202020204" pitchFamily="34" charset="0"/>
+              <a:buChar char="•"/>
+            </a:pPr>
+            <a:endParaRPr lang="en-US" dirty="0"/>
           </a:p>
         </p:txBody>
       </p:sp>
     </p:spTree>
     <p:extLst>
       <p:ext uri="{BB962C8B-B14F-4D97-AF65-F5344CB8AC3E}">
-        <p14:creationId xmlns:p14="http://schemas.microsoft.com/office/powerpoint/2010/main" val="209294851"/>
+        <p14:creationId xmlns:p14="http://schemas.microsoft.com/office/powerpoint/2010/main" val="1313978287"/>
       </p:ext>
     </p:extLst>
   </p:cSld>
@@ -11022,7 +11987,7 @@
           <p:cNvPr id="2" name="Text Placeholder 1">
             <a:extLst>
               <a:ext uri="{FF2B5EF4-FFF2-40B4-BE49-F238E27FC236}">
-                <a16:creationId xmlns:a16="http://schemas.microsoft.com/office/drawing/2014/main" id="{A5DB07F4-037E-4666-BFFC-D4BC9B32ADA4}"/>
+                <a16:creationId xmlns:a16="http://schemas.microsoft.com/office/drawing/2014/main" id="{28AD7696-4518-4706-8338-7F16A9E1D481}"/>
               </a:ext>
             </a:extLst>
           </p:cNvPr>
@@ -11030,19 +11995,504 @@
             <a:spLocks noGrp="1"/>
           </p:cNvSpPr>
           <p:nvPr>
-            <p:ph type="body" sz="quarter" idx="10"/>
+            <p:ph type="body" sz="quarter" idx="13"/>
+          </p:nvPr>
+        </p:nvSpPr>
+        <p:spPr/>
+        <p:txBody>
+          <a:bodyPr/>
+          <a:lstStyle/>
+          <a:p>
+            <a:r>
+              <a:rPr lang="en-US" sz="3600" b="1" dirty="0"/>
+              <a:t>DevOps is the practice of operations and development engineers participating together in the entire service lifecycle, from design through the development process to production support.</a:t>
+            </a:r>
+            <a:endParaRPr lang="en-US" sz="3600" dirty="0"/>
+          </a:p>
+        </p:txBody>
+      </p:sp>
+      <p:pic>
+        <p:nvPicPr>
+          <p:cNvPr id="2050" name="Picture 2" descr="Immagine correlata">
+            <a:extLst>
+              <a:ext uri="{FF2B5EF4-FFF2-40B4-BE49-F238E27FC236}">
+                <a16:creationId xmlns:a16="http://schemas.microsoft.com/office/drawing/2014/main" id="{DAD99FAF-74EF-4811-8D5B-9A48955FC2EE}"/>
+              </a:ext>
+            </a:extLst>
+          </p:cNvPr>
+          <p:cNvPicPr>
+            <a:picLocks noChangeAspect="1" noChangeArrowheads="1"/>
+          </p:cNvPicPr>
+          <p:nvPr/>
+        </p:nvPicPr>
+        <p:blipFill>
+          <a:blip r:embed="rId2">
+            <a:extLst>
+              <a:ext uri="{28A0092B-C50C-407E-A947-70E740481C1C}">
+                <a14:useLocalDpi xmlns:a14="http://schemas.microsoft.com/office/drawing/2010/main" val="0"/>
+              </a:ext>
+            </a:extLst>
+          </a:blip>
+          <a:srcRect/>
+          <a:stretch>
+            <a:fillRect/>
+          </a:stretch>
+        </p:blipFill>
+        <p:spPr bwMode="auto">
+          <a:xfrm>
+            <a:off x="3392379" y="120526"/>
+            <a:ext cx="5407241" cy="2766012"/>
+          </a:xfrm>
+          <a:prstGeom prst="rect">
+            <a:avLst/>
+          </a:prstGeom>
+          <a:noFill/>
+          <a:extLst>
+            <a:ext uri="{909E8E84-426E-40DD-AFC4-6F175D3DCCD1}">
+              <a14:hiddenFill xmlns:a14="http://schemas.microsoft.com/office/drawing/2010/main">
+                <a:solidFill>
+                  <a:srgbClr val="FFFFFF"/>
+                </a:solidFill>
+              </a14:hiddenFill>
+            </a:ext>
+          </a:extLst>
+        </p:spPr>
+      </p:pic>
+    </p:spTree>
+    <p:extLst>
+      <p:ext uri="{BB962C8B-B14F-4D97-AF65-F5344CB8AC3E}">
+        <p14:creationId xmlns:p14="http://schemas.microsoft.com/office/powerpoint/2010/main" val="1705890292"/>
+      </p:ext>
+    </p:extLst>
+  </p:cSld>
+  <p:clrMapOvr>
+    <a:masterClrMapping/>
+  </p:clrMapOvr>
+</p:sld>
+</file>
+
+<file path=ppt/slides/slide12.xml><?xml version="1.0" encoding="utf-8"?>
+<p:sld xmlns:a="http://schemas.openxmlformats.org/drawingml/2006/main" xmlns:r="http://schemas.openxmlformats.org/officeDocument/2006/relationships" xmlns:p="http://schemas.openxmlformats.org/presentationml/2006/main">
+  <p:cSld>
+    <p:spTree>
+      <p:nvGrpSpPr>
+        <p:cNvPr id="1" name=""/>
+        <p:cNvGrpSpPr/>
+        <p:nvPr/>
+      </p:nvGrpSpPr>
+      <p:grpSpPr>
+        <a:xfrm>
+          <a:off x="0" y="0"/>
+          <a:ext cx="0" cy="0"/>
+          <a:chOff x="0" y="0"/>
+          <a:chExt cx="0" cy="0"/>
+        </a:xfrm>
+      </p:grpSpPr>
+      <p:sp>
+        <p:nvSpPr>
+          <p:cNvPr id="2" name="Text Placeholder 1">
+            <a:extLst>
+              <a:ext uri="{FF2B5EF4-FFF2-40B4-BE49-F238E27FC236}">
+                <a16:creationId xmlns:a16="http://schemas.microsoft.com/office/drawing/2014/main" id="{28AD7696-4518-4706-8338-7F16A9E1D481}"/>
+              </a:ext>
+            </a:extLst>
+          </p:cNvPr>
+          <p:cNvSpPr>
+            <a:spLocks noGrp="1"/>
+          </p:cNvSpPr>
+          <p:nvPr>
+            <p:ph type="body" sz="quarter" idx="13"/>
+          </p:nvPr>
+        </p:nvSpPr>
+        <p:spPr/>
+        <p:txBody>
+          <a:bodyPr/>
+          <a:lstStyle/>
+          <a:p>
+            <a:r>
+              <a:rPr lang="en-US" sz="4400" b="1" dirty="0"/>
+              <a:t>DevOps is also characterized by operations staff making use many of the same techniques as developers for their systems work.</a:t>
+            </a:r>
+            <a:endParaRPr lang="en-US" sz="4400" dirty="0"/>
+          </a:p>
+        </p:txBody>
+      </p:sp>
+      <p:pic>
+        <p:nvPicPr>
+          <p:cNvPr id="3074" name="Picture 2" descr="Immagine correlata">
+            <a:extLst>
+              <a:ext uri="{FF2B5EF4-FFF2-40B4-BE49-F238E27FC236}">
+                <a16:creationId xmlns:a16="http://schemas.microsoft.com/office/drawing/2014/main" id="{23CBFA89-0FAE-4B54-9C0C-AEE02D27B05B}"/>
+              </a:ext>
+            </a:extLst>
+          </p:cNvPr>
+          <p:cNvPicPr>
+            <a:picLocks noChangeAspect="1" noChangeArrowheads="1"/>
+          </p:cNvPicPr>
+          <p:nvPr/>
+        </p:nvPicPr>
+        <p:blipFill rotWithShape="1">
+          <a:blip r:embed="rId2">
+            <a:extLst>
+              <a:ext uri="{28A0092B-C50C-407E-A947-70E740481C1C}">
+                <a14:useLocalDpi xmlns:a14="http://schemas.microsoft.com/office/drawing/2010/main" val="0"/>
+              </a:ext>
+            </a:extLst>
+          </a:blip>
+          <a:srcRect l="52950" t="13695" r="966" b="9937"/>
+          <a:stretch/>
+        </p:blipFill>
+        <p:spPr bwMode="auto">
+          <a:xfrm>
+            <a:off x="4425519" y="261891"/>
+            <a:ext cx="3963879" cy="2547891"/>
+          </a:xfrm>
+          <a:prstGeom prst="rect">
+            <a:avLst/>
+          </a:prstGeom>
+          <a:noFill/>
+          <a:extLst>
+            <a:ext uri="{909E8E84-426E-40DD-AFC4-6F175D3DCCD1}">
+              <a14:hiddenFill xmlns:a14="http://schemas.microsoft.com/office/drawing/2010/main">
+                <a:solidFill>
+                  <a:srgbClr val="FFFFFF"/>
+                </a:solidFill>
+              </a14:hiddenFill>
+            </a:ext>
+          </a:extLst>
+        </p:spPr>
+      </p:pic>
+    </p:spTree>
+    <p:extLst>
+      <p:ext uri="{BB962C8B-B14F-4D97-AF65-F5344CB8AC3E}">
+        <p14:creationId xmlns:p14="http://schemas.microsoft.com/office/powerpoint/2010/main" val="3739297103"/>
+      </p:ext>
+    </p:extLst>
+  </p:cSld>
+  <p:clrMapOvr>
+    <a:masterClrMapping/>
+  </p:clrMapOvr>
+</p:sld>
+</file>
+
+<file path=ppt/slides/slide13.xml><?xml version="1.0" encoding="utf-8"?>
+<p:sld xmlns:a="http://schemas.openxmlformats.org/drawingml/2006/main" xmlns:r="http://schemas.openxmlformats.org/officeDocument/2006/relationships" xmlns:p="http://schemas.openxmlformats.org/presentationml/2006/main">
+  <p:cSld>
+    <p:spTree>
+      <p:nvGrpSpPr>
+        <p:cNvPr id="1" name=""/>
+        <p:cNvGrpSpPr/>
+        <p:nvPr/>
+      </p:nvGrpSpPr>
+      <p:grpSpPr>
+        <a:xfrm>
+          <a:off x="0" y="0"/>
+          <a:ext cx="0" cy="0"/>
+          <a:chOff x="0" y="0"/>
+          <a:chExt cx="0" cy="0"/>
+        </a:xfrm>
+      </p:grpSpPr>
+      <p:sp>
+        <p:nvSpPr>
+          <p:cNvPr id="2" name="Text Placeholder 1">
+            <a:extLst>
+              <a:ext uri="{FF2B5EF4-FFF2-40B4-BE49-F238E27FC236}">
+                <a16:creationId xmlns:a16="http://schemas.microsoft.com/office/drawing/2014/main" id="{28AD7696-4518-4706-8338-7F16A9E1D481}"/>
+              </a:ext>
+            </a:extLst>
+          </p:cNvPr>
+          <p:cNvSpPr>
+            <a:spLocks noGrp="1"/>
+          </p:cNvSpPr>
+          <p:nvPr>
+            <p:ph type="body" sz="quarter" idx="13"/>
           </p:nvPr>
         </p:nvSpPr>
         <p:spPr/>
         <p:txBody>
           <a:bodyPr>
-            <a:normAutofit fontScale="77500" lnSpcReduction="20000"/>
+            <a:noAutofit/>
           </a:bodyPr>
           <a:lstStyle/>
           <a:p>
             <a:r>
+              <a:rPr lang="en-US" sz="3600" b="1" dirty="0"/>
+              <a:t>Uno </a:t>
+            </a:r>
+            <a:r>
+              <a:rPr lang="en-US" sz="3600" b="1" dirty="0" err="1"/>
+              <a:t>strumento</a:t>
+            </a:r>
+            <a:r>
+              <a:rPr lang="en-US" sz="3600" b="1" dirty="0"/>
+              <a:t> con cui </a:t>
+            </a:r>
+            <a:r>
+              <a:rPr lang="en-US" sz="3600" b="1" dirty="0" err="1"/>
+              <a:t>prendere</a:t>
+            </a:r>
+            <a:r>
+              <a:rPr lang="en-US" sz="3600" b="1" dirty="0"/>
+              <a:t> </a:t>
+            </a:r>
+            <a:r>
+              <a:rPr lang="en-US" sz="3600" b="1" dirty="0" err="1"/>
+              <a:t>coscenza</a:t>
+            </a:r>
+            <a:r>
+              <a:rPr lang="en-US" sz="3600" b="1" dirty="0"/>
+              <a:t> </a:t>
+            </a:r>
+            <a:r>
+              <a:rPr lang="en-US" sz="3600" b="1" dirty="0" err="1"/>
+              <a:t>della</a:t>
+            </a:r>
+            <a:r>
+              <a:rPr lang="en-US" sz="3600" b="1" dirty="0"/>
+              <a:t> propria </a:t>
+            </a:r>
+            <a:r>
+              <a:rPr lang="en-US" sz="3600" b="1" dirty="0" err="1"/>
+              <a:t>infrastruttura</a:t>
+            </a:r>
+            <a:r>
+              <a:rPr lang="en-US" sz="3600" b="1" dirty="0"/>
+              <a:t>, </a:t>
+            </a:r>
+            <a:r>
+              <a:rPr lang="en-US" sz="3600" b="1" dirty="0" err="1"/>
+              <a:t>darne</a:t>
+            </a:r>
+            <a:r>
+              <a:rPr lang="en-US" sz="3600" b="1" dirty="0"/>
+              <a:t> </a:t>
+            </a:r>
+            <a:r>
+              <a:rPr lang="en-US" sz="3600" b="1" dirty="0" err="1"/>
+              <a:t>una</a:t>
+            </a:r>
+            <a:r>
+              <a:rPr lang="en-US" sz="3600" b="1" dirty="0"/>
+              <a:t> </a:t>
+            </a:r>
+            <a:r>
+              <a:rPr lang="en-US" sz="3600" b="1" dirty="0" err="1"/>
+              <a:t>dichiarazione</a:t>
+            </a:r>
+            <a:r>
+              <a:rPr lang="en-US" sz="3600" b="1" dirty="0"/>
+              <a:t> </a:t>
+            </a:r>
+            <a:r>
+              <a:rPr lang="en-US" sz="3600" b="1" dirty="0" err="1"/>
+              <a:t>formale</a:t>
+            </a:r>
+            <a:r>
+              <a:rPr lang="en-US" sz="3600" b="1" dirty="0"/>
+              <a:t> e </a:t>
+            </a:r>
+            <a:r>
+              <a:rPr lang="en-US" sz="3600" b="1" dirty="0" err="1"/>
+              <a:t>renderla</a:t>
+            </a:r>
+            <a:r>
+              <a:rPr lang="en-US" sz="3600" b="1" dirty="0"/>
+              <a:t> </a:t>
+            </a:r>
+            <a:r>
+              <a:rPr lang="en-US" sz="3600" b="1" dirty="0" err="1"/>
+              <a:t>indipendente</a:t>
+            </a:r>
+            <a:r>
+              <a:rPr lang="en-US" sz="3600" b="1" dirty="0"/>
+              <a:t> dal </a:t>
+            </a:r>
+            <a:r>
+              <a:rPr lang="en-US" sz="3600" b="1" dirty="0" err="1"/>
+              <a:t>supporto</a:t>
+            </a:r>
+            <a:r>
+              <a:rPr lang="en-US" sz="3600" b="1" dirty="0"/>
+              <a:t> </a:t>
+            </a:r>
+            <a:r>
+              <a:rPr lang="en-US" sz="3600" b="1" dirty="0" err="1"/>
+              <a:t>fisico</a:t>
+            </a:r>
+            <a:r>
+              <a:rPr lang="en-US" sz="3600" b="1" dirty="0"/>
+              <a:t> </a:t>
+            </a:r>
+            <a:r>
+              <a:rPr lang="en-US" sz="3600" b="1" dirty="0" err="1"/>
+              <a:t>su</a:t>
+            </a:r>
+            <a:r>
+              <a:rPr lang="en-US" sz="3600" b="1" dirty="0"/>
+              <a:t> cui </a:t>
+            </a:r>
+            <a:r>
+              <a:rPr lang="en-US" sz="3600" b="1" dirty="0" err="1"/>
+              <a:t>viene</a:t>
+            </a:r>
+            <a:r>
+              <a:rPr lang="en-US" sz="3600" b="1" dirty="0"/>
+              <a:t> </a:t>
+            </a:r>
+            <a:r>
+              <a:rPr lang="en-US" sz="3600" b="1" dirty="0" err="1"/>
+              <a:t>eseguita</a:t>
+            </a:r>
+            <a:r>
+              <a:rPr lang="en-US" sz="3600" b="1" dirty="0"/>
+              <a:t>.</a:t>
+            </a:r>
+          </a:p>
+        </p:txBody>
+      </p:sp>
+      <p:pic>
+        <p:nvPicPr>
+          <p:cNvPr id="4098" name="Picture 2" descr="Risultati immagini per infrastructure as code">
+            <a:extLst>
+              <a:ext uri="{FF2B5EF4-FFF2-40B4-BE49-F238E27FC236}">
+                <a16:creationId xmlns:a16="http://schemas.microsoft.com/office/drawing/2014/main" id="{FE2D3BED-27E8-4CF3-8804-764F2B0877B5}"/>
+              </a:ext>
+            </a:extLst>
+          </p:cNvPr>
+          <p:cNvPicPr>
+            <a:picLocks noChangeAspect="1" noChangeArrowheads="1"/>
+          </p:cNvPicPr>
+          <p:nvPr/>
+        </p:nvPicPr>
+        <p:blipFill rotWithShape="1">
+          <a:blip r:embed="rId2">
+            <a:extLst>
+              <a:ext uri="{28A0092B-C50C-407E-A947-70E740481C1C}">
+                <a14:useLocalDpi xmlns:a14="http://schemas.microsoft.com/office/drawing/2010/main" val="0"/>
+              </a:ext>
+            </a:extLst>
+          </a:blip>
+          <a:srcRect l="8804" t="5607" r="3343" b="3706"/>
+          <a:stretch/>
+        </p:blipFill>
+        <p:spPr bwMode="auto">
+          <a:xfrm>
+            <a:off x="3431219" y="390617"/>
+            <a:ext cx="5521910" cy="1993037"/>
+          </a:xfrm>
+          <a:prstGeom prst="rect">
+            <a:avLst/>
+          </a:prstGeom>
+          <a:extLst>
+            <a:ext uri="{909E8E84-426E-40DD-AFC4-6F175D3DCCD1}">
+              <a14:hiddenFill xmlns:a14="http://schemas.microsoft.com/office/drawing/2010/main">
+                <a:solidFill>
+                  <a:srgbClr val="FFFFFF"/>
+                </a:solidFill>
+              </a14:hiddenFill>
+            </a:ext>
+          </a:extLst>
+        </p:spPr>
+      </p:pic>
+    </p:spTree>
+    <p:extLst>
+      <p:ext uri="{BB962C8B-B14F-4D97-AF65-F5344CB8AC3E}">
+        <p14:creationId xmlns:p14="http://schemas.microsoft.com/office/powerpoint/2010/main" val="209294851"/>
+      </p:ext>
+    </p:extLst>
+  </p:cSld>
+  <p:clrMapOvr>
+    <a:masterClrMapping/>
+  </p:clrMapOvr>
+</p:sld>
+</file>
+
+<file path=ppt/slides/slide14.xml><?xml version="1.0" encoding="utf-8"?>
+<p:sld xmlns:a="http://schemas.openxmlformats.org/drawingml/2006/main" xmlns:r="http://schemas.openxmlformats.org/officeDocument/2006/relationships" xmlns:p="http://schemas.openxmlformats.org/presentationml/2006/main">
+  <p:cSld>
+    <p:spTree>
+      <p:nvGrpSpPr>
+        <p:cNvPr id="1" name=""/>
+        <p:cNvGrpSpPr/>
+        <p:nvPr/>
+      </p:nvGrpSpPr>
+      <p:grpSpPr>
+        <a:xfrm>
+          <a:off x="0" y="0"/>
+          <a:ext cx="0" cy="0"/>
+          <a:chOff x="0" y="0"/>
+          <a:chExt cx="0" cy="0"/>
+        </a:xfrm>
+      </p:grpSpPr>
+      <p:sp>
+        <p:nvSpPr>
+          <p:cNvPr id="7" name="Title 6">
+            <a:extLst>
+              <a:ext uri="{FF2B5EF4-FFF2-40B4-BE49-F238E27FC236}">
+                <a16:creationId xmlns:a16="http://schemas.microsoft.com/office/drawing/2014/main" id="{D179CEFE-54E9-4050-BCEC-5F22EDA1E3EE}"/>
+              </a:ext>
+            </a:extLst>
+          </p:cNvPr>
+          <p:cNvSpPr>
+            <a:spLocks noGrp="1"/>
+          </p:cNvSpPr>
+          <p:nvPr>
+            <p:ph type="title"/>
+          </p:nvPr>
+        </p:nvSpPr>
+        <p:spPr>
+          <a:xfrm>
+            <a:off x="325315" y="136525"/>
+            <a:ext cx="11028485" cy="626517"/>
+          </a:xfrm>
+        </p:spPr>
+        <p:txBody>
+          <a:bodyPr/>
+          <a:lstStyle/>
+          <a:p>
+            <a:r>
               <a:rPr lang="en-US" dirty="0" err="1"/>
-              <a:t>giulianolatini</a:t>
+              <a:t>Gli</a:t>
+            </a:r>
+            <a:r>
+              <a:rPr lang="en-US" dirty="0"/>
+              <a:t> </a:t>
+            </a:r>
+            <a:r>
+              <a:rPr lang="en-US" dirty="0" err="1"/>
+              <a:t>strumenti</a:t>
+            </a:r>
+            <a:r>
+              <a:rPr lang="en-US" dirty="0"/>
+              <a:t> </a:t>
+            </a:r>
+            <a:r>
+              <a:rPr lang="en-US" dirty="0" err="1"/>
+              <a:t>nella</a:t>
+            </a:r>
+            <a:r>
+              <a:rPr lang="en-US" dirty="0"/>
+              <a:t> </a:t>
+            </a:r>
+            <a:r>
+              <a:rPr lang="en-US" dirty="0" err="1"/>
+              <a:t>cassetta</a:t>
+            </a:r>
+            <a:r>
+              <a:rPr lang="en-US" dirty="0"/>
+              <a:t> </a:t>
+            </a:r>
+            <a:r>
+              <a:rPr lang="en-US" dirty="0" err="1"/>
+              <a:t>degli</a:t>
+            </a:r>
+            <a:r>
+              <a:rPr lang="en-US" dirty="0"/>
+              <a:t> </a:t>
+            </a:r>
+            <a:r>
+              <a:rPr lang="en-US" dirty="0" err="1"/>
+              <a:t>attrezzi</a:t>
             </a:r>
             <a:endParaRPr lang="en-US" dirty="0"/>
           </a:p>
@@ -11050,10 +12500,10 @@
       </p:sp>
       <p:sp>
         <p:nvSpPr>
-          <p:cNvPr id="3" name="Text Placeholder 2">
-            <a:extLst>
-              <a:ext uri="{FF2B5EF4-FFF2-40B4-BE49-F238E27FC236}">
-                <a16:creationId xmlns:a16="http://schemas.microsoft.com/office/drawing/2014/main" id="{0FBC0E0C-D04F-4813-ACAC-967DF99282B2}"/>
+          <p:cNvPr id="8" name="Content Placeholder 7">
+            <a:extLst>
+              <a:ext uri="{FF2B5EF4-FFF2-40B4-BE49-F238E27FC236}">
+                <a16:creationId xmlns:a16="http://schemas.microsoft.com/office/drawing/2014/main" id="{CE7D99B5-07B2-4C31-84EF-E9ABC9B337F6}"/>
               </a:ext>
             </a:extLst>
           </p:cNvPr>
@@ -11061,63 +12511,1767 @@
             <a:spLocks noGrp="1"/>
           </p:cNvSpPr>
           <p:nvPr>
-            <p:ph type="body" sz="quarter" idx="11"/>
+            <p:ph idx="1"/>
+          </p:nvPr>
+        </p:nvSpPr>
+        <p:spPr>
+          <a:xfrm>
+            <a:off x="6762910" y="4354539"/>
+            <a:ext cx="4590890" cy="2366935"/>
+          </a:xfrm>
+        </p:spPr>
+        <p:txBody>
+          <a:bodyPr>
+            <a:normAutofit/>
+          </a:bodyPr>
+          <a:lstStyle/>
+          <a:p>
+            <a:pPr marL="457200" indent="-457200">
+              <a:spcBef>
+                <a:spcPts val="1800"/>
+              </a:spcBef>
+              <a:buFont typeface="Arial" panose="020B0604020202020204" pitchFamily="34" charset="0"/>
+              <a:buChar char="•"/>
+            </a:pPr>
+            <a:endParaRPr lang="en-US" dirty="0"/>
+          </a:p>
+          <a:p>
+            <a:pPr marL="457200" indent="-457200">
+              <a:spcBef>
+                <a:spcPts val="1800"/>
+              </a:spcBef>
+              <a:buFont typeface="Arial" panose="020B0604020202020204" pitchFamily="34" charset="0"/>
+              <a:buChar char="•"/>
+            </a:pPr>
+            <a:endParaRPr lang="en-US" dirty="0"/>
+          </a:p>
+          <a:p>
+            <a:pPr marL="457200" indent="-457200">
+              <a:spcBef>
+                <a:spcPts val="1800"/>
+              </a:spcBef>
+              <a:buFont typeface="Arial" panose="020B0604020202020204" pitchFamily="34" charset="0"/>
+              <a:buChar char="•"/>
+            </a:pPr>
+            <a:endParaRPr lang="en-US" dirty="0"/>
+          </a:p>
+          <a:p>
+            <a:endParaRPr lang="en-US" dirty="0"/>
+          </a:p>
+          <a:p>
+            <a:pPr marL="457200" indent="-457200">
+              <a:buFont typeface="Arial" panose="020B0604020202020204" pitchFamily="34" charset="0"/>
+              <a:buChar char="•"/>
+            </a:pPr>
+            <a:endParaRPr lang="en-US" dirty="0"/>
+          </a:p>
+          <a:p>
+            <a:pPr marL="457200" indent="-457200">
+              <a:buFont typeface="Arial" panose="020B0604020202020204" pitchFamily="34" charset="0"/>
+              <a:buChar char="•"/>
+            </a:pPr>
+            <a:endParaRPr lang="en-US" dirty="0"/>
+          </a:p>
+          <a:p>
+            <a:pPr marL="457200" indent="-457200">
+              <a:buFont typeface="Arial" panose="020B0604020202020204" pitchFamily="34" charset="0"/>
+              <a:buChar char="•"/>
+            </a:pPr>
+            <a:endParaRPr lang="en-US" dirty="0"/>
+          </a:p>
+          <a:p>
+            <a:pPr marL="457200" indent="-457200">
+              <a:buFont typeface="Arial" panose="020B0604020202020204" pitchFamily="34" charset="0"/>
+              <a:buChar char="•"/>
+            </a:pPr>
+            <a:endParaRPr lang="en-US" dirty="0"/>
+          </a:p>
+          <a:p>
+            <a:pPr marL="457200" indent="-457200">
+              <a:buFont typeface="Arial" panose="020B0604020202020204" pitchFamily="34" charset="0"/>
+              <a:buChar char="•"/>
+            </a:pPr>
+            <a:endParaRPr lang="en-US" dirty="0"/>
+          </a:p>
+        </p:txBody>
+      </p:sp>
+      <p:pic>
+        <p:nvPicPr>
+          <p:cNvPr id="1026" name="Picture 2" descr="Risultati immagini per vagrant">
+            <a:extLst>
+              <a:ext uri="{FF2B5EF4-FFF2-40B4-BE49-F238E27FC236}">
+                <a16:creationId xmlns:a16="http://schemas.microsoft.com/office/drawing/2014/main" id="{BFBB52FE-E972-4822-B644-DDF1F92A600B}"/>
+              </a:ext>
+            </a:extLst>
+          </p:cNvPr>
+          <p:cNvPicPr>
+            <a:picLocks noChangeAspect="1" noChangeArrowheads="1"/>
+          </p:cNvPicPr>
+          <p:nvPr/>
+        </p:nvPicPr>
+        <p:blipFill>
+          <a:blip r:embed="rId2">
+            <a:extLst>
+              <a:ext uri="{28A0092B-C50C-407E-A947-70E740481C1C}">
+                <a14:useLocalDpi xmlns:a14="http://schemas.microsoft.com/office/drawing/2010/main" val="0"/>
+              </a:ext>
+            </a:extLst>
+          </a:blip>
+          <a:srcRect/>
+          <a:stretch>
+            <a:fillRect/>
+          </a:stretch>
+        </p:blipFill>
+        <p:spPr bwMode="auto">
+          <a:xfrm>
+            <a:off x="794139" y="1611175"/>
+            <a:ext cx="2137526" cy="2606298"/>
+          </a:xfrm>
+          <a:prstGeom prst="rect">
+            <a:avLst/>
+          </a:prstGeom>
+          <a:noFill/>
+          <a:extLst>
+            <a:ext uri="{909E8E84-426E-40DD-AFC4-6F175D3DCCD1}">
+              <a14:hiddenFill xmlns:a14="http://schemas.microsoft.com/office/drawing/2010/main">
+                <a:solidFill>
+                  <a:srgbClr val="FFFFFF"/>
+                </a:solidFill>
+              </a14:hiddenFill>
+            </a:ext>
+          </a:extLst>
+        </p:spPr>
+      </p:pic>
+      <p:pic>
+        <p:nvPicPr>
+          <p:cNvPr id="1028" name="Picture 4" descr="Risultati immagini per microsoft hyper-v">
+            <a:extLst>
+              <a:ext uri="{FF2B5EF4-FFF2-40B4-BE49-F238E27FC236}">
+                <a16:creationId xmlns:a16="http://schemas.microsoft.com/office/drawing/2014/main" id="{8E4412A9-8612-4CBF-84DF-816EE2F1FCE3}"/>
+              </a:ext>
+            </a:extLst>
+          </p:cNvPr>
+          <p:cNvPicPr>
+            <a:picLocks noChangeAspect="1" noChangeArrowheads="1"/>
+          </p:cNvPicPr>
+          <p:nvPr/>
+        </p:nvPicPr>
+        <p:blipFill>
+          <a:blip r:embed="rId3">
+            <a:extLst>
+              <a:ext uri="{28A0092B-C50C-407E-A947-70E740481C1C}">
+                <a14:useLocalDpi xmlns:a14="http://schemas.microsoft.com/office/drawing/2010/main" val="0"/>
+              </a:ext>
+            </a:extLst>
+          </a:blip>
+          <a:srcRect/>
+          <a:stretch>
+            <a:fillRect/>
+          </a:stretch>
+        </p:blipFill>
+        <p:spPr bwMode="auto">
+          <a:xfrm>
+            <a:off x="3535142" y="1417680"/>
+            <a:ext cx="4667912" cy="1998824"/>
+          </a:xfrm>
+          <a:prstGeom prst="rect">
+            <a:avLst/>
+          </a:prstGeom>
+          <a:noFill/>
+          <a:extLst>
+            <a:ext uri="{909E8E84-426E-40DD-AFC4-6F175D3DCCD1}">
+              <a14:hiddenFill xmlns:a14="http://schemas.microsoft.com/office/drawing/2010/main">
+                <a:solidFill>
+                  <a:srgbClr val="FFFFFF"/>
+                </a:solidFill>
+              </a14:hiddenFill>
+            </a:ext>
+          </a:extLst>
+        </p:spPr>
+      </p:pic>
+      <p:pic>
+        <p:nvPicPr>
+          <p:cNvPr id="1030" name="Picture 6" descr="Immagine correlata">
+            <a:extLst>
+              <a:ext uri="{FF2B5EF4-FFF2-40B4-BE49-F238E27FC236}">
+                <a16:creationId xmlns:a16="http://schemas.microsoft.com/office/drawing/2014/main" id="{91434F33-6F88-4686-B5AA-83F32E6C826B}"/>
+              </a:ext>
+            </a:extLst>
+          </p:cNvPr>
+          <p:cNvPicPr>
+            <a:picLocks noChangeAspect="1" noChangeArrowheads="1"/>
+          </p:cNvPicPr>
+          <p:nvPr/>
+        </p:nvPicPr>
+        <p:blipFill>
+          <a:blip r:embed="rId4">
+            <a:extLst>
+              <a:ext uri="{28A0092B-C50C-407E-A947-70E740481C1C}">
+                <a14:useLocalDpi xmlns:a14="http://schemas.microsoft.com/office/drawing/2010/main" val="0"/>
+              </a:ext>
+            </a:extLst>
+          </a:blip>
+          <a:srcRect/>
+          <a:stretch>
+            <a:fillRect/>
+          </a:stretch>
+        </p:blipFill>
+        <p:spPr bwMode="auto">
+          <a:xfrm>
+            <a:off x="8132782" y="883565"/>
+            <a:ext cx="2929825" cy="2929825"/>
+          </a:xfrm>
+          <a:prstGeom prst="rect">
+            <a:avLst/>
+          </a:prstGeom>
+          <a:noFill/>
+          <a:extLst>
+            <a:ext uri="{909E8E84-426E-40DD-AFC4-6F175D3DCCD1}">
+              <a14:hiddenFill xmlns:a14="http://schemas.microsoft.com/office/drawing/2010/main">
+                <a:solidFill>
+                  <a:srgbClr val="FFFFFF"/>
+                </a:solidFill>
+              </a14:hiddenFill>
+            </a:ext>
+          </a:extLst>
+        </p:spPr>
+      </p:pic>
+      <p:pic>
+        <p:nvPicPr>
+          <p:cNvPr id="1032" name="Picture 8" descr="Risultati immagini per ruby">
+            <a:extLst>
+              <a:ext uri="{FF2B5EF4-FFF2-40B4-BE49-F238E27FC236}">
+                <a16:creationId xmlns:a16="http://schemas.microsoft.com/office/drawing/2014/main" id="{27A77462-88DB-492A-90A7-A2C1D9332621}"/>
+              </a:ext>
+            </a:extLst>
+          </p:cNvPr>
+          <p:cNvPicPr>
+            <a:picLocks noChangeAspect="1" noChangeArrowheads="1"/>
+          </p:cNvPicPr>
+          <p:nvPr/>
+        </p:nvPicPr>
+        <p:blipFill>
+          <a:blip r:embed="rId5">
+            <a:extLst>
+              <a:ext uri="{28A0092B-C50C-407E-A947-70E740481C1C}">
+                <a14:useLocalDpi xmlns:a14="http://schemas.microsoft.com/office/drawing/2010/main" val="0"/>
+              </a:ext>
+            </a:extLst>
+          </a:blip>
+          <a:srcRect/>
+          <a:stretch>
+            <a:fillRect/>
+          </a:stretch>
+        </p:blipFill>
+        <p:spPr bwMode="auto">
+          <a:xfrm>
+            <a:off x="552128" y="5018441"/>
+            <a:ext cx="3406066" cy="1703033"/>
+          </a:xfrm>
+          <a:prstGeom prst="rect">
+            <a:avLst/>
+          </a:prstGeom>
+          <a:noFill/>
+          <a:extLst>
+            <a:ext uri="{909E8E84-426E-40DD-AFC4-6F175D3DCCD1}">
+              <a14:hiddenFill xmlns:a14="http://schemas.microsoft.com/office/drawing/2010/main">
+                <a:solidFill>
+                  <a:srgbClr val="FFFFFF"/>
+                </a:solidFill>
+              </a14:hiddenFill>
+            </a:ext>
+          </a:extLst>
+        </p:spPr>
+      </p:pic>
+      <p:pic>
+        <p:nvPicPr>
+          <p:cNvPr id="1034" name="Picture 10" descr="Immagine correlata">
+            <a:extLst>
+              <a:ext uri="{FF2B5EF4-FFF2-40B4-BE49-F238E27FC236}">
+                <a16:creationId xmlns:a16="http://schemas.microsoft.com/office/drawing/2014/main" id="{77965C36-5A9B-4EBC-8FF9-80F415618E94}"/>
+              </a:ext>
+            </a:extLst>
+          </p:cNvPr>
+          <p:cNvPicPr>
+            <a:picLocks noChangeAspect="1" noChangeArrowheads="1"/>
+          </p:cNvPicPr>
+          <p:nvPr/>
+        </p:nvPicPr>
+        <p:blipFill>
+          <a:blip r:embed="rId6">
+            <a:extLst>
+              <a:ext uri="{28A0092B-C50C-407E-A947-70E740481C1C}">
+                <a14:useLocalDpi xmlns:a14="http://schemas.microsoft.com/office/drawing/2010/main" val="0"/>
+              </a:ext>
+            </a:extLst>
+          </a:blip>
+          <a:srcRect/>
+          <a:stretch>
+            <a:fillRect/>
+          </a:stretch>
+        </p:blipFill>
+        <p:spPr bwMode="auto">
+          <a:xfrm>
+            <a:off x="3896608" y="3813390"/>
+            <a:ext cx="3944981" cy="1420193"/>
+          </a:xfrm>
+          <a:prstGeom prst="rect">
+            <a:avLst/>
+          </a:prstGeom>
+          <a:noFill/>
+          <a:extLst>
+            <a:ext uri="{909E8E84-426E-40DD-AFC4-6F175D3DCCD1}">
+              <a14:hiddenFill xmlns:a14="http://schemas.microsoft.com/office/drawing/2010/main">
+                <a:solidFill>
+                  <a:srgbClr val="FFFFFF"/>
+                </a:solidFill>
+              </a14:hiddenFill>
+            </a:ext>
+          </a:extLst>
+        </p:spPr>
+      </p:pic>
+      <p:pic>
+        <p:nvPicPr>
+          <p:cNvPr id="1042" name="Picture 18" descr="Risultati immagini per python logo">
+            <a:extLst>
+              <a:ext uri="{FF2B5EF4-FFF2-40B4-BE49-F238E27FC236}">
+                <a16:creationId xmlns:a16="http://schemas.microsoft.com/office/drawing/2014/main" id="{E8C57750-70A0-49F0-A0C7-21022216E1BB}"/>
+              </a:ext>
+            </a:extLst>
+          </p:cNvPr>
+          <p:cNvPicPr>
+            <a:picLocks noChangeAspect="1" noChangeArrowheads="1"/>
+          </p:cNvPicPr>
+          <p:nvPr/>
+        </p:nvPicPr>
+        <p:blipFill>
+          <a:blip r:embed="rId7">
+            <a:extLst>
+              <a:ext uri="{28A0092B-C50C-407E-A947-70E740481C1C}">
+                <a14:useLocalDpi xmlns:a14="http://schemas.microsoft.com/office/drawing/2010/main" val="0"/>
+              </a:ext>
+            </a:extLst>
+          </a:blip>
+          <a:srcRect/>
+          <a:stretch>
+            <a:fillRect/>
+          </a:stretch>
+        </p:blipFill>
+        <p:spPr bwMode="auto">
+          <a:xfrm>
+            <a:off x="5822973" y="5154967"/>
+            <a:ext cx="5041984" cy="1703033"/>
+          </a:xfrm>
+          <a:prstGeom prst="rect">
+            <a:avLst/>
+          </a:prstGeom>
+          <a:noFill/>
+          <a:extLst>
+            <a:ext uri="{909E8E84-426E-40DD-AFC4-6F175D3DCCD1}">
+              <a14:hiddenFill xmlns:a14="http://schemas.microsoft.com/office/drawing/2010/main">
+                <a:solidFill>
+                  <a:srgbClr val="FFFFFF"/>
+                </a:solidFill>
+              </a14:hiddenFill>
+            </a:ext>
+          </a:extLst>
+        </p:spPr>
+      </p:pic>
+      <p:pic>
+        <p:nvPicPr>
+          <p:cNvPr id="1046" name="Picture 22" descr="Immagine correlata">
+            <a:extLst>
+              <a:ext uri="{FF2B5EF4-FFF2-40B4-BE49-F238E27FC236}">
+                <a16:creationId xmlns:a16="http://schemas.microsoft.com/office/drawing/2014/main" id="{108D69C9-0735-4F1B-8178-774527E69CA2}"/>
+              </a:ext>
+            </a:extLst>
+          </p:cNvPr>
+          <p:cNvPicPr>
+            <a:picLocks noChangeAspect="1" noChangeArrowheads="1"/>
+          </p:cNvPicPr>
+          <p:nvPr/>
+        </p:nvPicPr>
+        <p:blipFill>
+          <a:blip r:embed="rId8">
+            <a:extLst>
+              <a:ext uri="{28A0092B-C50C-407E-A947-70E740481C1C}">
+                <a14:useLocalDpi xmlns:a14="http://schemas.microsoft.com/office/drawing/2010/main" val="0"/>
+              </a:ext>
+            </a:extLst>
+          </a:blip>
+          <a:srcRect/>
+          <a:stretch>
+            <a:fillRect/>
+          </a:stretch>
+        </p:blipFill>
+        <p:spPr bwMode="auto">
+          <a:xfrm>
+            <a:off x="8968334" y="3216862"/>
+            <a:ext cx="1896623" cy="1889189"/>
+          </a:xfrm>
+          <a:prstGeom prst="rect">
+            <a:avLst/>
+          </a:prstGeom>
+          <a:noFill/>
+          <a:extLst>
+            <a:ext uri="{909E8E84-426E-40DD-AFC4-6F175D3DCCD1}">
+              <a14:hiddenFill xmlns:a14="http://schemas.microsoft.com/office/drawing/2010/main">
+                <a:solidFill>
+                  <a:srgbClr val="FFFFFF"/>
+                </a:solidFill>
+              </a14:hiddenFill>
+            </a:ext>
+          </a:extLst>
+        </p:spPr>
+      </p:pic>
+    </p:spTree>
+    <p:extLst>
+      <p:ext uri="{BB962C8B-B14F-4D97-AF65-F5344CB8AC3E}">
+        <p14:creationId xmlns:p14="http://schemas.microsoft.com/office/powerpoint/2010/main" val="3829954844"/>
+      </p:ext>
+    </p:extLst>
+  </p:cSld>
+  <p:clrMapOvr>
+    <a:masterClrMapping/>
+  </p:clrMapOvr>
+</p:sld>
+</file>
+
+<file path=ppt/slides/slide15.xml><?xml version="1.0" encoding="utf-8"?>
+<p:sld xmlns:a="http://schemas.openxmlformats.org/drawingml/2006/main" xmlns:r="http://schemas.openxmlformats.org/officeDocument/2006/relationships" xmlns:p="http://schemas.openxmlformats.org/presentationml/2006/main">
+  <p:cSld>
+    <p:spTree>
+      <p:nvGrpSpPr>
+        <p:cNvPr id="1" name=""/>
+        <p:cNvGrpSpPr/>
+        <p:nvPr/>
+      </p:nvGrpSpPr>
+      <p:grpSpPr>
+        <a:xfrm>
+          <a:off x="0" y="0"/>
+          <a:ext cx="0" cy="0"/>
+          <a:chOff x="0" y="0"/>
+          <a:chExt cx="0" cy="0"/>
+        </a:xfrm>
+      </p:grpSpPr>
+      <p:sp>
+        <p:nvSpPr>
+          <p:cNvPr id="7" name="Title 6">
+            <a:extLst>
+              <a:ext uri="{FF2B5EF4-FFF2-40B4-BE49-F238E27FC236}">
+                <a16:creationId xmlns:a16="http://schemas.microsoft.com/office/drawing/2014/main" id="{D179CEFE-54E9-4050-BCEC-5F22EDA1E3EE}"/>
+              </a:ext>
+            </a:extLst>
+          </p:cNvPr>
+          <p:cNvSpPr>
+            <a:spLocks noGrp="1"/>
+          </p:cNvSpPr>
+          <p:nvPr>
+            <p:ph type="title"/>
+          </p:nvPr>
+        </p:nvSpPr>
+        <p:spPr>
+          <a:xfrm>
+            <a:off x="325315" y="136525"/>
+            <a:ext cx="11028485" cy="626517"/>
+          </a:xfrm>
+        </p:spPr>
+        <p:txBody>
+          <a:bodyPr/>
+          <a:lstStyle/>
+          <a:p>
+            <a:r>
+              <a:rPr lang="en-US" dirty="0"/>
+              <a:t>Deploy di un Environment</a:t>
+            </a:r>
+          </a:p>
+        </p:txBody>
+      </p:sp>
+      <p:sp>
+        <p:nvSpPr>
+          <p:cNvPr id="8" name="Content Placeholder 7">
+            <a:extLst>
+              <a:ext uri="{FF2B5EF4-FFF2-40B4-BE49-F238E27FC236}">
+                <a16:creationId xmlns:a16="http://schemas.microsoft.com/office/drawing/2014/main" id="{CE7D99B5-07B2-4C31-84EF-E9ABC9B337F6}"/>
+              </a:ext>
+            </a:extLst>
+          </p:cNvPr>
+          <p:cNvSpPr>
+            <a:spLocks noGrp="1"/>
+          </p:cNvSpPr>
+          <p:nvPr>
+            <p:ph idx="1"/>
+          </p:nvPr>
+        </p:nvSpPr>
+        <p:spPr>
+          <a:xfrm>
+            <a:off x="4650591" y="2635480"/>
+            <a:ext cx="7302477" cy="3832856"/>
+          </a:xfrm>
+        </p:spPr>
+        <p:txBody>
+          <a:bodyPr>
+            <a:normAutofit/>
+          </a:bodyPr>
+          <a:lstStyle/>
+          <a:p>
+            <a:pPr marL="457200" indent="-457200">
+              <a:spcBef>
+                <a:spcPts val="1800"/>
+              </a:spcBef>
+              <a:buFont typeface="Arial" panose="020B0604020202020204" pitchFamily="34" charset="0"/>
+              <a:buChar char="•"/>
+            </a:pPr>
+            <a:endParaRPr lang="en-US" dirty="0"/>
+          </a:p>
+          <a:p>
+            <a:endParaRPr lang="en-US" dirty="0"/>
+          </a:p>
+          <a:p>
+            <a:pPr marL="457200" indent="-457200">
+              <a:buFont typeface="Arial" panose="020B0604020202020204" pitchFamily="34" charset="0"/>
+              <a:buChar char="•"/>
+            </a:pPr>
+            <a:endParaRPr lang="en-US" dirty="0"/>
+          </a:p>
+          <a:p>
+            <a:pPr marL="457200" indent="-457200">
+              <a:buFont typeface="Arial" panose="020B0604020202020204" pitchFamily="34" charset="0"/>
+              <a:buChar char="•"/>
+            </a:pPr>
+            <a:endParaRPr lang="en-US" dirty="0"/>
+          </a:p>
+          <a:p>
+            <a:pPr marL="457200" indent="-457200">
+              <a:buFont typeface="Arial" panose="020B0604020202020204" pitchFamily="34" charset="0"/>
+              <a:buChar char="•"/>
+            </a:pPr>
+            <a:endParaRPr lang="en-US" dirty="0"/>
+          </a:p>
+          <a:p>
+            <a:pPr marL="457200" indent="-457200">
+              <a:buFont typeface="Arial" panose="020B0604020202020204" pitchFamily="34" charset="0"/>
+              <a:buChar char="•"/>
+            </a:pPr>
+            <a:endParaRPr lang="en-US" dirty="0"/>
+          </a:p>
+          <a:p>
+            <a:pPr marL="457200" indent="-457200">
+              <a:buFont typeface="Arial" panose="020B0604020202020204" pitchFamily="34" charset="0"/>
+              <a:buChar char="•"/>
+            </a:pPr>
+            <a:endParaRPr lang="en-US" dirty="0"/>
+          </a:p>
+        </p:txBody>
+      </p:sp>
+      <p:pic>
+        <p:nvPicPr>
+          <p:cNvPr id="5122" name="Picture 2" descr="Immagine correlata">
+            <a:extLst>
+              <a:ext uri="{FF2B5EF4-FFF2-40B4-BE49-F238E27FC236}">
+                <a16:creationId xmlns:a16="http://schemas.microsoft.com/office/drawing/2014/main" id="{2B390832-F009-4DC5-BE9D-E7F92416101C}"/>
+              </a:ext>
+            </a:extLst>
+          </p:cNvPr>
+          <p:cNvPicPr>
+            <a:picLocks noChangeAspect="1" noChangeArrowheads="1"/>
+          </p:cNvPicPr>
+          <p:nvPr/>
+        </p:nvPicPr>
+        <p:blipFill>
+          <a:blip r:embed="rId2">
+            <a:extLst>
+              <a:ext uri="{28A0092B-C50C-407E-A947-70E740481C1C}">
+                <a14:useLocalDpi xmlns:a14="http://schemas.microsoft.com/office/drawing/2010/main" val="0"/>
+              </a:ext>
+            </a:extLst>
+          </a:blip>
+          <a:srcRect/>
+          <a:stretch>
+            <a:fillRect/>
+          </a:stretch>
+        </p:blipFill>
+        <p:spPr bwMode="auto">
+          <a:xfrm>
+            <a:off x="520623" y="1134840"/>
+            <a:ext cx="4884718" cy="3663539"/>
+          </a:xfrm>
+          <a:prstGeom prst="rect">
+            <a:avLst/>
+          </a:prstGeom>
+          <a:noFill/>
+          <a:extLst>
+            <a:ext uri="{909E8E84-426E-40DD-AFC4-6F175D3DCCD1}">
+              <a14:hiddenFill xmlns:a14="http://schemas.microsoft.com/office/drawing/2010/main">
+                <a:solidFill>
+                  <a:srgbClr val="FFFFFF"/>
+                </a:solidFill>
+              </a14:hiddenFill>
+            </a:ext>
+          </a:extLst>
+        </p:spPr>
+      </p:pic>
+      <p:pic>
+        <p:nvPicPr>
+          <p:cNvPr id="5124" name="Picture 4" descr="Risultati immagini per vagrantfile workflow examples">
+            <a:extLst>
+              <a:ext uri="{FF2B5EF4-FFF2-40B4-BE49-F238E27FC236}">
+                <a16:creationId xmlns:a16="http://schemas.microsoft.com/office/drawing/2014/main" id="{39396C02-F7F4-4165-AABF-BFDCB73BFA38}"/>
+              </a:ext>
+            </a:extLst>
+          </p:cNvPr>
+          <p:cNvPicPr>
+            <a:picLocks noChangeAspect="1" noChangeArrowheads="1"/>
+          </p:cNvPicPr>
+          <p:nvPr/>
+        </p:nvPicPr>
+        <p:blipFill>
+          <a:blip r:embed="rId3">
+            <a:extLst>
+              <a:ext uri="{28A0092B-C50C-407E-A947-70E740481C1C}">
+                <a14:useLocalDpi xmlns:a14="http://schemas.microsoft.com/office/drawing/2010/main" val="0"/>
+              </a:ext>
+            </a:extLst>
+          </a:blip>
+          <a:srcRect/>
+          <a:stretch>
+            <a:fillRect/>
+          </a:stretch>
+        </p:blipFill>
+        <p:spPr bwMode="auto">
+          <a:xfrm>
+            <a:off x="5539316" y="1570589"/>
+            <a:ext cx="6378241" cy="3363778"/>
+          </a:xfrm>
+          <a:prstGeom prst="rect">
+            <a:avLst/>
+          </a:prstGeom>
+          <a:noFill/>
+          <a:extLst>
+            <a:ext uri="{909E8E84-426E-40DD-AFC4-6F175D3DCCD1}">
+              <a14:hiddenFill xmlns:a14="http://schemas.microsoft.com/office/drawing/2010/main">
+                <a:solidFill>
+                  <a:srgbClr val="FFFFFF"/>
+                </a:solidFill>
+              </a14:hiddenFill>
+            </a:ext>
+          </a:extLst>
+        </p:spPr>
+      </p:pic>
+      <p:pic>
+        <p:nvPicPr>
+          <p:cNvPr id="5126" name="Picture 6" descr="Risultati immagini per vagrantfile hyper v examples">
+            <a:extLst>
+              <a:ext uri="{FF2B5EF4-FFF2-40B4-BE49-F238E27FC236}">
+                <a16:creationId xmlns:a16="http://schemas.microsoft.com/office/drawing/2014/main" id="{3DFC1D70-510B-4FD2-B1A0-66D98AFCA0AD}"/>
+              </a:ext>
+            </a:extLst>
+          </p:cNvPr>
+          <p:cNvPicPr>
+            <a:picLocks noChangeAspect="1" noChangeArrowheads="1"/>
+          </p:cNvPicPr>
+          <p:nvPr/>
+        </p:nvPicPr>
+        <p:blipFill>
+          <a:blip r:embed="rId4">
+            <a:extLst>
+              <a:ext uri="{28A0092B-C50C-407E-A947-70E740481C1C}">
+                <a14:useLocalDpi xmlns:a14="http://schemas.microsoft.com/office/drawing/2010/main" val="0"/>
+              </a:ext>
+            </a:extLst>
+          </a:blip>
+          <a:srcRect/>
+          <a:stretch>
+            <a:fillRect/>
+          </a:stretch>
+        </p:blipFill>
+        <p:spPr bwMode="auto">
+          <a:xfrm>
+            <a:off x="3647171" y="4551908"/>
+            <a:ext cx="4654658" cy="2021261"/>
+          </a:xfrm>
+          <a:prstGeom prst="rect">
+            <a:avLst/>
+          </a:prstGeom>
+          <a:noFill/>
+          <a:extLst>
+            <a:ext uri="{909E8E84-426E-40DD-AFC4-6F175D3DCCD1}">
+              <a14:hiddenFill xmlns:a14="http://schemas.microsoft.com/office/drawing/2010/main">
+                <a:solidFill>
+                  <a:srgbClr val="FFFFFF"/>
+                </a:solidFill>
+              </a14:hiddenFill>
+            </a:ext>
+          </a:extLst>
+        </p:spPr>
+      </p:pic>
+    </p:spTree>
+    <p:extLst>
+      <p:ext uri="{BB962C8B-B14F-4D97-AF65-F5344CB8AC3E}">
+        <p14:creationId xmlns:p14="http://schemas.microsoft.com/office/powerpoint/2010/main" val="304533747"/>
+      </p:ext>
+    </p:extLst>
+  </p:cSld>
+  <p:clrMapOvr>
+    <a:masterClrMapping/>
+  </p:clrMapOvr>
+</p:sld>
+</file>
+
+<file path=ppt/slides/slide16.xml><?xml version="1.0" encoding="utf-8"?>
+<p:sld xmlns:a="http://schemas.openxmlformats.org/drawingml/2006/main" xmlns:r="http://schemas.openxmlformats.org/officeDocument/2006/relationships" xmlns:p="http://schemas.openxmlformats.org/presentationml/2006/main">
+  <p:cSld>
+    <p:spTree>
+      <p:nvGrpSpPr>
+        <p:cNvPr id="1" name=""/>
+        <p:cNvGrpSpPr/>
+        <p:nvPr/>
+      </p:nvGrpSpPr>
+      <p:grpSpPr>
+        <a:xfrm>
+          <a:off x="0" y="0"/>
+          <a:ext cx="0" cy="0"/>
+          <a:chOff x="0" y="0"/>
+          <a:chExt cx="0" cy="0"/>
+        </a:xfrm>
+      </p:grpSpPr>
+      <p:sp>
+        <p:nvSpPr>
+          <p:cNvPr id="2" name="Text Placeholder 1">
+            <a:extLst>
+              <a:ext uri="{FF2B5EF4-FFF2-40B4-BE49-F238E27FC236}">
+                <a16:creationId xmlns:a16="http://schemas.microsoft.com/office/drawing/2014/main" id="{7949173F-1975-47A7-B592-458759073468}"/>
+              </a:ext>
+            </a:extLst>
+          </p:cNvPr>
+          <p:cNvSpPr>
+            <a:spLocks noGrp="1"/>
+          </p:cNvSpPr>
+          <p:nvPr>
+            <p:ph type="body" sz="quarter" idx="13"/>
+          </p:nvPr>
+        </p:nvSpPr>
+        <p:spPr>
+          <a:xfrm>
+            <a:off x="3160450" y="3703321"/>
+            <a:ext cx="6241002" cy="682248"/>
+          </a:xfrm>
+        </p:spPr>
+        <p:txBody>
+          <a:bodyPr>
+            <a:normAutofit fontScale="62500" lnSpcReduction="20000"/>
+          </a:bodyPr>
+          <a:lstStyle/>
+          <a:p>
+            <a:r>
+              <a:rPr lang="en-US" dirty="0"/>
+              <a:t>Deploy di un Environment</a:t>
+            </a:r>
+          </a:p>
+        </p:txBody>
+      </p:sp>
+    </p:spTree>
+    <p:extLst>
+      <p:ext uri="{BB962C8B-B14F-4D97-AF65-F5344CB8AC3E}">
+        <p14:creationId xmlns:p14="http://schemas.microsoft.com/office/powerpoint/2010/main" val="659384522"/>
+      </p:ext>
+    </p:extLst>
+  </p:cSld>
+  <p:clrMapOvr>
+    <a:masterClrMapping/>
+  </p:clrMapOvr>
+</p:sld>
+</file>
+
+<file path=ppt/slides/slide17.xml><?xml version="1.0" encoding="utf-8"?>
+<p:sld xmlns:a="http://schemas.openxmlformats.org/drawingml/2006/main" xmlns:r="http://schemas.openxmlformats.org/officeDocument/2006/relationships" xmlns:p="http://schemas.openxmlformats.org/presentationml/2006/main">
+  <p:cSld>
+    <p:spTree>
+      <p:nvGrpSpPr>
+        <p:cNvPr id="1" name=""/>
+        <p:cNvGrpSpPr/>
+        <p:nvPr/>
+      </p:nvGrpSpPr>
+      <p:grpSpPr>
+        <a:xfrm>
+          <a:off x="0" y="0"/>
+          <a:ext cx="0" cy="0"/>
+          <a:chOff x="0" y="0"/>
+          <a:chExt cx="0" cy="0"/>
+        </a:xfrm>
+      </p:grpSpPr>
+      <p:pic>
+        <p:nvPicPr>
+          <p:cNvPr id="6162" name="Picture 18" descr="Immagine correlata">
+            <a:extLst>
+              <a:ext uri="{FF2B5EF4-FFF2-40B4-BE49-F238E27FC236}">
+                <a16:creationId xmlns:a16="http://schemas.microsoft.com/office/drawing/2014/main" id="{C1230CDE-2EC7-4AC9-B1DF-C549993C4A77}"/>
+              </a:ext>
+            </a:extLst>
+          </p:cNvPr>
+          <p:cNvPicPr>
+            <a:picLocks noChangeAspect="1" noChangeArrowheads="1"/>
+          </p:cNvPicPr>
+          <p:nvPr/>
+        </p:nvPicPr>
+        <p:blipFill rotWithShape="1">
+          <a:blip r:embed="rId2">
+            <a:extLst>
+              <a:ext uri="{28A0092B-C50C-407E-A947-70E740481C1C}">
+                <a14:useLocalDpi xmlns:a14="http://schemas.microsoft.com/office/drawing/2010/main" val="0"/>
+              </a:ext>
+            </a:extLst>
+          </a:blip>
+          <a:srcRect l="-1300" t="15328" r="-1222" b="14961"/>
+          <a:stretch/>
+        </p:blipFill>
+        <p:spPr bwMode="auto">
+          <a:xfrm>
+            <a:off x="5628443" y="1589087"/>
+            <a:ext cx="6322578" cy="4299133"/>
+          </a:xfrm>
+          <a:prstGeom prst="rect">
+            <a:avLst/>
+          </a:prstGeom>
+          <a:noFill/>
+          <a:extLst>
+            <a:ext uri="{909E8E84-426E-40DD-AFC4-6F175D3DCCD1}">
+              <a14:hiddenFill xmlns:a14="http://schemas.microsoft.com/office/drawing/2010/main">
+                <a:solidFill>
+                  <a:srgbClr val="FFFFFF"/>
+                </a:solidFill>
+              </a14:hiddenFill>
+            </a:ext>
+          </a:extLst>
+        </p:spPr>
+      </p:pic>
+      <p:sp>
+        <p:nvSpPr>
+          <p:cNvPr id="7" name="Title 6">
+            <a:extLst>
+              <a:ext uri="{FF2B5EF4-FFF2-40B4-BE49-F238E27FC236}">
+                <a16:creationId xmlns:a16="http://schemas.microsoft.com/office/drawing/2014/main" id="{D179CEFE-54E9-4050-BCEC-5F22EDA1E3EE}"/>
+              </a:ext>
+            </a:extLst>
+          </p:cNvPr>
+          <p:cNvSpPr>
+            <a:spLocks noGrp="1"/>
+          </p:cNvSpPr>
+          <p:nvPr>
+            <p:ph type="title"/>
+          </p:nvPr>
+        </p:nvSpPr>
+        <p:spPr>
+          <a:xfrm>
+            <a:off x="325315" y="136525"/>
+            <a:ext cx="11028485" cy="626517"/>
+          </a:xfrm>
+        </p:spPr>
+        <p:txBody>
+          <a:bodyPr/>
+          <a:lstStyle/>
+          <a:p>
+            <a:r>
+              <a:rPr lang="en-US" dirty="0" err="1"/>
+              <a:t>Warning&amp;Alert</a:t>
+            </a:r>
+            <a:r>
+              <a:rPr lang="en-US" dirty="0"/>
+              <a:t> </a:t>
+            </a:r>
+            <a:r>
+              <a:rPr lang="en-US" dirty="0" err="1"/>
+              <a:t>collaborativi</a:t>
+            </a:r>
+            <a:endParaRPr lang="en-US" dirty="0"/>
+          </a:p>
+        </p:txBody>
+      </p:sp>
+      <p:sp>
+        <p:nvSpPr>
+          <p:cNvPr id="8" name="Content Placeholder 7">
+            <a:extLst>
+              <a:ext uri="{FF2B5EF4-FFF2-40B4-BE49-F238E27FC236}">
+                <a16:creationId xmlns:a16="http://schemas.microsoft.com/office/drawing/2014/main" id="{CE7D99B5-07B2-4C31-84EF-E9ABC9B337F6}"/>
+              </a:ext>
+            </a:extLst>
+          </p:cNvPr>
+          <p:cNvSpPr>
+            <a:spLocks noGrp="1"/>
+          </p:cNvSpPr>
+          <p:nvPr>
+            <p:ph idx="1"/>
           </p:nvPr>
         </p:nvSpPr>
         <p:spPr/>
         <p:txBody>
           <a:bodyPr>
-            <a:normAutofit fontScale="77500" lnSpcReduction="20000"/>
+            <a:normAutofit/>
           </a:bodyPr>
           <a:lstStyle/>
           <a:p>
-            <a:r>
-              <a:rPr lang="en-US" dirty="0"/>
-              <a:t>@</a:t>
-            </a:r>
-            <a:r>
-              <a:rPr lang="en-US" dirty="0" err="1"/>
-              <a:t>giulianolatini</a:t>
-            </a:r>
+            <a:pPr marL="457200" indent="-457200">
+              <a:spcBef>
+                <a:spcPts val="1800"/>
+              </a:spcBef>
+              <a:buFont typeface="Arial" panose="020B0604020202020204" pitchFamily="34" charset="0"/>
+              <a:buChar char="•"/>
+            </a:pPr>
             <a:endParaRPr lang="en-US" dirty="0"/>
+          </a:p>
+          <a:p>
+            <a:pPr marL="457200" indent="-457200">
+              <a:spcBef>
+                <a:spcPts val="1800"/>
+              </a:spcBef>
+              <a:buFont typeface="Arial" panose="020B0604020202020204" pitchFamily="34" charset="0"/>
+              <a:buChar char="•"/>
+            </a:pPr>
+            <a:endParaRPr lang="en-US" dirty="0"/>
+          </a:p>
+          <a:p>
+            <a:pPr marL="457200" indent="-457200">
+              <a:spcBef>
+                <a:spcPts val="1800"/>
+              </a:spcBef>
+              <a:buFont typeface="Arial" panose="020B0604020202020204" pitchFamily="34" charset="0"/>
+              <a:buChar char="•"/>
+            </a:pPr>
+            <a:endParaRPr lang="en-US" dirty="0"/>
+          </a:p>
+          <a:p>
+            <a:endParaRPr lang="en-US" dirty="0"/>
+          </a:p>
+          <a:p>
+            <a:pPr marL="457200" indent="-457200">
+              <a:buFont typeface="Arial" panose="020B0604020202020204" pitchFamily="34" charset="0"/>
+              <a:buChar char="•"/>
+            </a:pPr>
+            <a:endParaRPr lang="en-US" dirty="0"/>
+          </a:p>
+          <a:p>
+            <a:pPr marL="457200" indent="-457200">
+              <a:buFont typeface="Arial" panose="020B0604020202020204" pitchFamily="34" charset="0"/>
+              <a:buChar char="•"/>
+            </a:pPr>
+            <a:endParaRPr lang="en-US" dirty="0"/>
+          </a:p>
+          <a:p>
+            <a:pPr marL="457200" indent="-457200">
+              <a:buFont typeface="Arial" panose="020B0604020202020204" pitchFamily="34" charset="0"/>
+              <a:buChar char="•"/>
+            </a:pPr>
+            <a:endParaRPr lang="en-US" dirty="0"/>
+          </a:p>
+          <a:p>
+            <a:pPr marL="457200" indent="-457200">
+              <a:buFont typeface="Arial" panose="020B0604020202020204" pitchFamily="34" charset="0"/>
+              <a:buChar char="•"/>
+            </a:pPr>
+            <a:endParaRPr lang="en-US" dirty="0"/>
+          </a:p>
+          <a:p>
+            <a:pPr marL="457200" indent="-457200">
+              <a:buFont typeface="Arial" panose="020B0604020202020204" pitchFamily="34" charset="0"/>
+              <a:buChar char="•"/>
+            </a:pPr>
+            <a:endParaRPr lang="en-US" dirty="0"/>
+          </a:p>
+        </p:txBody>
+      </p:sp>
+      <p:pic>
+        <p:nvPicPr>
+          <p:cNvPr id="6146" name="Picture 2" descr="Risultati immagini per vm icon">
+            <a:extLst>
+              <a:ext uri="{FF2B5EF4-FFF2-40B4-BE49-F238E27FC236}">
+                <a16:creationId xmlns:a16="http://schemas.microsoft.com/office/drawing/2014/main" id="{47E0E061-E538-47EB-8449-C80FFF9F73A7}"/>
+              </a:ext>
+            </a:extLst>
+          </p:cNvPr>
+          <p:cNvPicPr>
+            <a:picLocks noChangeAspect="1" noChangeArrowheads="1"/>
+          </p:cNvPicPr>
+          <p:nvPr/>
+        </p:nvPicPr>
+        <p:blipFill>
+          <a:blip r:embed="rId3">
+            <a:extLst>
+              <a:ext uri="{28A0092B-C50C-407E-A947-70E740481C1C}">
+                <a14:useLocalDpi xmlns:a14="http://schemas.microsoft.com/office/drawing/2010/main" val="0"/>
+              </a:ext>
+            </a:extLst>
+          </a:blip>
+          <a:srcRect/>
+          <a:stretch>
+            <a:fillRect/>
+          </a:stretch>
+        </p:blipFill>
+        <p:spPr bwMode="auto">
+          <a:xfrm>
+            <a:off x="838200" y="1263100"/>
+            <a:ext cx="1935997" cy="1935997"/>
+          </a:xfrm>
+          <a:prstGeom prst="rect">
+            <a:avLst/>
+          </a:prstGeom>
+          <a:noFill/>
+          <a:extLst>
+            <a:ext uri="{909E8E84-426E-40DD-AFC4-6F175D3DCCD1}">
+              <a14:hiddenFill xmlns:a14="http://schemas.microsoft.com/office/drawing/2010/main">
+                <a:solidFill>
+                  <a:srgbClr val="FFFFFF"/>
+                </a:solidFill>
+              </a14:hiddenFill>
+            </a:ext>
+          </a:extLst>
+        </p:spPr>
+      </p:pic>
+      <p:pic>
+        <p:nvPicPr>
+          <p:cNvPr id="6148" name="Picture 4" descr="Immagine correlata">
+            <a:extLst>
+              <a:ext uri="{FF2B5EF4-FFF2-40B4-BE49-F238E27FC236}">
+                <a16:creationId xmlns:a16="http://schemas.microsoft.com/office/drawing/2014/main" id="{73E04341-C085-4892-BBE9-C09BF3365C1C}"/>
+              </a:ext>
+            </a:extLst>
+          </p:cNvPr>
+          <p:cNvPicPr>
+            <a:picLocks noChangeAspect="1" noChangeArrowheads="1"/>
+          </p:cNvPicPr>
+          <p:nvPr/>
+        </p:nvPicPr>
+        <p:blipFill>
+          <a:blip r:embed="rId4">
+            <a:extLst>
+              <a:ext uri="{28A0092B-C50C-407E-A947-70E740481C1C}">
+                <a14:useLocalDpi xmlns:a14="http://schemas.microsoft.com/office/drawing/2010/main" val="0"/>
+              </a:ext>
+            </a:extLst>
+          </a:blip>
+          <a:srcRect/>
+          <a:stretch>
+            <a:fillRect/>
+          </a:stretch>
+        </p:blipFill>
+        <p:spPr bwMode="auto">
+          <a:xfrm>
+            <a:off x="574526" y="4382158"/>
+            <a:ext cx="2463343" cy="1989828"/>
+          </a:xfrm>
+          <a:prstGeom prst="rect">
+            <a:avLst/>
+          </a:prstGeom>
+          <a:noFill/>
+          <a:extLst>
+            <a:ext uri="{909E8E84-426E-40DD-AFC4-6F175D3DCCD1}">
+              <a14:hiddenFill xmlns:a14="http://schemas.microsoft.com/office/drawing/2010/main">
+                <a:solidFill>
+                  <a:srgbClr val="FFFFFF"/>
+                </a:solidFill>
+              </a14:hiddenFill>
+            </a:ext>
+          </a:extLst>
+        </p:spPr>
+      </p:pic>
+      <p:pic>
+        <p:nvPicPr>
+          <p:cNvPr id="9" name="Picture 8" descr="Risultati immagini per bash icon png">
+            <a:extLst>
+              <a:ext uri="{FF2B5EF4-FFF2-40B4-BE49-F238E27FC236}">
+                <a16:creationId xmlns:a16="http://schemas.microsoft.com/office/drawing/2014/main" id="{C60FE27D-3113-47E8-8C86-CF5ACE9C9B5B}"/>
+              </a:ext>
+            </a:extLst>
+          </p:cNvPr>
+          <p:cNvPicPr>
+            <a:picLocks noChangeAspect="1" noChangeArrowheads="1"/>
+          </p:cNvPicPr>
+          <p:nvPr/>
+        </p:nvPicPr>
+        <p:blipFill>
+          <a:blip r:embed="rId5">
+            <a:extLst>
+              <a:ext uri="{28A0092B-C50C-407E-A947-70E740481C1C}">
+                <a14:useLocalDpi xmlns:a14="http://schemas.microsoft.com/office/drawing/2010/main" val="0"/>
+              </a:ext>
+            </a:extLst>
+          </a:blip>
+          <a:srcRect/>
+          <a:stretch>
+            <a:fillRect/>
+          </a:stretch>
+        </p:blipFill>
+        <p:spPr bwMode="auto">
+          <a:xfrm>
+            <a:off x="2323911" y="2407402"/>
+            <a:ext cx="1208411" cy="1208411"/>
+          </a:xfrm>
+          <a:prstGeom prst="rect">
+            <a:avLst/>
+          </a:prstGeom>
+          <a:noFill/>
+          <a:extLst>
+            <a:ext uri="{909E8E84-426E-40DD-AFC4-6F175D3DCCD1}">
+              <a14:hiddenFill xmlns:a14="http://schemas.microsoft.com/office/drawing/2010/main">
+                <a:solidFill>
+                  <a:srgbClr val="FFFFFF"/>
+                </a:solidFill>
+              </a14:hiddenFill>
+            </a:ext>
+          </a:extLst>
+        </p:spPr>
+      </p:pic>
+      <p:pic>
+        <p:nvPicPr>
+          <p:cNvPr id="10" name="Picture 8" descr="Risultati immagini per bash icon png">
+            <a:extLst>
+              <a:ext uri="{FF2B5EF4-FFF2-40B4-BE49-F238E27FC236}">
+                <a16:creationId xmlns:a16="http://schemas.microsoft.com/office/drawing/2014/main" id="{02DF07F7-E205-42FB-A913-AD58254FD537}"/>
+              </a:ext>
+            </a:extLst>
+          </p:cNvPr>
+          <p:cNvPicPr>
+            <a:picLocks noChangeAspect="1" noChangeArrowheads="1"/>
+          </p:cNvPicPr>
+          <p:nvPr/>
+        </p:nvPicPr>
+        <p:blipFill>
+          <a:blip r:embed="rId5">
+            <a:extLst>
+              <a:ext uri="{28A0092B-C50C-407E-A947-70E740481C1C}">
+                <a14:useLocalDpi xmlns:a14="http://schemas.microsoft.com/office/drawing/2010/main" val="0"/>
+              </a:ext>
+            </a:extLst>
+          </a:blip>
+          <a:srcRect/>
+          <a:stretch>
+            <a:fillRect/>
+          </a:stretch>
+        </p:blipFill>
+        <p:spPr bwMode="auto">
+          <a:xfrm>
+            <a:off x="2323910" y="5443803"/>
+            <a:ext cx="1208411" cy="1208411"/>
+          </a:xfrm>
+          <a:prstGeom prst="rect">
+            <a:avLst/>
+          </a:prstGeom>
+          <a:noFill/>
+          <a:extLst>
+            <a:ext uri="{909E8E84-426E-40DD-AFC4-6F175D3DCCD1}">
+              <a14:hiddenFill xmlns:a14="http://schemas.microsoft.com/office/drawing/2010/main">
+                <a:solidFill>
+                  <a:srgbClr val="FFFFFF"/>
+                </a:solidFill>
+              </a14:hiddenFill>
+            </a:ext>
+          </a:extLst>
+        </p:spPr>
+      </p:pic>
+      <p:pic>
+        <p:nvPicPr>
+          <p:cNvPr id="6154" name="Picture 10" descr="Risultati immagini per telegram icon">
+            <a:extLst>
+              <a:ext uri="{FF2B5EF4-FFF2-40B4-BE49-F238E27FC236}">
+                <a16:creationId xmlns:a16="http://schemas.microsoft.com/office/drawing/2014/main" id="{D05269B3-F8EA-472E-A35C-C0AF3503638A}"/>
+              </a:ext>
+            </a:extLst>
+          </p:cNvPr>
+          <p:cNvPicPr>
+            <a:picLocks noChangeAspect="1" noChangeArrowheads="1"/>
+          </p:cNvPicPr>
+          <p:nvPr/>
+        </p:nvPicPr>
+        <p:blipFill>
+          <a:blip r:embed="rId6">
+            <a:extLst>
+              <a:ext uri="{28A0092B-C50C-407E-A947-70E740481C1C}">
+                <a14:useLocalDpi xmlns:a14="http://schemas.microsoft.com/office/drawing/2010/main" val="0"/>
+              </a:ext>
+            </a:extLst>
+          </a:blip>
+          <a:srcRect/>
+          <a:stretch>
+            <a:fillRect/>
+          </a:stretch>
+        </p:blipFill>
+        <p:spPr bwMode="auto">
+          <a:xfrm>
+            <a:off x="6247694" y="3633115"/>
+            <a:ext cx="1775847" cy="1775847"/>
+          </a:xfrm>
+          <a:prstGeom prst="rect">
+            <a:avLst/>
+          </a:prstGeom>
+          <a:noFill/>
+          <a:extLst>
+            <a:ext uri="{909E8E84-426E-40DD-AFC4-6F175D3DCCD1}">
+              <a14:hiddenFill xmlns:a14="http://schemas.microsoft.com/office/drawing/2010/main">
+                <a:solidFill>
+                  <a:srgbClr val="FFFFFF"/>
+                </a:solidFill>
+              </a14:hiddenFill>
+            </a:ext>
+          </a:extLst>
+        </p:spPr>
+      </p:pic>
+      <p:pic>
+        <p:nvPicPr>
+          <p:cNvPr id="6156" name="Picture 12" descr="Immagine correlata">
+            <a:extLst>
+              <a:ext uri="{FF2B5EF4-FFF2-40B4-BE49-F238E27FC236}">
+                <a16:creationId xmlns:a16="http://schemas.microsoft.com/office/drawing/2014/main" id="{CFEBB018-1448-40BC-90E8-CCDD3D1D294F}"/>
+              </a:ext>
+            </a:extLst>
+          </p:cNvPr>
+          <p:cNvPicPr>
+            <a:picLocks noChangeAspect="1" noChangeArrowheads="1"/>
+          </p:cNvPicPr>
+          <p:nvPr/>
+        </p:nvPicPr>
+        <p:blipFill>
+          <a:blip r:embed="rId7">
+            <a:extLst>
+              <a:ext uri="{28A0092B-C50C-407E-A947-70E740481C1C}">
+                <a14:useLocalDpi xmlns:a14="http://schemas.microsoft.com/office/drawing/2010/main" val="0"/>
+              </a:ext>
+            </a:extLst>
+          </a:blip>
+          <a:srcRect/>
+          <a:stretch>
+            <a:fillRect/>
+          </a:stretch>
+        </p:blipFill>
+        <p:spPr bwMode="auto">
+          <a:xfrm>
+            <a:off x="9726703" y="4002969"/>
+            <a:ext cx="1369017" cy="1369017"/>
+          </a:xfrm>
+          <a:prstGeom prst="rect">
+            <a:avLst/>
+          </a:prstGeom>
+          <a:noFill/>
+          <a:extLst>
+            <a:ext uri="{909E8E84-426E-40DD-AFC4-6F175D3DCCD1}">
+              <a14:hiddenFill xmlns:a14="http://schemas.microsoft.com/office/drawing/2010/main">
+                <a:solidFill>
+                  <a:srgbClr val="FFFFFF"/>
+                </a:solidFill>
+              </a14:hiddenFill>
+            </a:ext>
+          </a:extLst>
+        </p:spPr>
+      </p:pic>
+      <p:pic>
+        <p:nvPicPr>
+          <p:cNvPr id="6158" name="Picture 14" descr="Immagine correlata">
+            <a:extLst>
+              <a:ext uri="{FF2B5EF4-FFF2-40B4-BE49-F238E27FC236}">
+                <a16:creationId xmlns:a16="http://schemas.microsoft.com/office/drawing/2014/main" id="{52047E0F-463D-4294-A67F-4F1FB378F9DA}"/>
+              </a:ext>
+            </a:extLst>
+          </p:cNvPr>
+          <p:cNvPicPr>
+            <a:picLocks noChangeAspect="1" noChangeArrowheads="1"/>
+          </p:cNvPicPr>
+          <p:nvPr/>
+        </p:nvPicPr>
+        <p:blipFill>
+          <a:blip r:embed="rId8">
+            <a:extLst>
+              <a:ext uri="{28A0092B-C50C-407E-A947-70E740481C1C}">
+                <a14:useLocalDpi xmlns:a14="http://schemas.microsoft.com/office/drawing/2010/main" val="0"/>
+              </a:ext>
+            </a:extLst>
+          </a:blip>
+          <a:srcRect/>
+          <a:stretch>
+            <a:fillRect/>
+          </a:stretch>
+        </p:blipFill>
+        <p:spPr bwMode="auto">
+          <a:xfrm>
+            <a:off x="7261896" y="4467866"/>
+            <a:ext cx="1015014" cy="1015014"/>
+          </a:xfrm>
+          <a:prstGeom prst="rect">
+            <a:avLst/>
+          </a:prstGeom>
+          <a:noFill/>
+          <a:extLst>
+            <a:ext uri="{909E8E84-426E-40DD-AFC4-6F175D3DCCD1}">
+              <a14:hiddenFill xmlns:a14="http://schemas.microsoft.com/office/drawing/2010/main">
+                <a:solidFill>
+                  <a:srgbClr val="FFFFFF"/>
+                </a:solidFill>
+              </a14:hiddenFill>
+            </a:ext>
+          </a:extLst>
+        </p:spPr>
+      </p:pic>
+      <p:pic>
+        <p:nvPicPr>
+          <p:cNvPr id="6160" name="Picture 16" descr="Risultati immagini per hangouts icon">
+            <a:extLst>
+              <a:ext uri="{FF2B5EF4-FFF2-40B4-BE49-F238E27FC236}">
+                <a16:creationId xmlns:a16="http://schemas.microsoft.com/office/drawing/2014/main" id="{BBB741B5-73F1-40B1-9419-8C162FE970C8}"/>
+              </a:ext>
+            </a:extLst>
+          </p:cNvPr>
+          <p:cNvPicPr>
+            <a:picLocks noChangeAspect="1" noChangeArrowheads="1"/>
+          </p:cNvPicPr>
+          <p:nvPr/>
+        </p:nvPicPr>
+        <p:blipFill>
+          <a:blip r:embed="rId9">
+            <a:extLst>
+              <a:ext uri="{28A0092B-C50C-407E-A947-70E740481C1C}">
+                <a14:useLocalDpi xmlns:a14="http://schemas.microsoft.com/office/drawing/2010/main" val="0"/>
+              </a:ext>
+            </a:extLst>
+          </a:blip>
+          <a:srcRect/>
+          <a:stretch>
+            <a:fillRect/>
+          </a:stretch>
+        </p:blipFill>
+        <p:spPr bwMode="auto">
+          <a:xfrm>
+            <a:off x="7690570" y="2833982"/>
+            <a:ext cx="2320900" cy="1305506"/>
+          </a:xfrm>
+          <a:prstGeom prst="rect">
+            <a:avLst/>
+          </a:prstGeom>
+          <a:noFill/>
+          <a:extLst>
+            <a:ext uri="{909E8E84-426E-40DD-AFC4-6F175D3DCCD1}">
+              <a14:hiddenFill xmlns:a14="http://schemas.microsoft.com/office/drawing/2010/main">
+                <a:solidFill>
+                  <a:srgbClr val="FFFFFF"/>
+                </a:solidFill>
+              </a14:hiddenFill>
+            </a:ext>
+          </a:extLst>
+        </p:spPr>
+      </p:pic>
+      <p:sp>
+        <p:nvSpPr>
+          <p:cNvPr id="2" name="Freccia destra rientrata 1">
+            <a:extLst>
+              <a:ext uri="{FF2B5EF4-FFF2-40B4-BE49-F238E27FC236}">
+                <a16:creationId xmlns:a16="http://schemas.microsoft.com/office/drawing/2014/main" id="{118096B9-EDBA-4236-8FE5-99DD0A2199B4}"/>
+              </a:ext>
+            </a:extLst>
+          </p:cNvPr>
+          <p:cNvSpPr/>
+          <p:nvPr/>
+        </p:nvSpPr>
+        <p:spPr>
+          <a:xfrm rot="601517">
+            <a:off x="3719975" y="2915202"/>
+            <a:ext cx="2113871" cy="634754"/>
+          </a:xfrm>
+          <a:prstGeom prst="notchedRightArrow">
+            <a:avLst/>
+          </a:prstGeom>
+        </p:spPr>
+        <p:style>
+          <a:lnRef idx="2">
+            <a:schemeClr val="accent1">
+              <a:shade val="50000"/>
+            </a:schemeClr>
+          </a:lnRef>
+          <a:fillRef idx="1">
+            <a:schemeClr val="accent1"/>
+          </a:fillRef>
+          <a:effectRef idx="0">
+            <a:schemeClr val="accent1"/>
+          </a:effectRef>
+          <a:fontRef idx="minor">
+            <a:schemeClr val="lt1"/>
+          </a:fontRef>
+        </p:style>
+        <p:txBody>
+          <a:bodyPr rtlCol="0" anchor="ctr"/>
+          <a:lstStyle/>
+          <a:p>
+            <a:pPr algn="ctr"/>
+            <a:r>
+              <a:rPr lang="it-IT" dirty="0" err="1"/>
+              <a:t>curl</a:t>
+            </a:r>
+            <a:endParaRPr lang="it-IT" dirty="0"/>
           </a:p>
         </p:txBody>
       </p:sp>
       <p:sp>
         <p:nvSpPr>
-          <p:cNvPr id="4" name="Text Placeholder 3">
-            <a:extLst>
-              <a:ext uri="{FF2B5EF4-FFF2-40B4-BE49-F238E27FC236}">
-                <a16:creationId xmlns:a16="http://schemas.microsoft.com/office/drawing/2014/main" id="{FBEDAFD7-CF92-4199-8229-5FCED907CDA4}"/>
-              </a:ext>
-            </a:extLst>
-          </p:cNvPr>
-          <p:cNvSpPr>
-            <a:spLocks noGrp="1"/>
-          </p:cNvSpPr>
-          <p:nvPr>
-            <p:ph type="body" sz="quarter" idx="12"/>
-          </p:nvPr>
+          <p:cNvPr id="16" name="Freccia destra rientrata 15">
+            <a:extLst>
+              <a:ext uri="{FF2B5EF4-FFF2-40B4-BE49-F238E27FC236}">
+                <a16:creationId xmlns:a16="http://schemas.microsoft.com/office/drawing/2014/main" id="{74E41D3E-2D29-44F3-8482-F4791E9709B1}"/>
+              </a:ext>
+            </a:extLst>
+          </p:cNvPr>
+          <p:cNvSpPr/>
+          <p:nvPr/>
         </p:nvSpPr>
-        <p:spPr/>
+        <p:spPr>
+          <a:xfrm rot="20411560">
+            <a:off x="3614386" y="5336896"/>
+            <a:ext cx="2113871" cy="634754"/>
+          </a:xfrm>
+          <a:prstGeom prst="notchedRightArrow">
+            <a:avLst/>
+          </a:prstGeom>
+        </p:spPr>
+        <p:style>
+          <a:lnRef idx="2">
+            <a:schemeClr val="accent1">
+              <a:shade val="50000"/>
+            </a:schemeClr>
+          </a:lnRef>
+          <a:fillRef idx="1">
+            <a:schemeClr val="accent1"/>
+          </a:fillRef>
+          <a:effectRef idx="0">
+            <a:schemeClr val="accent1"/>
+          </a:effectRef>
+          <a:fontRef idx="minor">
+            <a:schemeClr val="lt1"/>
+          </a:fontRef>
+        </p:style>
         <p:txBody>
-          <a:bodyPr>
-            <a:normAutofit fontScale="77500" lnSpcReduction="20000"/>
-          </a:bodyPr>
+          <a:bodyPr rtlCol="0" anchor="ctr"/>
           <a:lstStyle/>
           <a:p>
-            <a:r>
-              <a:rPr lang="en-US" dirty="0" err="1"/>
-              <a:t>giulianolatini</a:t>
-            </a:r>
-            <a:endParaRPr lang="en-US" dirty="0"/>
+            <a:pPr algn="ctr"/>
+            <a:r>
+              <a:rPr lang="it-IT" dirty="0" err="1"/>
+              <a:t>curl</a:t>
+            </a:r>
+            <a:endParaRPr lang="it-IT" dirty="0"/>
           </a:p>
         </p:txBody>
       </p:sp>
     </p:spTree>
     <p:extLst>
       <p:ext uri="{BB962C8B-B14F-4D97-AF65-F5344CB8AC3E}">
-        <p14:creationId xmlns:p14="http://schemas.microsoft.com/office/powerpoint/2010/main" val="3208365751"/>
+        <p14:creationId xmlns:p14="http://schemas.microsoft.com/office/powerpoint/2010/main" val="1194557239"/>
+      </p:ext>
+    </p:extLst>
+  </p:cSld>
+  <p:clrMapOvr>
+    <a:masterClrMapping/>
+  </p:clrMapOvr>
+</p:sld>
+</file>
+
+<file path=ppt/slides/slide18.xml><?xml version="1.0" encoding="utf-8"?>
+<p:sld xmlns:a="http://schemas.openxmlformats.org/drawingml/2006/main" xmlns:r="http://schemas.openxmlformats.org/officeDocument/2006/relationships" xmlns:p="http://schemas.openxmlformats.org/presentationml/2006/main">
+  <p:cSld>
+    <p:spTree>
+      <p:nvGrpSpPr>
+        <p:cNvPr id="1" name=""/>
+        <p:cNvGrpSpPr/>
+        <p:nvPr/>
+      </p:nvGrpSpPr>
+      <p:grpSpPr>
+        <a:xfrm>
+          <a:off x="0" y="0"/>
+          <a:ext cx="0" cy="0"/>
+          <a:chOff x="0" y="0"/>
+          <a:chExt cx="0" cy="0"/>
+        </a:xfrm>
+      </p:grpSpPr>
+      <p:sp>
+        <p:nvSpPr>
+          <p:cNvPr id="2" name="Text Placeholder 1">
+            <a:extLst>
+              <a:ext uri="{FF2B5EF4-FFF2-40B4-BE49-F238E27FC236}">
+                <a16:creationId xmlns:a16="http://schemas.microsoft.com/office/drawing/2014/main" id="{7949173F-1975-47A7-B592-458759073468}"/>
+              </a:ext>
+            </a:extLst>
+          </p:cNvPr>
+          <p:cNvSpPr>
+            <a:spLocks noGrp="1"/>
+          </p:cNvSpPr>
+          <p:nvPr>
+            <p:ph type="body" sz="quarter" idx="13"/>
+          </p:nvPr>
+        </p:nvSpPr>
+        <p:spPr>
+          <a:xfrm>
+            <a:off x="3160450" y="3703321"/>
+            <a:ext cx="6241002" cy="682248"/>
+          </a:xfrm>
+        </p:spPr>
+        <p:txBody>
+          <a:bodyPr>
+            <a:normAutofit fontScale="55000" lnSpcReduction="20000"/>
+          </a:bodyPr>
+          <a:lstStyle/>
+          <a:p>
+            <a:r>
+              <a:rPr lang="en-US" dirty="0" err="1"/>
+              <a:t>Warning&amp;Alert</a:t>
+            </a:r>
+            <a:r>
+              <a:rPr lang="en-US" dirty="0"/>
+              <a:t> </a:t>
+            </a:r>
+            <a:r>
+              <a:rPr lang="en-US" dirty="0" err="1"/>
+              <a:t>collaborativi</a:t>
+            </a:r>
+            <a:endParaRPr lang="en-US" dirty="0"/>
+          </a:p>
+        </p:txBody>
+      </p:sp>
+    </p:spTree>
+    <p:extLst>
+      <p:ext uri="{BB962C8B-B14F-4D97-AF65-F5344CB8AC3E}">
+        <p14:creationId xmlns:p14="http://schemas.microsoft.com/office/powerpoint/2010/main" val="4203200150"/>
+      </p:ext>
+    </p:extLst>
+  </p:cSld>
+  <p:clrMapOvr>
+    <a:masterClrMapping/>
+  </p:clrMapOvr>
+</p:sld>
+</file>
+
+<file path=ppt/slides/slide19.xml><?xml version="1.0" encoding="utf-8"?>
+<p:sld xmlns:a="http://schemas.openxmlformats.org/drawingml/2006/main" xmlns:r="http://schemas.openxmlformats.org/officeDocument/2006/relationships" xmlns:p="http://schemas.openxmlformats.org/presentationml/2006/main">
+  <p:cSld>
+    <p:spTree>
+      <p:nvGrpSpPr>
+        <p:cNvPr id="1" name=""/>
+        <p:cNvGrpSpPr/>
+        <p:nvPr/>
+      </p:nvGrpSpPr>
+      <p:grpSpPr>
+        <a:xfrm>
+          <a:off x="0" y="0"/>
+          <a:ext cx="0" cy="0"/>
+          <a:chOff x="0" y="0"/>
+          <a:chExt cx="0" cy="0"/>
+        </a:xfrm>
+      </p:grpSpPr>
+      <p:sp>
+        <p:nvSpPr>
+          <p:cNvPr id="7" name="Title 6">
+            <a:extLst>
+              <a:ext uri="{FF2B5EF4-FFF2-40B4-BE49-F238E27FC236}">
+                <a16:creationId xmlns:a16="http://schemas.microsoft.com/office/drawing/2014/main" id="{D179CEFE-54E9-4050-BCEC-5F22EDA1E3EE}"/>
+              </a:ext>
+            </a:extLst>
+          </p:cNvPr>
+          <p:cNvSpPr>
+            <a:spLocks noGrp="1"/>
+          </p:cNvSpPr>
+          <p:nvPr>
+            <p:ph type="title"/>
+          </p:nvPr>
+        </p:nvSpPr>
+        <p:spPr>
+          <a:xfrm>
+            <a:off x="325315" y="136525"/>
+            <a:ext cx="11028485" cy="626517"/>
+          </a:xfrm>
+        </p:spPr>
+        <p:txBody>
+          <a:bodyPr/>
+          <a:lstStyle/>
+          <a:p>
+            <a:r>
+              <a:rPr lang="en-US" dirty="0"/>
+              <a:t>Testing </a:t>
+            </a:r>
+            <a:r>
+              <a:rPr lang="en-US" dirty="0" err="1"/>
+              <a:t>d’infrastruttura</a:t>
+            </a:r>
+            <a:endParaRPr lang="en-US" dirty="0"/>
+          </a:p>
+        </p:txBody>
+      </p:sp>
+      <p:pic>
+        <p:nvPicPr>
+          <p:cNvPr id="7170" name="Picture 2" descr="Risultati immagini per testinfra">
+            <a:extLst>
+              <a:ext uri="{FF2B5EF4-FFF2-40B4-BE49-F238E27FC236}">
+                <a16:creationId xmlns:a16="http://schemas.microsoft.com/office/drawing/2014/main" id="{B5D115CA-C85C-4EC0-B8E1-4780A451D743}"/>
+              </a:ext>
+            </a:extLst>
+          </p:cNvPr>
+          <p:cNvPicPr>
+            <a:picLocks noChangeAspect="1" noChangeArrowheads="1"/>
+          </p:cNvPicPr>
+          <p:nvPr/>
+        </p:nvPicPr>
+        <p:blipFill>
+          <a:blip r:embed="rId2">
+            <a:extLst>
+              <a:ext uri="{28A0092B-C50C-407E-A947-70E740481C1C}">
+                <a14:useLocalDpi xmlns:a14="http://schemas.microsoft.com/office/drawing/2010/main" val="0"/>
+              </a:ext>
+            </a:extLst>
+          </a:blip>
+          <a:srcRect/>
+          <a:stretch>
+            <a:fillRect/>
+          </a:stretch>
+        </p:blipFill>
+        <p:spPr bwMode="auto">
+          <a:xfrm>
+            <a:off x="615285" y="4223174"/>
+            <a:ext cx="2209800" cy="2228850"/>
+          </a:xfrm>
+          <a:prstGeom prst="rect">
+            <a:avLst/>
+          </a:prstGeom>
+          <a:noFill/>
+          <a:extLst>
+            <a:ext uri="{909E8E84-426E-40DD-AFC4-6F175D3DCCD1}">
+              <a14:hiddenFill xmlns:a14="http://schemas.microsoft.com/office/drawing/2010/main">
+                <a:solidFill>
+                  <a:srgbClr val="FFFFFF"/>
+                </a:solidFill>
+              </a14:hiddenFill>
+            </a:ext>
+          </a:extLst>
+        </p:spPr>
+      </p:pic>
+      <p:pic>
+        <p:nvPicPr>
+          <p:cNvPr id="7172" name="Picture 4" descr="Risultati immagini per python png">
+            <a:extLst>
+              <a:ext uri="{FF2B5EF4-FFF2-40B4-BE49-F238E27FC236}">
+                <a16:creationId xmlns:a16="http://schemas.microsoft.com/office/drawing/2014/main" id="{047425B8-D93B-4D6A-B2E5-ECE104C0C929}"/>
+              </a:ext>
+            </a:extLst>
+          </p:cNvPr>
+          <p:cNvPicPr>
+            <a:picLocks noChangeAspect="1" noChangeArrowheads="1"/>
+          </p:cNvPicPr>
+          <p:nvPr/>
+        </p:nvPicPr>
+        <p:blipFill>
+          <a:blip r:embed="rId3">
+            <a:extLst>
+              <a:ext uri="{28A0092B-C50C-407E-A947-70E740481C1C}">
+                <a14:useLocalDpi xmlns:a14="http://schemas.microsoft.com/office/drawing/2010/main" val="0"/>
+              </a:ext>
+            </a:extLst>
+          </a:blip>
+          <a:srcRect/>
+          <a:stretch>
+            <a:fillRect/>
+          </a:stretch>
+        </p:blipFill>
+        <p:spPr bwMode="auto">
+          <a:xfrm>
+            <a:off x="5685" y="1538531"/>
+            <a:ext cx="3429000" cy="1714500"/>
+          </a:xfrm>
+          <a:prstGeom prst="rect">
+            <a:avLst/>
+          </a:prstGeom>
+          <a:noFill/>
+          <a:extLst>
+            <a:ext uri="{909E8E84-426E-40DD-AFC4-6F175D3DCCD1}">
+              <a14:hiddenFill xmlns:a14="http://schemas.microsoft.com/office/drawing/2010/main">
+                <a:solidFill>
+                  <a:srgbClr val="FFFFFF"/>
+                </a:solidFill>
+              </a14:hiddenFill>
+            </a:ext>
+          </a:extLst>
+        </p:spPr>
+      </p:pic>
+      <p:pic>
+        <p:nvPicPr>
+          <p:cNvPr id="4" name="Immagine 3">
+            <a:extLst>
+              <a:ext uri="{FF2B5EF4-FFF2-40B4-BE49-F238E27FC236}">
+                <a16:creationId xmlns:a16="http://schemas.microsoft.com/office/drawing/2014/main" id="{B2AD94FD-9258-4FE4-8CDF-9C34D867F7D9}"/>
+              </a:ext>
+            </a:extLst>
+          </p:cNvPr>
+          <p:cNvPicPr>
+            <a:picLocks noChangeAspect="1"/>
+          </p:cNvPicPr>
+          <p:nvPr/>
+        </p:nvPicPr>
+        <p:blipFill>
+          <a:blip r:embed="rId4"/>
+          <a:stretch>
+            <a:fillRect/>
+          </a:stretch>
+        </p:blipFill>
+        <p:spPr>
+          <a:xfrm>
+            <a:off x="5041865" y="1416624"/>
+            <a:ext cx="6932908" cy="4881861"/>
+          </a:xfrm>
+          <a:prstGeom prst="rect">
+            <a:avLst/>
+          </a:prstGeom>
+        </p:spPr>
+      </p:pic>
+      <p:pic>
+        <p:nvPicPr>
+          <p:cNvPr id="7174" name="Picture 6" descr="Risultati immagini per redis png">
+            <a:extLst>
+              <a:ext uri="{FF2B5EF4-FFF2-40B4-BE49-F238E27FC236}">
+                <a16:creationId xmlns:a16="http://schemas.microsoft.com/office/drawing/2014/main" id="{19BBFC76-C28C-4B0E-AAB6-BA77586617AE}"/>
+              </a:ext>
+            </a:extLst>
+          </p:cNvPr>
+          <p:cNvPicPr>
+            <a:picLocks noChangeAspect="1" noChangeArrowheads="1"/>
+          </p:cNvPicPr>
+          <p:nvPr/>
+        </p:nvPicPr>
+        <p:blipFill>
+          <a:blip r:embed="rId5">
+            <a:extLst>
+              <a:ext uri="{28A0092B-C50C-407E-A947-70E740481C1C}">
+                <a14:useLocalDpi xmlns:a14="http://schemas.microsoft.com/office/drawing/2010/main" val="0"/>
+              </a:ext>
+            </a:extLst>
+          </a:blip>
+          <a:srcRect/>
+          <a:stretch>
+            <a:fillRect/>
+          </a:stretch>
+        </p:blipFill>
+        <p:spPr bwMode="auto">
+          <a:xfrm>
+            <a:off x="2665363" y="3031722"/>
+            <a:ext cx="2114338" cy="1784831"/>
+          </a:xfrm>
+          <a:prstGeom prst="rect">
+            <a:avLst/>
+          </a:prstGeom>
+          <a:noFill/>
+          <a:extLst>
+            <a:ext uri="{909E8E84-426E-40DD-AFC4-6F175D3DCCD1}">
+              <a14:hiddenFill xmlns:a14="http://schemas.microsoft.com/office/drawing/2010/main">
+                <a:solidFill>
+                  <a:srgbClr val="FFFFFF"/>
+                </a:solidFill>
+              </a14:hiddenFill>
+            </a:ext>
+          </a:extLst>
+        </p:spPr>
+      </p:pic>
+    </p:spTree>
+    <p:extLst>
+      <p:ext uri="{BB962C8B-B14F-4D97-AF65-F5344CB8AC3E}">
+        <p14:creationId xmlns:p14="http://schemas.microsoft.com/office/powerpoint/2010/main" val="2693854401"/>
       </p:ext>
     </p:extLst>
   </p:cSld>
@@ -11192,6 +14346,1208 @@
     <p:extLst>
       <p:ext uri="{BB962C8B-B14F-4D97-AF65-F5344CB8AC3E}">
         <p14:creationId xmlns:p14="http://schemas.microsoft.com/office/powerpoint/2010/main" val="182652970"/>
+      </p:ext>
+    </p:extLst>
+  </p:cSld>
+  <p:clrMapOvr>
+    <a:masterClrMapping/>
+  </p:clrMapOvr>
+</p:sld>
+</file>
+
+<file path=ppt/slides/slide20.xml><?xml version="1.0" encoding="utf-8"?>
+<p:sld xmlns:a="http://schemas.openxmlformats.org/drawingml/2006/main" xmlns:r="http://schemas.openxmlformats.org/officeDocument/2006/relationships" xmlns:p="http://schemas.openxmlformats.org/presentationml/2006/main">
+  <p:cSld>
+    <p:spTree>
+      <p:nvGrpSpPr>
+        <p:cNvPr id="1" name=""/>
+        <p:cNvGrpSpPr/>
+        <p:nvPr/>
+      </p:nvGrpSpPr>
+      <p:grpSpPr>
+        <a:xfrm>
+          <a:off x="0" y="0"/>
+          <a:ext cx="0" cy="0"/>
+          <a:chOff x="0" y="0"/>
+          <a:chExt cx="0" cy="0"/>
+        </a:xfrm>
+      </p:grpSpPr>
+      <p:sp>
+        <p:nvSpPr>
+          <p:cNvPr id="7" name="Title 6">
+            <a:extLst>
+              <a:ext uri="{FF2B5EF4-FFF2-40B4-BE49-F238E27FC236}">
+                <a16:creationId xmlns:a16="http://schemas.microsoft.com/office/drawing/2014/main" id="{D179CEFE-54E9-4050-BCEC-5F22EDA1E3EE}"/>
+              </a:ext>
+            </a:extLst>
+          </p:cNvPr>
+          <p:cNvSpPr>
+            <a:spLocks noGrp="1"/>
+          </p:cNvSpPr>
+          <p:nvPr>
+            <p:ph type="title"/>
+          </p:nvPr>
+        </p:nvSpPr>
+        <p:spPr>
+          <a:xfrm>
+            <a:off x="325315" y="136525"/>
+            <a:ext cx="11028485" cy="626517"/>
+          </a:xfrm>
+        </p:spPr>
+        <p:txBody>
+          <a:bodyPr/>
+          <a:lstStyle/>
+          <a:p>
+            <a:r>
+              <a:rPr lang="en-US" dirty="0"/>
+              <a:t>Testing </a:t>
+            </a:r>
+            <a:r>
+              <a:rPr lang="en-US" dirty="0" err="1"/>
+              <a:t>d’infrastruttura</a:t>
+            </a:r>
+            <a:endParaRPr lang="en-US" dirty="0"/>
+          </a:p>
+        </p:txBody>
+      </p:sp>
+      <p:pic>
+        <p:nvPicPr>
+          <p:cNvPr id="7170" name="Picture 2" descr="Risultati immagini per testinfra">
+            <a:extLst>
+              <a:ext uri="{FF2B5EF4-FFF2-40B4-BE49-F238E27FC236}">
+                <a16:creationId xmlns:a16="http://schemas.microsoft.com/office/drawing/2014/main" id="{B5D115CA-C85C-4EC0-B8E1-4780A451D743}"/>
+              </a:ext>
+            </a:extLst>
+          </p:cNvPr>
+          <p:cNvPicPr>
+            <a:picLocks noChangeAspect="1" noChangeArrowheads="1"/>
+          </p:cNvPicPr>
+          <p:nvPr/>
+        </p:nvPicPr>
+        <p:blipFill>
+          <a:blip r:embed="rId2">
+            <a:extLst>
+              <a:ext uri="{28A0092B-C50C-407E-A947-70E740481C1C}">
+                <a14:useLocalDpi xmlns:a14="http://schemas.microsoft.com/office/drawing/2010/main" val="0"/>
+              </a:ext>
+            </a:extLst>
+          </a:blip>
+          <a:srcRect/>
+          <a:stretch>
+            <a:fillRect/>
+          </a:stretch>
+        </p:blipFill>
+        <p:spPr bwMode="auto">
+          <a:xfrm>
+            <a:off x="615285" y="4223174"/>
+            <a:ext cx="2209800" cy="2228850"/>
+          </a:xfrm>
+          <a:prstGeom prst="rect">
+            <a:avLst/>
+          </a:prstGeom>
+          <a:noFill/>
+          <a:extLst>
+            <a:ext uri="{909E8E84-426E-40DD-AFC4-6F175D3DCCD1}">
+              <a14:hiddenFill xmlns:a14="http://schemas.microsoft.com/office/drawing/2010/main">
+                <a:solidFill>
+                  <a:srgbClr val="FFFFFF"/>
+                </a:solidFill>
+              </a14:hiddenFill>
+            </a:ext>
+          </a:extLst>
+        </p:spPr>
+      </p:pic>
+      <p:pic>
+        <p:nvPicPr>
+          <p:cNvPr id="7172" name="Picture 4" descr="Risultati immagini per python png">
+            <a:extLst>
+              <a:ext uri="{FF2B5EF4-FFF2-40B4-BE49-F238E27FC236}">
+                <a16:creationId xmlns:a16="http://schemas.microsoft.com/office/drawing/2014/main" id="{047425B8-D93B-4D6A-B2E5-ECE104C0C929}"/>
+              </a:ext>
+            </a:extLst>
+          </p:cNvPr>
+          <p:cNvPicPr>
+            <a:picLocks noChangeAspect="1" noChangeArrowheads="1"/>
+          </p:cNvPicPr>
+          <p:nvPr/>
+        </p:nvPicPr>
+        <p:blipFill>
+          <a:blip r:embed="rId3">
+            <a:extLst>
+              <a:ext uri="{28A0092B-C50C-407E-A947-70E740481C1C}">
+                <a14:useLocalDpi xmlns:a14="http://schemas.microsoft.com/office/drawing/2010/main" val="0"/>
+              </a:ext>
+            </a:extLst>
+          </a:blip>
+          <a:srcRect/>
+          <a:stretch>
+            <a:fillRect/>
+          </a:stretch>
+        </p:blipFill>
+        <p:spPr bwMode="auto">
+          <a:xfrm>
+            <a:off x="5685" y="1538531"/>
+            <a:ext cx="3429000" cy="1714500"/>
+          </a:xfrm>
+          <a:prstGeom prst="rect">
+            <a:avLst/>
+          </a:prstGeom>
+          <a:noFill/>
+          <a:extLst>
+            <a:ext uri="{909E8E84-426E-40DD-AFC4-6F175D3DCCD1}">
+              <a14:hiddenFill xmlns:a14="http://schemas.microsoft.com/office/drawing/2010/main">
+                <a:solidFill>
+                  <a:srgbClr val="FFFFFF"/>
+                </a:solidFill>
+              </a14:hiddenFill>
+            </a:ext>
+          </a:extLst>
+        </p:spPr>
+      </p:pic>
+      <p:pic>
+        <p:nvPicPr>
+          <p:cNvPr id="7174" name="Picture 6" descr="Risultati immagini per redis png">
+            <a:extLst>
+              <a:ext uri="{FF2B5EF4-FFF2-40B4-BE49-F238E27FC236}">
+                <a16:creationId xmlns:a16="http://schemas.microsoft.com/office/drawing/2014/main" id="{19BBFC76-C28C-4B0E-AAB6-BA77586617AE}"/>
+              </a:ext>
+            </a:extLst>
+          </p:cNvPr>
+          <p:cNvPicPr>
+            <a:picLocks noChangeAspect="1" noChangeArrowheads="1"/>
+          </p:cNvPicPr>
+          <p:nvPr/>
+        </p:nvPicPr>
+        <p:blipFill>
+          <a:blip r:embed="rId4">
+            <a:extLst>
+              <a:ext uri="{28A0092B-C50C-407E-A947-70E740481C1C}">
+                <a14:useLocalDpi xmlns:a14="http://schemas.microsoft.com/office/drawing/2010/main" val="0"/>
+              </a:ext>
+            </a:extLst>
+          </a:blip>
+          <a:srcRect/>
+          <a:stretch>
+            <a:fillRect/>
+          </a:stretch>
+        </p:blipFill>
+        <p:spPr bwMode="auto">
+          <a:xfrm>
+            <a:off x="2824042" y="2899734"/>
+            <a:ext cx="2114338" cy="1784831"/>
+          </a:xfrm>
+          <a:prstGeom prst="rect">
+            <a:avLst/>
+          </a:prstGeom>
+          <a:noFill/>
+          <a:extLst>
+            <a:ext uri="{909E8E84-426E-40DD-AFC4-6F175D3DCCD1}">
+              <a14:hiddenFill xmlns:a14="http://schemas.microsoft.com/office/drawing/2010/main">
+                <a:solidFill>
+                  <a:srgbClr val="FFFFFF"/>
+                </a:solidFill>
+              </a14:hiddenFill>
+            </a:ext>
+          </a:extLst>
+        </p:spPr>
+      </p:pic>
+      <p:pic>
+        <p:nvPicPr>
+          <p:cNvPr id="2" name="Immagine 1">
+            <a:extLst>
+              <a:ext uri="{FF2B5EF4-FFF2-40B4-BE49-F238E27FC236}">
+                <a16:creationId xmlns:a16="http://schemas.microsoft.com/office/drawing/2014/main" id="{ACDD62A7-C3D5-4173-84A1-7FA415B57582}"/>
+              </a:ext>
+            </a:extLst>
+          </p:cNvPr>
+          <p:cNvPicPr>
+            <a:picLocks noChangeAspect="1"/>
+          </p:cNvPicPr>
+          <p:nvPr/>
+        </p:nvPicPr>
+        <p:blipFill>
+          <a:blip r:embed="rId5"/>
+          <a:stretch>
+            <a:fillRect/>
+          </a:stretch>
+        </p:blipFill>
+        <p:spPr>
+          <a:xfrm>
+            <a:off x="5236351" y="902055"/>
+            <a:ext cx="4915232" cy="2782207"/>
+          </a:xfrm>
+          <a:prstGeom prst="rect">
+            <a:avLst/>
+          </a:prstGeom>
+        </p:spPr>
+      </p:pic>
+      <p:pic>
+        <p:nvPicPr>
+          <p:cNvPr id="3" name="Immagine 2">
+            <a:extLst>
+              <a:ext uri="{FF2B5EF4-FFF2-40B4-BE49-F238E27FC236}">
+                <a16:creationId xmlns:a16="http://schemas.microsoft.com/office/drawing/2014/main" id="{BA4F9B12-91DA-44D4-A2AA-ECB6BC7540DE}"/>
+              </a:ext>
+            </a:extLst>
+          </p:cNvPr>
+          <p:cNvPicPr>
+            <a:picLocks noChangeAspect="1"/>
+          </p:cNvPicPr>
+          <p:nvPr/>
+        </p:nvPicPr>
+        <p:blipFill>
+          <a:blip r:embed="rId6"/>
+          <a:stretch>
+            <a:fillRect/>
+          </a:stretch>
+        </p:blipFill>
+        <p:spPr>
+          <a:xfrm>
+            <a:off x="5236351" y="3792150"/>
+            <a:ext cx="4915232" cy="2966436"/>
+          </a:xfrm>
+          <a:prstGeom prst="rect">
+            <a:avLst/>
+          </a:prstGeom>
+        </p:spPr>
+      </p:pic>
+      <p:pic>
+        <p:nvPicPr>
+          <p:cNvPr id="8194" name="Picture 2" descr="Risultati immagini per ok png">
+            <a:extLst>
+              <a:ext uri="{FF2B5EF4-FFF2-40B4-BE49-F238E27FC236}">
+                <a16:creationId xmlns:a16="http://schemas.microsoft.com/office/drawing/2014/main" id="{CC273FBF-E2DD-499E-AC03-D56EBADEAB40}"/>
+              </a:ext>
+            </a:extLst>
+          </p:cNvPr>
+          <p:cNvPicPr>
+            <a:picLocks noChangeAspect="1" noChangeArrowheads="1"/>
+          </p:cNvPicPr>
+          <p:nvPr/>
+        </p:nvPicPr>
+        <p:blipFill>
+          <a:blip r:embed="rId7">
+            <a:extLst>
+              <a:ext uri="{28A0092B-C50C-407E-A947-70E740481C1C}">
+                <a14:useLocalDpi xmlns:a14="http://schemas.microsoft.com/office/drawing/2010/main" val="0"/>
+              </a:ext>
+            </a:extLst>
+          </a:blip>
+          <a:srcRect/>
+          <a:stretch>
+            <a:fillRect/>
+          </a:stretch>
+        </p:blipFill>
+        <p:spPr bwMode="auto">
+          <a:xfrm>
+            <a:off x="10449554" y="1575064"/>
+            <a:ext cx="1536559" cy="1536559"/>
+          </a:xfrm>
+          <a:prstGeom prst="rect">
+            <a:avLst/>
+          </a:prstGeom>
+          <a:noFill/>
+          <a:extLst>
+            <a:ext uri="{909E8E84-426E-40DD-AFC4-6F175D3DCCD1}">
+              <a14:hiddenFill xmlns:a14="http://schemas.microsoft.com/office/drawing/2010/main">
+                <a:solidFill>
+                  <a:srgbClr val="FFFFFF"/>
+                </a:solidFill>
+              </a14:hiddenFill>
+            </a:ext>
+          </a:extLst>
+        </p:spPr>
+      </p:pic>
+      <p:pic>
+        <p:nvPicPr>
+          <p:cNvPr id="8196" name="Picture 4" descr="Risultati immagini per no png">
+            <a:extLst>
+              <a:ext uri="{FF2B5EF4-FFF2-40B4-BE49-F238E27FC236}">
+                <a16:creationId xmlns:a16="http://schemas.microsoft.com/office/drawing/2014/main" id="{AA56EC4E-1E67-4B18-8925-8EF87D91654C}"/>
+              </a:ext>
+            </a:extLst>
+          </p:cNvPr>
+          <p:cNvPicPr>
+            <a:picLocks noChangeAspect="1" noChangeArrowheads="1"/>
+          </p:cNvPicPr>
+          <p:nvPr/>
+        </p:nvPicPr>
+        <p:blipFill>
+          <a:blip r:embed="rId8">
+            <a:extLst>
+              <a:ext uri="{28A0092B-C50C-407E-A947-70E740481C1C}">
+                <a14:useLocalDpi xmlns:a14="http://schemas.microsoft.com/office/drawing/2010/main" val="0"/>
+              </a:ext>
+            </a:extLst>
+          </a:blip>
+          <a:srcRect/>
+          <a:stretch>
+            <a:fillRect/>
+          </a:stretch>
+        </p:blipFill>
+        <p:spPr bwMode="auto">
+          <a:xfrm>
+            <a:off x="10608233" y="4642836"/>
+            <a:ext cx="1219200" cy="1219200"/>
+          </a:xfrm>
+          <a:prstGeom prst="rect">
+            <a:avLst/>
+          </a:prstGeom>
+          <a:noFill/>
+          <a:extLst>
+            <a:ext uri="{909E8E84-426E-40DD-AFC4-6F175D3DCCD1}">
+              <a14:hiddenFill xmlns:a14="http://schemas.microsoft.com/office/drawing/2010/main">
+                <a:solidFill>
+                  <a:srgbClr val="FFFFFF"/>
+                </a:solidFill>
+              </a14:hiddenFill>
+            </a:ext>
+          </a:extLst>
+        </p:spPr>
+      </p:pic>
+      <p:cxnSp>
+        <p:nvCxnSpPr>
+          <p:cNvPr id="8" name="Connettore diritto 7">
+            <a:extLst>
+              <a:ext uri="{FF2B5EF4-FFF2-40B4-BE49-F238E27FC236}">
+                <a16:creationId xmlns:a16="http://schemas.microsoft.com/office/drawing/2014/main" id="{F7EA38C9-82DC-444D-8286-EED8DB740125}"/>
+              </a:ext>
+            </a:extLst>
+          </p:cNvPr>
+          <p:cNvCxnSpPr/>
+          <p:nvPr/>
+        </p:nvCxnSpPr>
+        <p:spPr>
+          <a:xfrm>
+            <a:off x="5393184" y="3977196"/>
+            <a:ext cx="1939771" cy="0"/>
+          </a:xfrm>
+          <a:prstGeom prst="line">
+            <a:avLst/>
+          </a:prstGeom>
+          <a:ln w="57150">
+            <a:solidFill>
+              <a:srgbClr val="FF0000"/>
+            </a:solidFill>
+          </a:ln>
+        </p:spPr>
+        <p:style>
+          <a:lnRef idx="3">
+            <a:schemeClr val="accent5"/>
+          </a:lnRef>
+          <a:fillRef idx="0">
+            <a:schemeClr val="accent5"/>
+          </a:fillRef>
+          <a:effectRef idx="2">
+            <a:schemeClr val="accent5"/>
+          </a:effectRef>
+          <a:fontRef idx="minor">
+            <a:schemeClr val="tx1"/>
+          </a:fontRef>
+        </p:style>
+      </p:cxnSp>
+    </p:spTree>
+    <p:extLst>
+      <p:ext uri="{BB962C8B-B14F-4D97-AF65-F5344CB8AC3E}">
+        <p14:creationId xmlns:p14="http://schemas.microsoft.com/office/powerpoint/2010/main" val="744094650"/>
+      </p:ext>
+    </p:extLst>
+  </p:cSld>
+  <p:clrMapOvr>
+    <a:masterClrMapping/>
+  </p:clrMapOvr>
+</p:sld>
+</file>
+
+<file path=ppt/slides/slide21.xml><?xml version="1.0" encoding="utf-8"?>
+<p:sld xmlns:a="http://schemas.openxmlformats.org/drawingml/2006/main" xmlns:r="http://schemas.openxmlformats.org/officeDocument/2006/relationships" xmlns:p="http://schemas.openxmlformats.org/presentationml/2006/main">
+  <p:cSld>
+    <p:spTree>
+      <p:nvGrpSpPr>
+        <p:cNvPr id="1" name=""/>
+        <p:cNvGrpSpPr/>
+        <p:nvPr/>
+      </p:nvGrpSpPr>
+      <p:grpSpPr>
+        <a:xfrm>
+          <a:off x="0" y="0"/>
+          <a:ext cx="0" cy="0"/>
+          <a:chOff x="0" y="0"/>
+          <a:chExt cx="0" cy="0"/>
+        </a:xfrm>
+      </p:grpSpPr>
+      <p:sp>
+        <p:nvSpPr>
+          <p:cNvPr id="2" name="Text Placeholder 1">
+            <a:extLst>
+              <a:ext uri="{FF2B5EF4-FFF2-40B4-BE49-F238E27FC236}">
+                <a16:creationId xmlns:a16="http://schemas.microsoft.com/office/drawing/2014/main" id="{7949173F-1975-47A7-B592-458759073468}"/>
+              </a:ext>
+            </a:extLst>
+          </p:cNvPr>
+          <p:cNvSpPr>
+            <a:spLocks noGrp="1"/>
+          </p:cNvSpPr>
+          <p:nvPr>
+            <p:ph type="body" sz="quarter" idx="13"/>
+          </p:nvPr>
+        </p:nvSpPr>
+        <p:spPr>
+          <a:xfrm>
+            <a:off x="3160450" y="3703321"/>
+            <a:ext cx="6241002" cy="682248"/>
+          </a:xfrm>
+        </p:spPr>
+        <p:txBody>
+          <a:bodyPr>
+            <a:normAutofit fontScale="70000" lnSpcReduction="20000"/>
+          </a:bodyPr>
+          <a:lstStyle/>
+          <a:p>
+            <a:r>
+              <a:rPr lang="en-US" dirty="0"/>
+              <a:t>Testing </a:t>
+            </a:r>
+            <a:r>
+              <a:rPr lang="en-US" dirty="0" err="1"/>
+              <a:t>d’infrastruttura</a:t>
+            </a:r>
+            <a:endParaRPr lang="en-US" dirty="0"/>
+          </a:p>
+        </p:txBody>
+      </p:sp>
+    </p:spTree>
+    <p:extLst>
+      <p:ext uri="{BB962C8B-B14F-4D97-AF65-F5344CB8AC3E}">
+        <p14:creationId xmlns:p14="http://schemas.microsoft.com/office/powerpoint/2010/main" val="138074051"/>
+      </p:ext>
+    </p:extLst>
+  </p:cSld>
+  <p:clrMapOvr>
+    <a:masterClrMapping/>
+  </p:clrMapOvr>
+</p:sld>
+</file>
+
+<file path=ppt/slides/slide22.xml><?xml version="1.0" encoding="utf-8"?>
+<p:sld xmlns:a="http://schemas.openxmlformats.org/drawingml/2006/main" xmlns:r="http://schemas.openxmlformats.org/officeDocument/2006/relationships" xmlns:p="http://schemas.openxmlformats.org/presentationml/2006/main">
+  <p:cSld>
+    <p:spTree>
+      <p:nvGrpSpPr>
+        <p:cNvPr id="1" name=""/>
+        <p:cNvGrpSpPr/>
+        <p:nvPr/>
+      </p:nvGrpSpPr>
+      <p:grpSpPr>
+        <a:xfrm>
+          <a:off x="0" y="0"/>
+          <a:ext cx="0" cy="0"/>
+          <a:chOff x="0" y="0"/>
+          <a:chExt cx="0" cy="0"/>
+        </a:xfrm>
+      </p:grpSpPr>
+      <p:sp>
+        <p:nvSpPr>
+          <p:cNvPr id="7" name="Title 6">
+            <a:extLst>
+              <a:ext uri="{FF2B5EF4-FFF2-40B4-BE49-F238E27FC236}">
+                <a16:creationId xmlns:a16="http://schemas.microsoft.com/office/drawing/2014/main" id="{D179CEFE-54E9-4050-BCEC-5F22EDA1E3EE}"/>
+              </a:ext>
+            </a:extLst>
+          </p:cNvPr>
+          <p:cNvSpPr>
+            <a:spLocks noGrp="1"/>
+          </p:cNvSpPr>
+          <p:nvPr>
+            <p:ph type="title"/>
+          </p:nvPr>
+        </p:nvSpPr>
+        <p:spPr>
+          <a:xfrm>
+            <a:off x="325315" y="136525"/>
+            <a:ext cx="11028485" cy="626517"/>
+          </a:xfrm>
+        </p:spPr>
+        <p:txBody>
+          <a:bodyPr/>
+          <a:lstStyle/>
+          <a:p>
+            <a:r>
+              <a:rPr lang="en-US" dirty="0"/>
+              <a:t>Non </a:t>
+            </a:r>
+            <a:r>
+              <a:rPr lang="en-US" dirty="0" err="1"/>
+              <a:t>sempre</a:t>
+            </a:r>
+            <a:r>
+              <a:rPr lang="en-US" dirty="0"/>
+              <a:t> “</a:t>
+            </a:r>
+            <a:r>
+              <a:rPr lang="en-US" dirty="0" err="1"/>
+              <a:t>Devopers</a:t>
+            </a:r>
+            <a:r>
+              <a:rPr lang="en-US" dirty="0"/>
+              <a:t> do it parametric”</a:t>
+            </a:r>
+          </a:p>
+        </p:txBody>
+      </p:sp>
+    </p:spTree>
+    <p:extLst>
+      <p:ext uri="{BB962C8B-B14F-4D97-AF65-F5344CB8AC3E}">
+        <p14:creationId xmlns:p14="http://schemas.microsoft.com/office/powerpoint/2010/main" val="4278045101"/>
+      </p:ext>
+    </p:extLst>
+  </p:cSld>
+  <p:clrMapOvr>
+    <a:masterClrMapping/>
+  </p:clrMapOvr>
+</p:sld>
+</file>
+
+<file path=ppt/slides/slide23.xml><?xml version="1.0" encoding="utf-8"?>
+<p:sld xmlns:a="http://schemas.openxmlformats.org/drawingml/2006/main" xmlns:r="http://schemas.openxmlformats.org/officeDocument/2006/relationships" xmlns:p="http://schemas.openxmlformats.org/presentationml/2006/main">
+  <p:cSld>
+    <p:spTree>
+      <p:nvGrpSpPr>
+        <p:cNvPr id="1" name=""/>
+        <p:cNvGrpSpPr/>
+        <p:nvPr/>
+      </p:nvGrpSpPr>
+      <p:grpSpPr>
+        <a:xfrm>
+          <a:off x="0" y="0"/>
+          <a:ext cx="0" cy="0"/>
+          <a:chOff x="0" y="0"/>
+          <a:chExt cx="0" cy="0"/>
+        </a:xfrm>
+      </p:grpSpPr>
+      <p:sp>
+        <p:nvSpPr>
+          <p:cNvPr id="7" name="Title 6">
+            <a:extLst>
+              <a:ext uri="{FF2B5EF4-FFF2-40B4-BE49-F238E27FC236}">
+                <a16:creationId xmlns:a16="http://schemas.microsoft.com/office/drawing/2014/main" id="{D179CEFE-54E9-4050-BCEC-5F22EDA1E3EE}"/>
+              </a:ext>
+            </a:extLst>
+          </p:cNvPr>
+          <p:cNvSpPr>
+            <a:spLocks noGrp="1"/>
+          </p:cNvSpPr>
+          <p:nvPr>
+            <p:ph type="title"/>
+          </p:nvPr>
+        </p:nvSpPr>
+        <p:spPr>
+          <a:xfrm>
+            <a:off x="325315" y="136525"/>
+            <a:ext cx="11028485" cy="626517"/>
+          </a:xfrm>
+        </p:spPr>
+        <p:txBody>
+          <a:bodyPr/>
+          <a:lstStyle/>
+          <a:p>
+            <a:r>
+              <a:rPr lang="en-US" dirty="0"/>
+              <a:t>My Today Goal</a:t>
+            </a:r>
+          </a:p>
+        </p:txBody>
+      </p:sp>
+      <p:sp>
+        <p:nvSpPr>
+          <p:cNvPr id="8" name="Content Placeholder 7">
+            <a:extLst>
+              <a:ext uri="{FF2B5EF4-FFF2-40B4-BE49-F238E27FC236}">
+                <a16:creationId xmlns:a16="http://schemas.microsoft.com/office/drawing/2014/main" id="{CE7D99B5-07B2-4C31-84EF-E9ABC9B337F6}"/>
+              </a:ext>
+            </a:extLst>
+          </p:cNvPr>
+          <p:cNvSpPr>
+            <a:spLocks noGrp="1"/>
+          </p:cNvSpPr>
+          <p:nvPr>
+            <p:ph idx="1"/>
+          </p:nvPr>
+        </p:nvSpPr>
+        <p:spPr/>
+        <p:txBody>
+          <a:bodyPr>
+            <a:normAutofit/>
+          </a:bodyPr>
+          <a:lstStyle/>
+          <a:p>
+            <a:pPr algn="ctr">
+              <a:lnSpc>
+                <a:spcPct val="100000"/>
+              </a:lnSpc>
+            </a:pPr>
+            <a:r>
+              <a:rPr lang="en-US" sz="4800" dirty="0"/>
+              <a:t>Le </a:t>
+            </a:r>
+            <a:r>
+              <a:rPr lang="en-US" sz="4800" dirty="0" err="1"/>
+              <a:t>mie</a:t>
+            </a:r>
+            <a:r>
+              <a:rPr lang="en-US" sz="4800" dirty="0"/>
+              <a:t> </a:t>
+            </a:r>
+            <a:r>
+              <a:rPr lang="en-US" sz="4800" dirty="0" err="1"/>
+              <a:t>risposte</a:t>
+            </a:r>
+            <a:r>
+              <a:rPr lang="en-US" sz="4800" dirty="0"/>
+              <a:t> a:</a:t>
+            </a:r>
+            <a:endParaRPr lang="en-US" dirty="0"/>
+          </a:p>
+          <a:p>
+            <a:pPr marL="457200" indent="-457200">
+              <a:lnSpc>
+                <a:spcPct val="100000"/>
+              </a:lnSpc>
+              <a:buFont typeface="Arial" panose="020B0604020202020204" pitchFamily="34" charset="0"/>
+              <a:buChar char="•"/>
+            </a:pPr>
+            <a:r>
+              <a:rPr lang="en-US" dirty="0"/>
+              <a:t>DevOps: </a:t>
+            </a:r>
+            <a:r>
+              <a:rPr lang="en-US" dirty="0" err="1"/>
+              <a:t>Filosofia</a:t>
+            </a:r>
+            <a:r>
+              <a:rPr lang="en-US" dirty="0"/>
+              <a:t> o </a:t>
+            </a:r>
+            <a:r>
+              <a:rPr lang="en-US" dirty="0" err="1"/>
+              <a:t>Metodologia</a:t>
+            </a:r>
+            <a:r>
+              <a:rPr lang="en-US" dirty="0"/>
+              <a:t>?</a:t>
+            </a:r>
+          </a:p>
+          <a:p>
+            <a:pPr marL="457200" indent="-457200">
+              <a:lnSpc>
+                <a:spcPct val="100000"/>
+              </a:lnSpc>
+              <a:buFont typeface="Arial" panose="020B0604020202020204" pitchFamily="34" charset="0"/>
+              <a:buChar char="•"/>
+            </a:pPr>
+            <a:r>
+              <a:rPr lang="en-US" dirty="0" err="1"/>
+              <a:t>Un’architettura</a:t>
+            </a:r>
+            <a:r>
+              <a:rPr lang="en-US" dirty="0"/>
+              <a:t> </a:t>
+            </a:r>
+            <a:r>
+              <a:rPr lang="en-US" dirty="0" err="1"/>
+              <a:t>và</a:t>
+            </a:r>
+            <a:r>
+              <a:rPr lang="en-US" dirty="0"/>
+              <a:t> </a:t>
+            </a:r>
+            <a:r>
+              <a:rPr lang="en-US" dirty="0" err="1"/>
+              <a:t>costruita</a:t>
+            </a:r>
+            <a:r>
+              <a:rPr lang="en-US" dirty="0"/>
+              <a:t> o </a:t>
+            </a:r>
+            <a:r>
+              <a:rPr lang="en-US" dirty="0" err="1"/>
+              <a:t>dichiarata</a:t>
+            </a:r>
+            <a:r>
+              <a:rPr lang="en-US" dirty="0"/>
+              <a:t>?</a:t>
+            </a:r>
+          </a:p>
+          <a:p>
+            <a:pPr marL="457200" indent="-457200">
+              <a:lnSpc>
+                <a:spcPct val="100000"/>
+              </a:lnSpc>
+              <a:buFont typeface="Arial" panose="020B0604020202020204" pitchFamily="34" charset="0"/>
+              <a:buChar char="•"/>
+            </a:pPr>
+            <a:r>
+              <a:rPr lang="en-US" dirty="0" err="1"/>
+              <a:t>L’esistente</a:t>
+            </a:r>
+            <a:r>
+              <a:rPr lang="en-US" dirty="0"/>
+              <a:t> </a:t>
+            </a:r>
+            <a:r>
+              <a:rPr lang="en-US" dirty="0" err="1"/>
+              <a:t>va</a:t>
+            </a:r>
+            <a:r>
+              <a:rPr lang="en-US" dirty="0"/>
+              <a:t> </a:t>
+            </a:r>
+            <a:r>
+              <a:rPr lang="en-US" dirty="0" err="1"/>
+              <a:t>integrato</a:t>
+            </a:r>
+            <a:r>
+              <a:rPr lang="en-US" dirty="0"/>
+              <a:t> o </a:t>
+            </a:r>
+            <a:r>
+              <a:rPr lang="en-US" dirty="0" err="1"/>
+              <a:t>ricostruito</a:t>
+            </a:r>
+            <a:r>
+              <a:rPr lang="en-US" dirty="0"/>
+              <a:t>?</a:t>
+            </a:r>
+          </a:p>
+          <a:p>
+            <a:pPr marL="457200" indent="-457200">
+              <a:lnSpc>
+                <a:spcPct val="100000"/>
+              </a:lnSpc>
+              <a:buFont typeface="Arial" panose="020B0604020202020204" pitchFamily="34" charset="0"/>
+              <a:buChar char="•"/>
+            </a:pPr>
+            <a:r>
+              <a:rPr lang="en-US" dirty="0" err="1"/>
+              <a:t>Buone</a:t>
+            </a:r>
+            <a:r>
+              <a:rPr lang="en-US" dirty="0"/>
+              <a:t> </a:t>
+            </a:r>
+            <a:r>
+              <a:rPr lang="en-US" dirty="0" err="1"/>
+              <a:t>Pratiche</a:t>
+            </a:r>
+            <a:r>
+              <a:rPr lang="en-US" dirty="0"/>
+              <a:t> o </a:t>
+            </a:r>
+            <a:r>
+              <a:rPr lang="en-US" dirty="0" err="1"/>
+              <a:t>Pesi</a:t>
+            </a:r>
+            <a:r>
+              <a:rPr lang="en-US" dirty="0"/>
+              <a:t> </a:t>
+            </a:r>
+            <a:r>
+              <a:rPr lang="en-US" dirty="0" err="1"/>
+              <a:t>Carcerari</a:t>
+            </a:r>
+            <a:r>
+              <a:rPr lang="en-US" dirty="0"/>
+              <a:t>?</a:t>
+            </a:r>
+          </a:p>
+          <a:p>
+            <a:pPr marL="457200" indent="-457200">
+              <a:lnSpc>
+                <a:spcPct val="100000"/>
+              </a:lnSpc>
+              <a:buFont typeface="Arial" panose="020B0604020202020204" pitchFamily="34" charset="0"/>
+              <a:buChar char="•"/>
+            </a:pPr>
+            <a:r>
+              <a:rPr lang="en-US" dirty="0" err="1"/>
+              <a:t>Updating&amp;Testing</a:t>
+            </a:r>
+            <a:r>
+              <a:rPr lang="en-US" dirty="0"/>
+              <a:t>, </a:t>
+            </a:r>
+            <a:r>
+              <a:rPr lang="en-US" dirty="0" err="1"/>
+              <a:t>possiamo</a:t>
+            </a:r>
+            <a:r>
+              <a:rPr lang="en-US" dirty="0"/>
+              <a:t> </a:t>
+            </a:r>
+            <a:r>
+              <a:rPr lang="en-US" dirty="0" err="1"/>
+              <a:t>imparare</a:t>
+            </a:r>
+            <a:r>
+              <a:rPr lang="en-US" dirty="0"/>
+              <a:t> </a:t>
+            </a:r>
+            <a:r>
+              <a:rPr lang="en-US" dirty="0" err="1"/>
+              <a:t>dai</a:t>
+            </a:r>
+            <a:r>
+              <a:rPr lang="en-US" dirty="0"/>
+              <a:t> </a:t>
+            </a:r>
+            <a:r>
+              <a:rPr lang="en-US" dirty="0" err="1"/>
+              <a:t>fallimenti</a:t>
+            </a:r>
+            <a:r>
+              <a:rPr lang="en-US" dirty="0"/>
+              <a:t>?</a:t>
+            </a:r>
+          </a:p>
+          <a:p>
+            <a:pPr marL="457200" indent="-457200">
+              <a:lnSpc>
+                <a:spcPct val="100000"/>
+              </a:lnSpc>
+              <a:spcAft>
+                <a:spcPts val="1000"/>
+              </a:spcAft>
+              <a:buFont typeface="Arial" panose="020B0604020202020204" pitchFamily="34" charset="0"/>
+              <a:buChar char="•"/>
+            </a:pPr>
+            <a:r>
+              <a:rPr lang="en-US" dirty="0" err="1"/>
+              <a:t>Warning&amp;Alert</a:t>
+            </a:r>
+            <a:r>
+              <a:rPr lang="en-US" dirty="0"/>
+              <a:t>, Do Try This At Home: </a:t>
+            </a:r>
+            <a:r>
+              <a:rPr lang="en-US" dirty="0" err="1"/>
+              <a:t>quando</a:t>
+            </a:r>
+            <a:r>
+              <a:rPr lang="en-US" dirty="0"/>
+              <a:t> e </a:t>
+            </a:r>
+            <a:r>
+              <a:rPr lang="en-US" dirty="0" err="1"/>
+              <a:t>perchè</a:t>
+            </a:r>
+            <a:r>
+              <a:rPr lang="en-US" dirty="0"/>
+              <a:t>?</a:t>
+            </a:r>
+          </a:p>
+          <a:p>
+            <a:pPr algn="r"/>
+            <a:r>
+              <a:rPr lang="en-US" sz="4400" dirty="0"/>
+              <a:t>vi </a:t>
+            </a:r>
+            <a:r>
+              <a:rPr lang="en-US" sz="4400" dirty="0" err="1"/>
+              <a:t>hanno</a:t>
+            </a:r>
+            <a:r>
+              <a:rPr lang="en-US" sz="4400" dirty="0"/>
+              <a:t> </a:t>
+            </a:r>
+            <a:r>
+              <a:rPr lang="en-US" sz="4400" dirty="0" err="1"/>
+              <a:t>convinto</a:t>
+            </a:r>
+            <a:r>
+              <a:rPr lang="en-US" sz="4400" dirty="0"/>
+              <a:t>?</a:t>
+            </a:r>
+          </a:p>
+          <a:p>
+            <a:pPr marL="457200" indent="-457200">
+              <a:buFont typeface="Arial" panose="020B0604020202020204" pitchFamily="34" charset="0"/>
+              <a:buChar char="•"/>
+            </a:pPr>
+            <a:endParaRPr lang="en-US" dirty="0"/>
+          </a:p>
+          <a:p>
+            <a:pPr marL="457200" indent="-457200">
+              <a:buFont typeface="Arial" panose="020B0604020202020204" pitchFamily="34" charset="0"/>
+              <a:buChar char="•"/>
+            </a:pPr>
+            <a:endParaRPr lang="en-US" dirty="0"/>
+          </a:p>
+          <a:p>
+            <a:pPr marL="457200" indent="-457200">
+              <a:buFont typeface="Arial" panose="020B0604020202020204" pitchFamily="34" charset="0"/>
+              <a:buChar char="•"/>
+            </a:pPr>
+            <a:endParaRPr lang="en-US" dirty="0"/>
+          </a:p>
+          <a:p>
+            <a:pPr marL="457200" indent="-457200">
+              <a:buFont typeface="Arial" panose="020B0604020202020204" pitchFamily="34" charset="0"/>
+              <a:buChar char="•"/>
+            </a:pPr>
+            <a:endParaRPr lang="en-US" dirty="0"/>
+          </a:p>
+          <a:p>
+            <a:pPr marL="457200" indent="-457200">
+              <a:buFont typeface="Arial" panose="020B0604020202020204" pitchFamily="34" charset="0"/>
+              <a:buChar char="•"/>
+            </a:pPr>
+            <a:endParaRPr lang="en-US" dirty="0"/>
+          </a:p>
+        </p:txBody>
+      </p:sp>
+    </p:spTree>
+    <p:extLst>
+      <p:ext uri="{BB962C8B-B14F-4D97-AF65-F5344CB8AC3E}">
+        <p14:creationId xmlns:p14="http://schemas.microsoft.com/office/powerpoint/2010/main" val="298278517"/>
+      </p:ext>
+    </p:extLst>
+  </p:cSld>
+  <p:clrMapOvr>
+    <a:masterClrMapping/>
+  </p:clrMapOvr>
+</p:sld>
+</file>
+
+<file path=ppt/slides/slide24.xml><?xml version="1.0" encoding="utf-8"?>
+<p:sld xmlns:a="http://schemas.openxmlformats.org/drawingml/2006/main" xmlns:r="http://schemas.openxmlformats.org/officeDocument/2006/relationships" xmlns:p="http://schemas.openxmlformats.org/presentationml/2006/main">
+  <p:cSld>
+    <p:spTree>
+      <p:nvGrpSpPr>
+        <p:cNvPr id="1" name=""/>
+        <p:cNvGrpSpPr/>
+        <p:nvPr/>
+      </p:nvGrpSpPr>
+      <p:grpSpPr>
+        <a:xfrm>
+          <a:off x="0" y="0"/>
+          <a:ext cx="0" cy="0"/>
+          <a:chOff x="0" y="0"/>
+          <a:chExt cx="0" cy="0"/>
+        </a:xfrm>
+      </p:grpSpPr>
+      <p:sp>
+        <p:nvSpPr>
+          <p:cNvPr id="2" name="Text Placeholder 1">
+            <a:extLst>
+              <a:ext uri="{FF2B5EF4-FFF2-40B4-BE49-F238E27FC236}">
+                <a16:creationId xmlns:a16="http://schemas.microsoft.com/office/drawing/2014/main" id="{777737B6-1777-4C71-9C4F-778031AB3C7A}"/>
+              </a:ext>
+            </a:extLst>
+          </p:cNvPr>
+          <p:cNvSpPr>
+            <a:spLocks noGrp="1"/>
+          </p:cNvSpPr>
+          <p:nvPr>
+            <p:ph type="body" sz="quarter" idx="13"/>
+          </p:nvPr>
+        </p:nvSpPr>
+        <p:spPr/>
+        <p:txBody>
+          <a:bodyPr>
+            <a:normAutofit fontScale="92500" lnSpcReduction="20000"/>
+          </a:bodyPr>
+          <a:lstStyle/>
+          <a:p>
+            <a:endParaRPr lang="en-US"/>
+          </a:p>
+        </p:txBody>
+      </p:sp>
+    </p:spTree>
+    <p:extLst>
+      <p:ext uri="{BB962C8B-B14F-4D97-AF65-F5344CB8AC3E}">
+        <p14:creationId xmlns:p14="http://schemas.microsoft.com/office/powerpoint/2010/main" val="2898328407"/>
+      </p:ext>
+    </p:extLst>
+  </p:cSld>
+  <p:clrMapOvr>
+    <a:masterClrMapping/>
+  </p:clrMapOvr>
+</p:sld>
+</file>
+
+<file path=ppt/slides/slide25.xml><?xml version="1.0" encoding="utf-8"?>
+<p:sld xmlns:a="http://schemas.openxmlformats.org/drawingml/2006/main" xmlns:r="http://schemas.openxmlformats.org/officeDocument/2006/relationships" xmlns:p="http://schemas.openxmlformats.org/presentationml/2006/main">
+  <p:cSld>
+    <p:spTree>
+      <p:nvGrpSpPr>
+        <p:cNvPr id="1" name=""/>
+        <p:cNvGrpSpPr/>
+        <p:nvPr/>
+      </p:nvGrpSpPr>
+      <p:grpSpPr>
+        <a:xfrm>
+          <a:off x="0" y="0"/>
+          <a:ext cx="0" cy="0"/>
+          <a:chOff x="0" y="0"/>
+          <a:chExt cx="0" cy="0"/>
+        </a:xfrm>
+      </p:grpSpPr>
+      <p:sp>
+        <p:nvSpPr>
+          <p:cNvPr id="2" name="Text Placeholder 1">
+            <a:extLst>
+              <a:ext uri="{FF2B5EF4-FFF2-40B4-BE49-F238E27FC236}">
+                <a16:creationId xmlns:a16="http://schemas.microsoft.com/office/drawing/2014/main" id="{28AD7696-4518-4706-8338-7F16A9E1D481}"/>
+              </a:ext>
+            </a:extLst>
+          </p:cNvPr>
+          <p:cNvSpPr>
+            <a:spLocks noGrp="1"/>
+          </p:cNvSpPr>
+          <p:nvPr>
+            <p:ph type="body" sz="quarter" idx="13"/>
+          </p:nvPr>
+        </p:nvSpPr>
+        <p:spPr/>
+        <p:txBody>
+          <a:bodyPr/>
+          <a:lstStyle/>
+          <a:p>
+            <a:endParaRPr lang="en-US"/>
+          </a:p>
+        </p:txBody>
+      </p:sp>
+    </p:spTree>
+    <p:extLst>
+      <p:ext uri="{BB962C8B-B14F-4D97-AF65-F5344CB8AC3E}">
+        <p14:creationId xmlns:p14="http://schemas.microsoft.com/office/powerpoint/2010/main" val="307891768"/>
+      </p:ext>
+    </p:extLst>
+  </p:cSld>
+  <p:clrMapOvr>
+    <a:masterClrMapping/>
+  </p:clrMapOvr>
+</p:sld>
+</file>
+
+<file path=ppt/slides/slide26.xml><?xml version="1.0" encoding="utf-8"?>
+<p:sld xmlns:a="http://schemas.openxmlformats.org/drawingml/2006/main" xmlns:r="http://schemas.openxmlformats.org/officeDocument/2006/relationships" xmlns:p="http://schemas.openxmlformats.org/presentationml/2006/main">
+  <p:cSld>
+    <p:spTree>
+      <p:nvGrpSpPr>
+        <p:cNvPr id="1" name=""/>
+        <p:cNvGrpSpPr/>
+        <p:nvPr/>
+      </p:nvGrpSpPr>
+      <p:grpSpPr>
+        <a:xfrm>
+          <a:off x="0" y="0"/>
+          <a:ext cx="0" cy="0"/>
+          <a:chOff x="0" y="0"/>
+          <a:chExt cx="0" cy="0"/>
+        </a:xfrm>
+      </p:grpSpPr>
+      <p:sp>
+        <p:nvSpPr>
+          <p:cNvPr id="2" name="Text Placeholder 1">
+            <a:extLst>
+              <a:ext uri="{FF2B5EF4-FFF2-40B4-BE49-F238E27FC236}">
+                <a16:creationId xmlns:a16="http://schemas.microsoft.com/office/drawing/2014/main" id="{A5DB07F4-037E-4666-BFFC-D4BC9B32ADA4}"/>
+              </a:ext>
+            </a:extLst>
+          </p:cNvPr>
+          <p:cNvSpPr>
+            <a:spLocks noGrp="1"/>
+          </p:cNvSpPr>
+          <p:nvPr>
+            <p:ph type="body" sz="quarter" idx="10"/>
+          </p:nvPr>
+        </p:nvSpPr>
+        <p:spPr/>
+        <p:txBody>
+          <a:bodyPr>
+            <a:normAutofit fontScale="77500" lnSpcReduction="20000"/>
+          </a:bodyPr>
+          <a:lstStyle/>
+          <a:p>
+            <a:r>
+              <a:rPr lang="en-US" dirty="0" err="1"/>
+              <a:t>giulianolatini</a:t>
+            </a:r>
+            <a:endParaRPr lang="en-US" dirty="0"/>
+          </a:p>
+        </p:txBody>
+      </p:sp>
+      <p:sp>
+        <p:nvSpPr>
+          <p:cNvPr id="3" name="Text Placeholder 2">
+            <a:extLst>
+              <a:ext uri="{FF2B5EF4-FFF2-40B4-BE49-F238E27FC236}">
+                <a16:creationId xmlns:a16="http://schemas.microsoft.com/office/drawing/2014/main" id="{0FBC0E0C-D04F-4813-ACAC-967DF99282B2}"/>
+              </a:ext>
+            </a:extLst>
+          </p:cNvPr>
+          <p:cNvSpPr>
+            <a:spLocks noGrp="1"/>
+          </p:cNvSpPr>
+          <p:nvPr>
+            <p:ph type="body" sz="quarter" idx="11"/>
+          </p:nvPr>
+        </p:nvSpPr>
+        <p:spPr/>
+        <p:txBody>
+          <a:bodyPr>
+            <a:normAutofit fontScale="77500" lnSpcReduction="20000"/>
+          </a:bodyPr>
+          <a:lstStyle/>
+          <a:p>
+            <a:r>
+              <a:rPr lang="en-US" dirty="0"/>
+              <a:t>@</a:t>
+            </a:r>
+            <a:r>
+              <a:rPr lang="en-US" dirty="0" err="1"/>
+              <a:t>giulianolatini</a:t>
+            </a:r>
+            <a:endParaRPr lang="en-US" dirty="0"/>
+          </a:p>
+        </p:txBody>
+      </p:sp>
+      <p:sp>
+        <p:nvSpPr>
+          <p:cNvPr id="4" name="Text Placeholder 3">
+            <a:extLst>
+              <a:ext uri="{FF2B5EF4-FFF2-40B4-BE49-F238E27FC236}">
+                <a16:creationId xmlns:a16="http://schemas.microsoft.com/office/drawing/2014/main" id="{FBEDAFD7-CF92-4199-8229-5FCED907CDA4}"/>
+              </a:ext>
+            </a:extLst>
+          </p:cNvPr>
+          <p:cNvSpPr>
+            <a:spLocks noGrp="1"/>
+          </p:cNvSpPr>
+          <p:nvPr>
+            <p:ph type="body" sz="quarter" idx="12"/>
+          </p:nvPr>
+        </p:nvSpPr>
+        <p:spPr/>
+        <p:txBody>
+          <a:bodyPr>
+            <a:normAutofit fontScale="77500" lnSpcReduction="20000"/>
+          </a:bodyPr>
+          <a:lstStyle/>
+          <a:p>
+            <a:r>
+              <a:rPr lang="en-US" dirty="0" err="1"/>
+              <a:t>giulianolatini</a:t>
+            </a:r>
+            <a:endParaRPr lang="en-US" dirty="0"/>
+          </a:p>
+        </p:txBody>
+      </p:sp>
+    </p:spTree>
+    <p:extLst>
+      <p:ext uri="{BB962C8B-B14F-4D97-AF65-F5344CB8AC3E}">
+        <p14:creationId xmlns:p14="http://schemas.microsoft.com/office/powerpoint/2010/main" val="3208365751"/>
       </p:ext>
     </p:extLst>
   </p:cSld>
@@ -12061,7 +16417,10 @@
           <a:bodyPr/>
           <a:lstStyle/>
           <a:p>
-            <a:endParaRPr lang="en-US" dirty="0"/>
+            <a:r>
+              <a:rPr lang="en-US" dirty="0"/>
+              <a:t>About me</a:t>
+            </a:r>
           </a:p>
         </p:txBody>
       </p:sp>
@@ -12083,10 +16442,169 @@
         </p:nvSpPr>
         <p:spPr/>
         <p:txBody>
-          <a:bodyPr/>
+          <a:bodyPr>
+            <a:noAutofit/>
+          </a:bodyPr>
           <a:lstStyle/>
           <a:p>
-            <a:endParaRPr lang="en-US" dirty="0"/>
+            <a:pPr>
+              <a:lnSpc>
+                <a:spcPct val="100000"/>
+              </a:lnSpc>
+            </a:pPr>
+            <a:r>
+              <a:rPr lang="en-US" sz="3400" dirty="0" err="1"/>
+              <a:t>ITPro</a:t>
+            </a:r>
+            <a:r>
+              <a:rPr lang="en-US" sz="3400" dirty="0"/>
+              <a:t> &gt; 25 year</a:t>
+            </a:r>
+          </a:p>
+          <a:p>
+            <a:pPr>
+              <a:lnSpc>
+                <a:spcPct val="100000"/>
+              </a:lnSpc>
+            </a:pPr>
+            <a:r>
+              <a:rPr lang="en-US" sz="3400" dirty="0" err="1"/>
+              <a:t>Istruttore</a:t>
+            </a:r>
+            <a:r>
+              <a:rPr lang="en-US" sz="3400" dirty="0"/>
+              <a:t> </a:t>
+            </a:r>
+            <a:r>
+              <a:rPr lang="en-US" sz="3400" dirty="0" err="1"/>
+              <a:t>Informatico</a:t>
+            </a:r>
+            <a:r>
+              <a:rPr lang="en-US" sz="3400" dirty="0"/>
+              <a:t> at </a:t>
+            </a:r>
+            <a:r>
+              <a:rPr lang="en-US" sz="3400" dirty="0" err="1"/>
+              <a:t>Comune</a:t>
+            </a:r>
+            <a:r>
+              <a:rPr lang="en-US" sz="3400" dirty="0"/>
+              <a:t> di Chiaravalle (AN)</a:t>
+            </a:r>
+          </a:p>
+          <a:p>
+            <a:pPr>
+              <a:lnSpc>
+                <a:spcPct val="100000"/>
+              </a:lnSpc>
+            </a:pPr>
+            <a:r>
+              <a:rPr lang="en-US" sz="3400" dirty="0"/>
+              <a:t>Senior Software Developer at INNOTEAM </a:t>
+            </a:r>
+            <a:r>
+              <a:rPr lang="en-US" sz="3400" dirty="0" err="1"/>
+              <a:t>s.r.l</a:t>
+            </a:r>
+            <a:r>
+              <a:rPr lang="en-US" sz="3400" dirty="0"/>
+              <a:t>.</a:t>
+            </a:r>
+          </a:p>
+          <a:p>
+            <a:pPr>
+              <a:lnSpc>
+                <a:spcPct val="100000"/>
+              </a:lnSpc>
+            </a:pPr>
+            <a:r>
+              <a:rPr lang="en-US" sz="3400" dirty="0"/>
+              <a:t>CTS Senior Member at Federation IDEM AAI</a:t>
+            </a:r>
+          </a:p>
+          <a:p>
+            <a:pPr>
+              <a:lnSpc>
+                <a:spcPct val="100000"/>
+              </a:lnSpc>
+            </a:pPr>
+            <a:r>
+              <a:rPr lang="en-US" sz="3400" dirty="0"/>
+              <a:t>ICT Administrator at </a:t>
+            </a:r>
+            <a:r>
+              <a:rPr lang="en-US" sz="3400" dirty="0" err="1"/>
+              <a:t>Università</a:t>
+            </a:r>
+            <a:r>
+              <a:rPr lang="en-US" sz="3400" dirty="0"/>
+              <a:t> </a:t>
+            </a:r>
+            <a:r>
+              <a:rPr lang="en-US" sz="3400" dirty="0" err="1"/>
+              <a:t>Politecnica</a:t>
+            </a:r>
+            <a:r>
+              <a:rPr lang="en-US" sz="3400" dirty="0"/>
+              <a:t> </a:t>
+            </a:r>
+            <a:r>
+              <a:rPr lang="en-US" sz="3400" dirty="0" err="1"/>
+              <a:t>delle</a:t>
+            </a:r>
+            <a:r>
+              <a:rPr lang="en-US" sz="3400" dirty="0"/>
+              <a:t> Marche</a:t>
+            </a:r>
+          </a:p>
+          <a:p>
+            <a:pPr>
+              <a:lnSpc>
+                <a:spcPct val="100000"/>
+              </a:lnSpc>
+            </a:pPr>
+            <a:r>
+              <a:rPr lang="en-US" sz="3400" dirty="0"/>
+              <a:t>Member of WindowServer.it community</a:t>
+            </a:r>
+          </a:p>
+          <a:p>
+            <a:pPr>
+              <a:lnSpc>
+                <a:spcPct val="100000"/>
+              </a:lnSpc>
+            </a:pPr>
+            <a:r>
+              <a:rPr lang="en-US" sz="3400" dirty="0"/>
+              <a:t>Member of </a:t>
+            </a:r>
+            <a:r>
+              <a:rPr lang="en-US" sz="3400" dirty="0" err="1"/>
+              <a:t>DevMarche</a:t>
+            </a:r>
+            <a:r>
+              <a:rPr lang="en-US" sz="3400" dirty="0"/>
+              <a:t> community </a:t>
+            </a:r>
+          </a:p>
+          <a:p>
+            <a:pPr>
+              <a:lnSpc>
+                <a:spcPct val="100000"/>
+              </a:lnSpc>
+            </a:pPr>
+            <a:r>
+              <a:rPr lang="en-US" sz="3400" dirty="0"/>
+              <a:t>Linux Foundation Member</a:t>
+            </a:r>
+          </a:p>
+          <a:p>
+            <a:pPr>
+              <a:lnSpc>
+                <a:spcPct val="100000"/>
+              </a:lnSpc>
+            </a:pPr>
+            <a:endParaRPr lang="en-US" sz="3400" dirty="0"/>
           </a:p>
         </p:txBody>
       </p:sp>
@@ -12122,10 +16640,10 @@
       </p:grpSpPr>
       <p:sp>
         <p:nvSpPr>
-          <p:cNvPr id="2" name="Text Placeholder 1">
-            <a:extLst>
-              <a:ext uri="{FF2B5EF4-FFF2-40B4-BE49-F238E27FC236}">
-                <a16:creationId xmlns:a16="http://schemas.microsoft.com/office/drawing/2014/main" id="{7949173F-1975-47A7-B592-458759073468}"/>
+          <p:cNvPr id="7" name="Title 6">
+            <a:extLst>
+              <a:ext uri="{FF2B5EF4-FFF2-40B4-BE49-F238E27FC236}">
+                <a16:creationId xmlns:a16="http://schemas.microsoft.com/office/drawing/2014/main" id="{D179CEFE-54E9-4050-BCEC-5F22EDA1E3EE}"/>
               </a:ext>
             </a:extLst>
           </p:cNvPr>
@@ -12133,24 +16651,355 @@
             <a:spLocks noGrp="1"/>
           </p:cNvSpPr>
           <p:nvPr>
-            <p:ph type="body" sz="quarter" idx="13"/>
+            <p:ph type="title"/>
+          </p:nvPr>
+        </p:nvSpPr>
+        <p:spPr>
+          <a:xfrm>
+            <a:off x="325315" y="136525"/>
+            <a:ext cx="11028485" cy="626517"/>
+          </a:xfrm>
+        </p:spPr>
+        <p:txBody>
+          <a:bodyPr/>
+          <a:lstStyle/>
+          <a:p>
+            <a:r>
+              <a:rPr lang="en-US" dirty="0"/>
+              <a:t>My Today Goal</a:t>
+            </a:r>
+          </a:p>
+        </p:txBody>
+      </p:sp>
+      <p:sp>
+        <p:nvSpPr>
+          <p:cNvPr id="8" name="Content Placeholder 7">
+            <a:extLst>
+              <a:ext uri="{FF2B5EF4-FFF2-40B4-BE49-F238E27FC236}">
+                <a16:creationId xmlns:a16="http://schemas.microsoft.com/office/drawing/2014/main" id="{CE7D99B5-07B2-4C31-84EF-E9ABC9B337F6}"/>
+              </a:ext>
+            </a:extLst>
+          </p:cNvPr>
+          <p:cNvSpPr>
+            <a:spLocks noGrp="1"/>
+          </p:cNvSpPr>
+          <p:nvPr>
+            <p:ph idx="1"/>
           </p:nvPr>
         </p:nvSpPr>
         <p:spPr/>
         <p:txBody>
-          <a:bodyPr>
-            <a:normAutofit lnSpcReduction="10000"/>
-          </a:bodyPr>
+          <a:bodyPr/>
           <a:lstStyle/>
           <a:p>
-            <a:endParaRPr lang="en-US"/>
+            <a:pPr algn="ctr"/>
+            <a:r>
+              <a:rPr lang="en-US" sz="4800" dirty="0" err="1"/>
+              <a:t>Rispondere</a:t>
+            </a:r>
+            <a:r>
+              <a:rPr lang="en-US" sz="4800" dirty="0"/>
+              <a:t> </a:t>
+            </a:r>
+            <a:r>
+              <a:rPr lang="en-US" sz="4800" dirty="0" err="1"/>
+              <a:t>alle</a:t>
+            </a:r>
+            <a:r>
+              <a:rPr lang="en-US" sz="4800" dirty="0"/>
+              <a:t> </a:t>
+            </a:r>
+            <a:r>
+              <a:rPr lang="en-US" sz="4800" dirty="0" err="1"/>
+              <a:t>domande</a:t>
+            </a:r>
+            <a:r>
+              <a:rPr lang="en-US" sz="4800" dirty="0"/>
+              <a:t>:</a:t>
+            </a:r>
+            <a:br>
+              <a:rPr lang="en-US" dirty="0"/>
+            </a:br>
+            <a:endParaRPr lang="en-US" dirty="0"/>
+          </a:p>
+          <a:p>
+            <a:pPr marL="457200" indent="-457200">
+              <a:spcBef>
+                <a:spcPts val="1800"/>
+              </a:spcBef>
+              <a:buFont typeface="Arial" panose="020B0604020202020204" pitchFamily="34" charset="0"/>
+              <a:buChar char="•"/>
+            </a:pPr>
+            <a:r>
+              <a:rPr lang="en-US" dirty="0"/>
+              <a:t>DevOps: </a:t>
+            </a:r>
+            <a:r>
+              <a:rPr lang="en-US" dirty="0" err="1"/>
+              <a:t>Filosofia</a:t>
+            </a:r>
+            <a:r>
+              <a:rPr lang="en-US" dirty="0"/>
+              <a:t> o </a:t>
+            </a:r>
+            <a:r>
+              <a:rPr lang="en-US" dirty="0" err="1"/>
+              <a:t>Metodologia</a:t>
+            </a:r>
+            <a:r>
+              <a:rPr lang="en-US" dirty="0"/>
+              <a:t>?</a:t>
+            </a:r>
+          </a:p>
+          <a:p>
+            <a:pPr marL="457200" indent="-457200">
+              <a:spcBef>
+                <a:spcPts val="1800"/>
+              </a:spcBef>
+              <a:buFont typeface="Arial" panose="020B0604020202020204" pitchFamily="34" charset="0"/>
+              <a:buChar char="•"/>
+            </a:pPr>
+            <a:r>
+              <a:rPr lang="en-US" dirty="0" err="1"/>
+              <a:t>Un’architettura</a:t>
+            </a:r>
+            <a:r>
+              <a:rPr lang="en-US" dirty="0"/>
+              <a:t> </a:t>
+            </a:r>
+            <a:r>
+              <a:rPr lang="en-US" dirty="0" err="1"/>
+              <a:t>và</a:t>
+            </a:r>
+            <a:r>
+              <a:rPr lang="en-US" dirty="0"/>
+              <a:t> </a:t>
+            </a:r>
+            <a:r>
+              <a:rPr lang="en-US" dirty="0" err="1"/>
+              <a:t>costruita</a:t>
+            </a:r>
+            <a:r>
+              <a:rPr lang="en-US" dirty="0"/>
+              <a:t> o </a:t>
+            </a:r>
+            <a:r>
+              <a:rPr lang="en-US" dirty="0" err="1"/>
+              <a:t>dichiarata</a:t>
+            </a:r>
+            <a:r>
+              <a:rPr lang="en-US" dirty="0"/>
+              <a:t>?</a:t>
+            </a:r>
+          </a:p>
+          <a:p>
+            <a:pPr marL="457200" indent="-457200">
+              <a:spcBef>
+                <a:spcPts val="1800"/>
+              </a:spcBef>
+              <a:buFont typeface="Arial" panose="020B0604020202020204" pitchFamily="34" charset="0"/>
+              <a:buChar char="•"/>
+            </a:pPr>
+            <a:r>
+              <a:rPr lang="en-US" dirty="0" err="1"/>
+              <a:t>L’esistente</a:t>
+            </a:r>
+            <a:r>
+              <a:rPr lang="en-US" dirty="0"/>
+              <a:t> </a:t>
+            </a:r>
+            <a:r>
+              <a:rPr lang="en-US" dirty="0" err="1"/>
+              <a:t>va</a:t>
+            </a:r>
+            <a:r>
+              <a:rPr lang="en-US" dirty="0"/>
+              <a:t> </a:t>
+            </a:r>
+            <a:r>
+              <a:rPr lang="en-US" dirty="0" err="1"/>
+              <a:t>integrato</a:t>
+            </a:r>
+            <a:r>
+              <a:rPr lang="en-US" dirty="0"/>
+              <a:t> o </a:t>
+            </a:r>
+            <a:r>
+              <a:rPr lang="en-US" dirty="0" err="1"/>
+              <a:t>ricostruito</a:t>
+            </a:r>
+            <a:r>
+              <a:rPr lang="en-US" dirty="0"/>
+              <a:t>?</a:t>
+            </a:r>
+          </a:p>
+          <a:p>
+            <a:pPr marL="457200" indent="-457200">
+              <a:spcBef>
+                <a:spcPts val="1800"/>
+              </a:spcBef>
+              <a:buFont typeface="Arial" panose="020B0604020202020204" pitchFamily="34" charset="0"/>
+              <a:buChar char="•"/>
+            </a:pPr>
+            <a:r>
+              <a:rPr lang="en-US" dirty="0" err="1"/>
+              <a:t>Buone</a:t>
+            </a:r>
+            <a:r>
+              <a:rPr lang="en-US" dirty="0"/>
+              <a:t> </a:t>
+            </a:r>
+            <a:r>
+              <a:rPr lang="en-US" dirty="0" err="1"/>
+              <a:t>Pratiche</a:t>
+            </a:r>
+            <a:r>
+              <a:rPr lang="en-US" dirty="0"/>
+              <a:t> o </a:t>
+            </a:r>
+            <a:r>
+              <a:rPr lang="en-US" dirty="0" err="1"/>
+              <a:t>Pesi</a:t>
+            </a:r>
+            <a:r>
+              <a:rPr lang="en-US" dirty="0"/>
+              <a:t> </a:t>
+            </a:r>
+            <a:r>
+              <a:rPr lang="en-US" dirty="0" err="1"/>
+              <a:t>Carcerari</a:t>
+            </a:r>
+            <a:r>
+              <a:rPr lang="en-US" dirty="0"/>
+              <a:t>?</a:t>
+            </a:r>
+          </a:p>
+          <a:p>
+            <a:pPr marL="457200" indent="-457200">
+              <a:spcBef>
+                <a:spcPts val="1800"/>
+              </a:spcBef>
+              <a:buFont typeface="Arial" panose="020B0604020202020204" pitchFamily="34" charset="0"/>
+              <a:buChar char="•"/>
+            </a:pPr>
+            <a:r>
+              <a:rPr lang="en-US" dirty="0" err="1"/>
+              <a:t>Updating&amp;Testing</a:t>
+            </a:r>
+            <a:r>
+              <a:rPr lang="en-US" dirty="0"/>
+              <a:t>, </a:t>
+            </a:r>
+            <a:r>
+              <a:rPr lang="en-US" dirty="0" err="1"/>
+              <a:t>possiamo</a:t>
+            </a:r>
+            <a:r>
+              <a:rPr lang="en-US" dirty="0"/>
+              <a:t> </a:t>
+            </a:r>
+            <a:r>
+              <a:rPr lang="en-US" dirty="0" err="1"/>
+              <a:t>imparare</a:t>
+            </a:r>
+            <a:r>
+              <a:rPr lang="en-US" dirty="0"/>
+              <a:t> </a:t>
+            </a:r>
+            <a:r>
+              <a:rPr lang="en-US" dirty="0" err="1"/>
+              <a:t>dai</a:t>
+            </a:r>
+            <a:r>
+              <a:rPr lang="en-US" dirty="0"/>
+              <a:t> </a:t>
+            </a:r>
+            <a:r>
+              <a:rPr lang="en-US" dirty="0" err="1"/>
+              <a:t>fallimenti</a:t>
+            </a:r>
+            <a:r>
+              <a:rPr lang="en-US" dirty="0"/>
+              <a:t>?</a:t>
+            </a:r>
+          </a:p>
+          <a:p>
+            <a:pPr marL="457200" indent="-457200">
+              <a:spcBef>
+                <a:spcPts val="1800"/>
+              </a:spcBef>
+              <a:buFont typeface="Arial" panose="020B0604020202020204" pitchFamily="34" charset="0"/>
+              <a:buChar char="•"/>
+            </a:pPr>
+            <a:r>
+              <a:rPr lang="en-US" dirty="0" err="1"/>
+              <a:t>Warning&amp;Alert</a:t>
+            </a:r>
+            <a:r>
+              <a:rPr lang="en-US" dirty="0"/>
+              <a:t>, Do Try This At Home: </a:t>
+            </a:r>
+            <a:r>
+              <a:rPr lang="en-US" dirty="0" err="1"/>
+              <a:t>quando</a:t>
+            </a:r>
+            <a:r>
+              <a:rPr lang="en-US" dirty="0"/>
+              <a:t> e </a:t>
+            </a:r>
+            <a:r>
+              <a:rPr lang="en-US" dirty="0" err="1"/>
+              <a:t>perchè</a:t>
+            </a:r>
+            <a:r>
+              <a:rPr lang="en-US" dirty="0"/>
+              <a:t>?</a:t>
+            </a:r>
+          </a:p>
+          <a:p>
+            <a:endParaRPr lang="en-US" dirty="0"/>
+          </a:p>
+          <a:p>
+            <a:pPr marL="457200" indent="-457200">
+              <a:buFont typeface="Arial" panose="020B0604020202020204" pitchFamily="34" charset="0"/>
+              <a:buChar char="•"/>
+            </a:pPr>
+            <a:endParaRPr lang="en-US" dirty="0"/>
+          </a:p>
+          <a:p>
+            <a:pPr marL="457200" indent="-457200">
+              <a:buFont typeface="Arial" panose="020B0604020202020204" pitchFamily="34" charset="0"/>
+              <a:buChar char="•"/>
+            </a:pPr>
+            <a:endParaRPr lang="en-US" dirty="0"/>
+          </a:p>
+          <a:p>
+            <a:pPr marL="457200" indent="-457200">
+              <a:buFont typeface="Arial" panose="020B0604020202020204" pitchFamily="34" charset="0"/>
+              <a:buChar char="•"/>
+            </a:pPr>
+            <a:endParaRPr lang="en-US" dirty="0"/>
+          </a:p>
+          <a:p>
+            <a:pPr marL="457200" indent="-457200">
+              <a:buFont typeface="Arial" panose="020B0604020202020204" pitchFamily="34" charset="0"/>
+              <a:buChar char="•"/>
+            </a:pPr>
+            <a:endParaRPr lang="en-US" dirty="0"/>
+          </a:p>
+          <a:p>
+            <a:pPr marL="457200" indent="-457200">
+              <a:buFont typeface="Arial" panose="020B0604020202020204" pitchFamily="34" charset="0"/>
+              <a:buChar char="•"/>
+            </a:pPr>
+            <a:endParaRPr lang="en-US" dirty="0"/>
           </a:p>
         </p:txBody>
       </p:sp>
     </p:spTree>
     <p:extLst>
       <p:ext uri="{BB962C8B-B14F-4D97-AF65-F5344CB8AC3E}">
-        <p14:creationId xmlns:p14="http://schemas.microsoft.com/office/powerpoint/2010/main" val="659384522"/>
+        <p14:creationId xmlns:p14="http://schemas.microsoft.com/office/powerpoint/2010/main" val="1838703902"/>
       </p:ext>
     </p:extLst>
   </p:cSld>
@@ -12179,10 +17028,10 @@
       </p:grpSpPr>
       <p:sp>
         <p:nvSpPr>
-          <p:cNvPr id="2" name="Text Placeholder 1">
-            <a:extLst>
-              <a:ext uri="{FF2B5EF4-FFF2-40B4-BE49-F238E27FC236}">
-                <a16:creationId xmlns:a16="http://schemas.microsoft.com/office/drawing/2014/main" id="{777737B6-1777-4C71-9C4F-778031AB3C7A}"/>
+          <p:cNvPr id="7" name="Title 6">
+            <a:extLst>
+              <a:ext uri="{FF2B5EF4-FFF2-40B4-BE49-F238E27FC236}">
+                <a16:creationId xmlns:a16="http://schemas.microsoft.com/office/drawing/2014/main" id="{D179CEFE-54E9-4050-BCEC-5F22EDA1E3EE}"/>
               </a:ext>
             </a:extLst>
           </p:cNvPr>
@@ -12190,24 +17039,338 @@
             <a:spLocks noGrp="1"/>
           </p:cNvSpPr>
           <p:nvPr>
-            <p:ph type="body" sz="quarter" idx="13"/>
+            <p:ph type="title"/>
+          </p:nvPr>
+        </p:nvSpPr>
+        <p:spPr>
+          <a:xfrm>
+            <a:off x="325315" y="136525"/>
+            <a:ext cx="11028485" cy="626517"/>
+          </a:xfrm>
+        </p:spPr>
+        <p:txBody>
+          <a:bodyPr/>
+          <a:lstStyle/>
+          <a:p>
+            <a:r>
+              <a:rPr lang="en-US" dirty="0"/>
+              <a:t>Agenda</a:t>
+            </a:r>
+          </a:p>
+        </p:txBody>
+      </p:sp>
+      <p:sp>
+        <p:nvSpPr>
+          <p:cNvPr id="8" name="Content Placeholder 7">
+            <a:extLst>
+              <a:ext uri="{FF2B5EF4-FFF2-40B4-BE49-F238E27FC236}">
+                <a16:creationId xmlns:a16="http://schemas.microsoft.com/office/drawing/2014/main" id="{CE7D99B5-07B2-4C31-84EF-E9ABC9B337F6}"/>
+              </a:ext>
+            </a:extLst>
+          </p:cNvPr>
+          <p:cNvSpPr>
+            <a:spLocks noGrp="1"/>
+          </p:cNvSpPr>
+          <p:nvPr>
+            <p:ph idx="1"/>
           </p:nvPr>
         </p:nvSpPr>
         <p:spPr/>
         <p:txBody>
           <a:bodyPr>
-            <a:normAutofit fontScale="92500" lnSpcReduction="20000"/>
+            <a:normAutofit lnSpcReduction="10000"/>
           </a:bodyPr>
           <a:lstStyle/>
           <a:p>
-            <a:endParaRPr lang="en-US"/>
+            <a:pPr marL="457200" indent="-457200">
+              <a:lnSpc>
+                <a:spcPct val="150000"/>
+              </a:lnSpc>
+              <a:spcBef>
+                <a:spcPts val="1800"/>
+              </a:spcBef>
+              <a:buFont typeface="Arial" panose="020B0604020202020204" pitchFamily="34" charset="0"/>
+              <a:buChar char="•"/>
+            </a:pPr>
+            <a:r>
+              <a:rPr lang="en-US" dirty="0"/>
+              <a:t>DevOps: </a:t>
+            </a:r>
+            <a:r>
+              <a:rPr lang="en-US" dirty="0" err="1"/>
+              <a:t>cosa</a:t>
+            </a:r>
+            <a:r>
+              <a:rPr lang="en-US" dirty="0"/>
+              <a:t> </a:t>
+            </a:r>
+            <a:r>
+              <a:rPr lang="en-US" dirty="0" err="1"/>
+              <a:t>significa</a:t>
+            </a:r>
+            <a:r>
+              <a:rPr lang="en-US" dirty="0"/>
+              <a:t>? </a:t>
+            </a:r>
+            <a:r>
+              <a:rPr lang="en-US" dirty="0" err="1"/>
+              <a:t>Definiamo</a:t>
+            </a:r>
+            <a:r>
+              <a:rPr lang="en-US" dirty="0"/>
+              <a:t> </a:t>
+            </a:r>
+            <a:r>
+              <a:rPr lang="en-US" dirty="0" err="1"/>
+              <a:t>il</a:t>
+            </a:r>
+            <a:r>
+              <a:rPr lang="en-US" dirty="0"/>
+              <a:t> </a:t>
+            </a:r>
+            <a:r>
+              <a:rPr lang="en-US" dirty="0" err="1"/>
+              <a:t>contesto</a:t>
+            </a:r>
+            <a:r>
+              <a:rPr lang="en-US" dirty="0"/>
+              <a:t>;</a:t>
+            </a:r>
+          </a:p>
+          <a:p>
+            <a:pPr marL="457200" indent="-457200">
+              <a:lnSpc>
+                <a:spcPct val="150000"/>
+              </a:lnSpc>
+              <a:spcBef>
+                <a:spcPts val="1800"/>
+              </a:spcBef>
+              <a:buFont typeface="Arial" panose="020B0604020202020204" pitchFamily="34" charset="0"/>
+              <a:buChar char="•"/>
+            </a:pPr>
+            <a:r>
+              <a:rPr lang="en-US" dirty="0" err="1"/>
+              <a:t>Gli</a:t>
+            </a:r>
+            <a:r>
+              <a:rPr lang="en-US" dirty="0"/>
+              <a:t> </a:t>
+            </a:r>
+            <a:r>
+              <a:rPr lang="en-US" dirty="0" err="1"/>
+              <a:t>strumenti</a:t>
+            </a:r>
+            <a:r>
+              <a:rPr lang="en-US" dirty="0"/>
+              <a:t> </a:t>
+            </a:r>
+            <a:r>
+              <a:rPr lang="en-US" dirty="0" err="1"/>
+              <a:t>nella</a:t>
+            </a:r>
+            <a:r>
+              <a:rPr lang="en-US" dirty="0"/>
+              <a:t> </a:t>
+            </a:r>
+            <a:r>
+              <a:rPr lang="en-US" dirty="0" err="1"/>
+              <a:t>cassetta</a:t>
+            </a:r>
+            <a:r>
+              <a:rPr lang="en-US" dirty="0"/>
+              <a:t> </a:t>
+            </a:r>
+            <a:r>
+              <a:rPr lang="en-US" dirty="0" err="1"/>
+              <a:t>degli</a:t>
+            </a:r>
+            <a:r>
+              <a:rPr lang="en-US" dirty="0"/>
+              <a:t> </a:t>
+            </a:r>
+            <a:r>
+              <a:rPr lang="en-US" dirty="0" err="1"/>
+              <a:t>attrezzi</a:t>
+            </a:r>
+            <a:r>
+              <a:rPr lang="en-US" dirty="0"/>
+              <a:t>;</a:t>
+            </a:r>
+          </a:p>
+          <a:p>
+            <a:pPr marL="457200" indent="-457200">
+              <a:lnSpc>
+                <a:spcPct val="150000"/>
+              </a:lnSpc>
+              <a:spcBef>
+                <a:spcPts val="1800"/>
+              </a:spcBef>
+              <a:buFont typeface="Arial" panose="020B0604020202020204" pitchFamily="34" charset="0"/>
+              <a:buChar char="•"/>
+            </a:pPr>
+            <a:r>
+              <a:rPr lang="en-US" dirty="0"/>
+              <a:t>Deploy di un Environment;</a:t>
+            </a:r>
+          </a:p>
+          <a:p>
+            <a:pPr marL="457200" indent="-457200">
+              <a:lnSpc>
+                <a:spcPct val="150000"/>
+              </a:lnSpc>
+              <a:spcBef>
+                <a:spcPts val="1800"/>
+              </a:spcBef>
+              <a:buFont typeface="Arial" panose="020B0604020202020204" pitchFamily="34" charset="0"/>
+              <a:buChar char="•"/>
+            </a:pPr>
+            <a:r>
+              <a:rPr lang="en-US" dirty="0" err="1"/>
+              <a:t>Warning&amp;Alert</a:t>
+            </a:r>
+            <a:r>
+              <a:rPr lang="en-US" dirty="0"/>
+              <a:t> </a:t>
+            </a:r>
+            <a:r>
+              <a:rPr lang="en-US" dirty="0" err="1"/>
+              <a:t>collaborativi</a:t>
+            </a:r>
+            <a:r>
+              <a:rPr lang="en-US" dirty="0"/>
+              <a:t>;</a:t>
+            </a:r>
+          </a:p>
+          <a:p>
+            <a:pPr marL="457200" indent="-457200">
+              <a:lnSpc>
+                <a:spcPct val="150000"/>
+              </a:lnSpc>
+              <a:spcBef>
+                <a:spcPts val="1800"/>
+              </a:spcBef>
+              <a:buFont typeface="Arial" panose="020B0604020202020204" pitchFamily="34" charset="0"/>
+              <a:buChar char="•"/>
+            </a:pPr>
+            <a:r>
+              <a:rPr lang="en-US" dirty="0"/>
+              <a:t>Testing </a:t>
+            </a:r>
+            <a:r>
+              <a:rPr lang="en-US" dirty="0" err="1"/>
+              <a:t>d’infrastruttura</a:t>
+            </a:r>
+            <a:r>
+              <a:rPr lang="en-US" dirty="0"/>
+              <a:t>;</a:t>
+            </a:r>
+          </a:p>
+          <a:p>
+            <a:pPr marL="457200" indent="-457200">
+              <a:lnSpc>
+                <a:spcPct val="150000"/>
+              </a:lnSpc>
+              <a:spcBef>
+                <a:spcPts val="1800"/>
+              </a:spcBef>
+              <a:buFont typeface="Arial" panose="020B0604020202020204" pitchFamily="34" charset="0"/>
+              <a:buChar char="•"/>
+            </a:pPr>
+            <a:r>
+              <a:rPr lang="en-US" dirty="0"/>
+              <a:t>Non </a:t>
+            </a:r>
+            <a:r>
+              <a:rPr lang="en-US" dirty="0" err="1"/>
+              <a:t>sempre</a:t>
+            </a:r>
+            <a:r>
+              <a:rPr lang="en-US" dirty="0"/>
+              <a:t> “</a:t>
+            </a:r>
+            <a:r>
+              <a:rPr lang="en-US" dirty="0" err="1"/>
+              <a:t>Devopers</a:t>
+            </a:r>
+            <a:r>
+              <a:rPr lang="en-US" dirty="0"/>
+              <a:t> do it parametric”;</a:t>
+            </a:r>
+          </a:p>
+          <a:p>
+            <a:pPr marL="457200" indent="-457200">
+              <a:spcBef>
+                <a:spcPts val="1800"/>
+              </a:spcBef>
+              <a:buFont typeface="Arial" panose="020B0604020202020204" pitchFamily="34" charset="0"/>
+              <a:buChar char="•"/>
+            </a:pPr>
+            <a:endParaRPr lang="en-US" dirty="0"/>
+          </a:p>
+          <a:p>
+            <a:pPr marL="457200" indent="-457200">
+              <a:spcBef>
+                <a:spcPts val="1800"/>
+              </a:spcBef>
+              <a:buFont typeface="Arial" panose="020B0604020202020204" pitchFamily="34" charset="0"/>
+              <a:buChar char="•"/>
+            </a:pPr>
+            <a:endParaRPr lang="en-US" dirty="0"/>
+          </a:p>
+          <a:p>
+            <a:pPr marL="457200" indent="-457200">
+              <a:spcBef>
+                <a:spcPts val="1800"/>
+              </a:spcBef>
+              <a:buFont typeface="Arial" panose="020B0604020202020204" pitchFamily="34" charset="0"/>
+              <a:buChar char="•"/>
+            </a:pPr>
+            <a:endParaRPr lang="en-US" dirty="0"/>
+          </a:p>
+          <a:p>
+            <a:endParaRPr lang="en-US" dirty="0"/>
+          </a:p>
+          <a:p>
+            <a:pPr marL="457200" indent="-457200">
+              <a:buFont typeface="Arial" panose="020B0604020202020204" pitchFamily="34" charset="0"/>
+              <a:buChar char="•"/>
+            </a:pPr>
+            <a:endParaRPr lang="en-US" dirty="0"/>
+          </a:p>
+          <a:p>
+            <a:pPr marL="457200" indent="-457200">
+              <a:buFont typeface="Arial" panose="020B0604020202020204" pitchFamily="34" charset="0"/>
+              <a:buChar char="•"/>
+            </a:pPr>
+            <a:endParaRPr lang="en-US" dirty="0"/>
+          </a:p>
+          <a:p>
+            <a:pPr marL="457200" indent="-457200">
+              <a:buFont typeface="Arial" panose="020B0604020202020204" pitchFamily="34" charset="0"/>
+              <a:buChar char="•"/>
+            </a:pPr>
+            <a:endParaRPr lang="en-US" dirty="0"/>
+          </a:p>
+          <a:p>
+            <a:pPr marL="457200" indent="-457200">
+              <a:buFont typeface="Arial" panose="020B0604020202020204" pitchFamily="34" charset="0"/>
+              <a:buChar char="•"/>
+            </a:pPr>
+            <a:endParaRPr lang="en-US" dirty="0"/>
+          </a:p>
+          <a:p>
+            <a:pPr marL="457200" indent="-457200">
+              <a:buFont typeface="Arial" panose="020B0604020202020204" pitchFamily="34" charset="0"/>
+              <a:buChar char="•"/>
+            </a:pPr>
+            <a:endParaRPr lang="en-US" dirty="0"/>
           </a:p>
         </p:txBody>
       </p:sp>
     </p:spTree>
     <p:extLst>
       <p:ext uri="{BB962C8B-B14F-4D97-AF65-F5344CB8AC3E}">
-        <p14:creationId xmlns:p14="http://schemas.microsoft.com/office/powerpoint/2010/main" val="2898328407"/>
+        <p14:creationId xmlns:p14="http://schemas.microsoft.com/office/powerpoint/2010/main" val="2177590621"/>
       </p:ext>
     </p:extLst>
   </p:cSld>

--- a/slides/CodeGen_Template.pptx
+++ b/slides/CodeGen_Template.pptx
@@ -26,11 +26,12 @@
     <p:sldId id="279" r:id="rId20"/>
     <p:sldId id="280" r:id="rId21"/>
     <p:sldId id="281" r:id="rId22"/>
-    <p:sldId id="282" r:id="rId23"/>
+    <p:sldId id="283" r:id="rId23"/>
     <p:sldId id="269" r:id="rId24"/>
-    <p:sldId id="259" r:id="rId25"/>
-    <p:sldId id="273" r:id="rId26"/>
-    <p:sldId id="262" r:id="rId27"/>
+    <p:sldId id="262" r:id="rId25"/>
+    <p:sldId id="259" r:id="rId26"/>
+    <p:sldId id="282" r:id="rId27"/>
+    <p:sldId id="273" r:id="rId28"/>
   </p:sldIdLst>
   <p:sldSz cx="12192000" cy="6858000"/>
   <p:notesSz cx="6858000" cy="9144000"/>
@@ -280,7 +281,7 @@
         </pc:spChg>
       </pc:sldChg>
       <pc:sldChg chg="modSp ord">
-        <pc:chgData name="GIULIANO LATINI" userId="27e3ac559581c63f" providerId="LiveId" clId="{DACCFB85-F3A2-4F20-9393-1555D7DD57A6}" dt="2018-09-17T16:07:17.376" v="1677"/>
+        <pc:chgData name="GIULIANO LATINI" userId="27e3ac559581c63f" providerId="LiveId" clId="{DACCFB85-F3A2-4F20-9393-1555D7DD57A6}" dt="2018-09-17T16:07:17.376" v="1677" actId="478"/>
         <pc:sldMkLst>
           <pc:docMk/>
           <pc:sldMk cId="659384522" sldId="258"/>
@@ -387,7 +388,7 @@
         </pc:spChg>
       </pc:sldChg>
       <pc:sldChg chg="add">
-        <pc:chgData name="GIULIANO LATINI" userId="27e3ac559581c63f" providerId="LiveId" clId="{DACCFB85-F3A2-4F20-9393-1555D7DD57A6}" dt="2018-09-17T14:31:34.679" v="1203"/>
+        <pc:chgData name="GIULIANO LATINI" userId="27e3ac559581c63f" providerId="LiveId" clId="{DACCFB85-F3A2-4F20-9393-1555D7DD57A6}" dt="2018-09-17T14:31:34.679" v="1203" actId="478"/>
         <pc:sldMkLst>
           <pc:docMk/>
           <pc:sldMk cId="1838703902" sldId="270"/>
@@ -440,7 +441,7 @@
         </pc:picChg>
       </pc:sldChg>
       <pc:sldChg chg="add">
-        <pc:chgData name="GIULIANO LATINI" userId="27e3ac559581c63f" providerId="LiveId" clId="{DACCFB85-F3A2-4F20-9393-1555D7DD57A6}" dt="2018-09-17T14:49:22.008" v="1236"/>
+        <pc:chgData name="GIULIANO LATINI" userId="27e3ac559581c63f" providerId="LiveId" clId="{DACCFB85-F3A2-4F20-9393-1555D7DD57A6}" dt="2018-09-17T14:49:22.008" v="1236" actId="478"/>
         <pc:sldMkLst>
           <pc:docMk/>
           <pc:sldMk cId="307891768" sldId="273"/>
@@ -492,7 +493,7 @@
           </ac:spMkLst>
         </pc:spChg>
         <pc:spChg chg="mod">
-          <ac:chgData name="GIULIANO LATINI" userId="27e3ac559581c63f" providerId="LiveId" clId="{DACCFB85-F3A2-4F20-9393-1555D7DD57A6}" dt="2018-09-17T14:58:20.679" v="1484"/>
+          <ac:chgData name="GIULIANO LATINI" userId="27e3ac559581c63f" providerId="LiveId" clId="{DACCFB85-F3A2-4F20-9393-1555D7DD57A6}" dt="2018-09-17T14:58:20.679" v="1484" actId="1076"/>
           <ac:spMkLst>
             <pc:docMk/>
             <pc:sldMk cId="3829954844" sldId="275"/>
@@ -587,7 +588,7 @@
           <pc:sldMk cId="304533747" sldId="276"/>
         </pc:sldMkLst>
         <pc:spChg chg="mod">
-          <ac:chgData name="GIULIANO LATINI" userId="27e3ac559581c63f" providerId="LiveId" clId="{DACCFB85-F3A2-4F20-9393-1555D7DD57A6}" dt="2018-09-17T15:28:49.911" v="1554"/>
+          <ac:chgData name="GIULIANO LATINI" userId="27e3ac559581c63f" providerId="LiveId" clId="{DACCFB85-F3A2-4F20-9393-1555D7DD57A6}" dt="2018-09-17T15:28:49.911" v="1554" actId="1076"/>
           <ac:spMkLst>
             <pc:docMk/>
             <pc:sldMk cId="304533747" sldId="276"/>
@@ -642,7 +643,7 @@
           </ac:spMkLst>
         </pc:spChg>
         <pc:spChg chg="mod">
-          <ac:chgData name="GIULIANO LATINI" userId="27e3ac559581c63f" providerId="LiveId" clId="{DACCFB85-F3A2-4F20-9393-1555D7DD57A6}" dt="2018-09-17T16:11:58.552" v="1679"/>
+          <ac:chgData name="GIULIANO LATINI" userId="27e3ac559581c63f" providerId="LiveId" clId="{DACCFB85-F3A2-4F20-9393-1555D7DD57A6}" dt="2018-09-17T16:11:58.552" v="1679" actId="20577"/>
           <ac:spMkLst>
             <pc:docMk/>
             <pc:sldMk cId="1194557239" sldId="277"/>
@@ -784,7 +785,7 @@
           </ac:spMkLst>
         </pc:spChg>
         <pc:spChg chg="mod">
-          <ac:chgData name="GIULIANO LATINI" userId="27e3ac559581c63f" providerId="LiveId" clId="{DACCFB85-F3A2-4F20-9393-1555D7DD57A6}" dt="2018-09-17T16:35:03.028" v="1827"/>
+          <ac:chgData name="GIULIANO LATINI" userId="27e3ac559581c63f" providerId="LiveId" clId="{DACCFB85-F3A2-4F20-9393-1555D7DD57A6}" dt="2018-09-17T16:35:03.028" v="1827" actId="1076"/>
           <ac:spMkLst>
             <pc:docMk/>
             <pc:sldMk cId="2693854401" sldId="279"/>
@@ -933,7 +934,7 @@
           </ac:spMkLst>
         </pc:spChg>
         <pc:spChg chg="mod">
-          <ac:chgData name="GIULIANO LATINI" userId="27e3ac559581c63f" providerId="LiveId" clId="{DACCFB85-F3A2-4F20-9393-1555D7DD57A6}" dt="2018-09-17T16:53:53.787" v="1941"/>
+          <ac:chgData name="GIULIANO LATINI" userId="27e3ac559581c63f" providerId="LiveId" clId="{DACCFB85-F3A2-4F20-9393-1555D7DD57A6}" dt="2018-09-17T16:53:53.787" v="1941" actId="478"/>
           <ac:spMkLst>
             <pc:docMk/>
             <pc:sldMk cId="4278045101" sldId="282"/>
@@ -946,6 +947,74 @@
             <pc:docMk/>
             <pc:sldMk cId="4278045101" sldId="282"/>
             <ac:spMk id="8" creationId="{CE7D99B5-07B2-4C31-84EF-E9ABC9B337F6}"/>
+          </ac:spMkLst>
+        </pc:spChg>
+      </pc:sldChg>
+    </pc:docChg>
+  </pc:docChgLst>
+  <pc:docChgLst>
+    <pc:chgData name="GIULIANO LATINI" userId="27e3ac559581c63f" providerId="LiveId" clId="{66D0A650-E657-42F3-A799-28EA5F3656CC}"/>
+    <pc:docChg chg="undo custSel addSld modSld sldOrd">
+      <pc:chgData name="GIULIANO LATINI" userId="27e3ac559581c63f" providerId="LiveId" clId="{66D0A650-E657-42F3-A799-28EA5F3656CC}" dt="2018-09-21T19:51:46.794" v="22" actId="122"/>
+      <pc:docMkLst>
+        <pc:docMk/>
+      </pc:docMkLst>
+      <pc:sldChg chg="modSp ord">
+        <pc:chgData name="GIULIANO LATINI" userId="27e3ac559581c63f" providerId="LiveId" clId="{66D0A650-E657-42F3-A799-28EA5F3656CC}" dt="2018-09-21T19:51:46.794" v="22" actId="122"/>
+        <pc:sldMkLst>
+          <pc:docMk/>
+          <pc:sldMk cId="2898328407" sldId="259"/>
+        </pc:sldMkLst>
+        <pc:spChg chg="mod">
+          <ac:chgData name="GIULIANO LATINI" userId="27e3ac559581c63f" providerId="LiveId" clId="{66D0A650-E657-42F3-A799-28EA5F3656CC}" dt="2018-09-21T19:51:46.794" v="22" actId="122"/>
+          <ac:spMkLst>
+            <pc:docMk/>
+            <pc:sldMk cId="2898328407" sldId="259"/>
+            <ac:spMk id="2" creationId="{777737B6-1777-4C71-9C4F-778031AB3C7A}"/>
+          </ac:spMkLst>
+        </pc:spChg>
+      </pc:sldChg>
+      <pc:sldChg chg="ord">
+        <pc:chgData name="GIULIANO LATINI" userId="27e3ac559581c63f" providerId="LiveId" clId="{66D0A650-E657-42F3-A799-28EA5F3656CC}" dt="2018-09-21T19:44:17.210" v="0"/>
+        <pc:sldMkLst>
+          <pc:docMk/>
+          <pc:sldMk cId="3208365751" sldId="262"/>
+        </pc:sldMkLst>
+      </pc:sldChg>
+      <pc:sldChg chg="modSp">
+        <pc:chgData name="GIULIANO LATINI" userId="27e3ac559581c63f" providerId="LiveId" clId="{66D0A650-E657-42F3-A799-28EA5F3656CC}" dt="2018-09-21T19:45:07.635" v="3" actId="20577"/>
+        <pc:sldMkLst>
+          <pc:docMk/>
+          <pc:sldMk cId="2177590621" sldId="268"/>
+        </pc:sldMkLst>
+        <pc:spChg chg="mod">
+          <ac:chgData name="GIULIANO LATINI" userId="27e3ac559581c63f" providerId="LiveId" clId="{66D0A650-E657-42F3-A799-28EA5F3656CC}" dt="2018-09-21T19:45:07.635" v="3" actId="20577"/>
+          <ac:spMkLst>
+            <pc:docMk/>
+            <pc:sldMk cId="2177590621" sldId="268"/>
+            <ac:spMk id="8" creationId="{CE7D99B5-07B2-4C31-84EF-E9ABC9B337F6}"/>
+          </ac:spMkLst>
+        </pc:spChg>
+      </pc:sldChg>
+      <pc:sldChg chg="ord">
+        <pc:chgData name="GIULIANO LATINI" userId="27e3ac559581c63f" providerId="LiveId" clId="{66D0A650-E657-42F3-A799-28EA5F3656CC}" dt="2018-09-21T19:44:20.629" v="1"/>
+        <pc:sldMkLst>
+          <pc:docMk/>
+          <pc:sldMk cId="4278045101" sldId="282"/>
+        </pc:sldMkLst>
+      </pc:sldChg>
+      <pc:sldChg chg="modSp add">
+        <pc:chgData name="GIULIANO LATINI" userId="27e3ac559581c63f" providerId="LiveId" clId="{66D0A650-E657-42F3-A799-28EA5F3656CC}" dt="2018-09-21T19:46:40.006" v="14" actId="1076"/>
+        <pc:sldMkLst>
+          <pc:docMk/>
+          <pc:sldMk cId="1760541998" sldId="283"/>
+        </pc:sldMkLst>
+        <pc:spChg chg="mod">
+          <ac:chgData name="GIULIANO LATINI" userId="27e3ac559581c63f" providerId="LiveId" clId="{66D0A650-E657-42F3-A799-28EA5F3656CC}" dt="2018-09-21T19:46:40.006" v="14" actId="1076"/>
+          <ac:spMkLst>
+            <pc:docMk/>
+            <pc:sldMk cId="1760541998" sldId="283"/>
+            <ac:spMk id="2" creationId="{7949173F-1975-47A7-B592-458759073468}"/>
           </ac:spMkLst>
         </pc:spChg>
       </pc:sldChg>
@@ -1885,7 +1954,7 @@
           <a:p>
             <a:fld id="{0AE94EDD-D22A-4702-AFE1-732A7AD641D0}" type="datetimeFigureOut">
               <a:rPr lang="en-US" smtClean="0"/>
-              <a:t>9/17/2018</a:t>
+              <a:t>9/21/2018</a:t>
             </a:fld>
             <a:endParaRPr lang="en-US"/>
           </a:p>
@@ -3687,7 +3756,7 @@
             </a:ln>
             <a:extLst>
               <a:ext uri="{91240B29-F687-4f45-9708-019B960494DF}">
-                <a14:hiddenLine xmlns="" xmlns:a14="http://schemas.microsoft.com/office/drawing/2010/main" w="9525">
+                <a14:hiddenLine xmlns:a14="http://schemas.microsoft.com/office/drawing/2010/main" xmlns="" w="9525">
                   <a:solidFill>
                     <a:srgbClr val="000000"/>
                   </a:solidFill>
@@ -3909,7 +3978,7 @@
             </a:ln>
             <a:extLst>
               <a:ext uri="{91240B29-F687-4f45-9708-019B960494DF}">
-                <a14:hiddenLine xmlns="" xmlns:a14="http://schemas.microsoft.com/office/drawing/2010/main" w="9525">
+                <a14:hiddenLine xmlns:a14="http://schemas.microsoft.com/office/drawing/2010/main" xmlns="" w="9525">
                   <a:solidFill>
                     <a:srgbClr val="000000"/>
                   </a:solidFill>
@@ -6149,7 +6218,7 @@
             </a:ln>
             <a:extLst>
               <a:ext uri="{91240B29-F687-4f45-9708-019B960494DF}">
-                <a14:hiddenLine xmlns="" xmlns:a14="http://schemas.microsoft.com/office/drawing/2010/main" w="9525">
+                <a14:hiddenLine xmlns:a14="http://schemas.microsoft.com/office/drawing/2010/main" xmlns="" w="9525">
                   <a:solidFill>
                     <a:srgbClr val="000000"/>
                   </a:solidFill>
@@ -6581,7 +6650,7 @@
             </a:ln>
             <a:extLst>
               <a:ext uri="{91240B29-F687-4f45-9708-019B960494DF}">
-                <a14:hiddenLine xmlns="" xmlns:a14="http://schemas.microsoft.com/office/drawing/2010/main" w="9525">
+                <a14:hiddenLine xmlns:a14="http://schemas.microsoft.com/office/drawing/2010/main" xmlns="" w="9525">
                   <a:solidFill>
                     <a:srgbClr val="000000"/>
                   </a:solidFill>
@@ -7705,7 +7774,7 @@
             </a:ln>
             <a:extLst>
               <a:ext uri="{91240B29-F687-4f45-9708-019B960494DF}">
-                <a14:hiddenLine xmlns="" xmlns:a14="http://schemas.microsoft.com/office/drawing/2010/main" w="9525">
+                <a14:hiddenLine xmlns:a14="http://schemas.microsoft.com/office/drawing/2010/main" xmlns="" w="9525">
                   <a:solidFill>
                     <a:srgbClr val="000000"/>
                   </a:solidFill>
@@ -8137,7 +8206,7 @@
             </a:ln>
             <a:extLst>
               <a:ext uri="{91240B29-F687-4f45-9708-019B960494DF}">
-                <a14:hiddenLine xmlns="" xmlns:a14="http://schemas.microsoft.com/office/drawing/2010/main" w="9525">
+                <a14:hiddenLine xmlns:a14="http://schemas.microsoft.com/office/drawing/2010/main" xmlns="" w="9525">
                   <a:solidFill>
                     <a:srgbClr val="000000"/>
                   </a:solidFill>
@@ -9698,7 +9767,7 @@
           <a:p>
             <a:fld id="{0AE94EDD-D22A-4702-AFE1-732A7AD641D0}" type="datetimeFigureOut">
               <a:rPr lang="en-US" smtClean="0"/>
-              <a:t>9/17/2018</a:t>
+              <a:t>9/21/2018</a:t>
             </a:fld>
             <a:endParaRPr lang="en-US"/>
           </a:p>
@@ -14848,10 +14917,10 @@
       </p:grpSpPr>
       <p:sp>
         <p:nvSpPr>
-          <p:cNvPr id="7" name="Title 6">
-            <a:extLst>
-              <a:ext uri="{FF2B5EF4-FFF2-40B4-BE49-F238E27FC236}">
-                <a16:creationId xmlns:a16="http://schemas.microsoft.com/office/drawing/2014/main" id="{D179CEFE-54E9-4050-BCEC-5F22EDA1E3EE}"/>
+          <p:cNvPr id="2" name="Text Placeholder 1">
+            <a:extLst>
+              <a:ext uri="{FF2B5EF4-FFF2-40B4-BE49-F238E27FC236}">
+                <a16:creationId xmlns:a16="http://schemas.microsoft.com/office/drawing/2014/main" id="{7949173F-1975-47A7-B592-458759073468}"/>
               </a:ext>
             </a:extLst>
           </p:cNvPr>
@@ -14859,19 +14928,29 @@
             <a:spLocks noGrp="1"/>
           </p:cNvSpPr>
           <p:nvPr>
-            <p:ph type="title"/>
+            <p:ph type="body" sz="quarter" idx="13"/>
           </p:nvPr>
         </p:nvSpPr>
         <p:spPr>
           <a:xfrm>
-            <a:off x="325315" y="136525"/>
-            <a:ext cx="11028485" cy="626517"/>
+            <a:off x="1850995" y="3429000"/>
+            <a:ext cx="8842158" cy="881996"/>
           </a:xfrm>
         </p:spPr>
         <p:txBody>
-          <a:bodyPr/>
+          <a:bodyPr>
+            <a:normAutofit fontScale="55000" lnSpcReduction="20000"/>
+          </a:bodyPr>
           <a:lstStyle/>
           <a:p>
+            <a:pPr>
+              <a:lnSpc>
+                <a:spcPct val="150000"/>
+              </a:lnSpc>
+              <a:spcBef>
+                <a:spcPts val="1800"/>
+              </a:spcBef>
+            </a:pPr>
             <a:r>
               <a:rPr lang="en-US" dirty="0"/>
               <a:t>Non </a:t>
@@ -14890,7 +14969,7 @@
             </a:r>
             <a:r>
               <a:rPr lang="en-US" dirty="0"/>
-              <a:t> do it parametric”</a:t>
+              <a:t> do it parametric”;</a:t>
             </a:r>
           </a:p>
         </p:txBody>
@@ -14898,7 +14977,7 @@
     </p:spTree>
     <p:extLst>
       <p:ext uri="{BB962C8B-B14F-4D97-AF65-F5344CB8AC3E}">
-        <p14:creationId xmlns:p14="http://schemas.microsoft.com/office/powerpoint/2010/main" val="4278045101"/>
+        <p14:creationId xmlns:p14="http://schemas.microsoft.com/office/powerpoint/2010/main" val="1760541998"/>
       </p:ext>
     </p:extLst>
   </p:cSld>
@@ -15340,7 +15419,7 @@
           <p:cNvPr id="2" name="Text Placeholder 1">
             <a:extLst>
               <a:ext uri="{FF2B5EF4-FFF2-40B4-BE49-F238E27FC236}">
-                <a16:creationId xmlns:a16="http://schemas.microsoft.com/office/drawing/2014/main" id="{777737B6-1777-4C71-9C4F-778031AB3C7A}"/>
+                <a16:creationId xmlns:a16="http://schemas.microsoft.com/office/drawing/2014/main" id="{A5DB07F4-037E-4666-BFFC-D4BC9B32ADA4}"/>
               </a:ext>
             </a:extLst>
           </p:cNvPr>
@@ -15348,24 +15427,94 @@
             <a:spLocks noGrp="1"/>
           </p:cNvSpPr>
           <p:nvPr>
-            <p:ph type="body" sz="quarter" idx="13"/>
+            <p:ph type="body" sz="quarter" idx="10"/>
           </p:nvPr>
         </p:nvSpPr>
         <p:spPr/>
         <p:txBody>
           <a:bodyPr>
-            <a:normAutofit fontScale="92500" lnSpcReduction="20000"/>
+            <a:normAutofit fontScale="77500" lnSpcReduction="20000"/>
           </a:bodyPr>
           <a:lstStyle/>
           <a:p>
-            <a:endParaRPr lang="en-US"/>
+            <a:r>
+              <a:rPr lang="en-US" dirty="0" err="1"/>
+              <a:t>giulianolatini</a:t>
+            </a:r>
+            <a:endParaRPr lang="en-US" dirty="0"/>
+          </a:p>
+        </p:txBody>
+      </p:sp>
+      <p:sp>
+        <p:nvSpPr>
+          <p:cNvPr id="3" name="Text Placeholder 2">
+            <a:extLst>
+              <a:ext uri="{FF2B5EF4-FFF2-40B4-BE49-F238E27FC236}">
+                <a16:creationId xmlns:a16="http://schemas.microsoft.com/office/drawing/2014/main" id="{0FBC0E0C-D04F-4813-ACAC-967DF99282B2}"/>
+              </a:ext>
+            </a:extLst>
+          </p:cNvPr>
+          <p:cNvSpPr>
+            <a:spLocks noGrp="1"/>
+          </p:cNvSpPr>
+          <p:nvPr>
+            <p:ph type="body" sz="quarter" idx="11"/>
+          </p:nvPr>
+        </p:nvSpPr>
+        <p:spPr/>
+        <p:txBody>
+          <a:bodyPr>
+            <a:normAutofit fontScale="77500" lnSpcReduction="20000"/>
+          </a:bodyPr>
+          <a:lstStyle/>
+          <a:p>
+            <a:r>
+              <a:rPr lang="en-US" dirty="0"/>
+              <a:t>@</a:t>
+            </a:r>
+            <a:r>
+              <a:rPr lang="en-US" dirty="0" err="1"/>
+              <a:t>giulianolatini</a:t>
+            </a:r>
+            <a:endParaRPr lang="en-US" dirty="0"/>
+          </a:p>
+        </p:txBody>
+      </p:sp>
+      <p:sp>
+        <p:nvSpPr>
+          <p:cNvPr id="4" name="Text Placeholder 3">
+            <a:extLst>
+              <a:ext uri="{FF2B5EF4-FFF2-40B4-BE49-F238E27FC236}">
+                <a16:creationId xmlns:a16="http://schemas.microsoft.com/office/drawing/2014/main" id="{FBEDAFD7-CF92-4199-8229-5FCED907CDA4}"/>
+              </a:ext>
+            </a:extLst>
+          </p:cNvPr>
+          <p:cNvSpPr>
+            <a:spLocks noGrp="1"/>
+          </p:cNvSpPr>
+          <p:nvPr>
+            <p:ph type="body" sz="quarter" idx="12"/>
+          </p:nvPr>
+        </p:nvSpPr>
+        <p:spPr/>
+        <p:txBody>
+          <a:bodyPr>
+            <a:normAutofit fontScale="77500" lnSpcReduction="20000"/>
+          </a:bodyPr>
+          <a:lstStyle/>
+          <a:p>
+            <a:r>
+              <a:rPr lang="en-US" dirty="0" err="1"/>
+              <a:t>giulianolatini</a:t>
+            </a:r>
+            <a:endParaRPr lang="en-US" dirty="0"/>
           </a:p>
         </p:txBody>
       </p:sp>
     </p:spTree>
     <p:extLst>
       <p:ext uri="{BB962C8B-B14F-4D97-AF65-F5344CB8AC3E}">
-        <p14:creationId xmlns:p14="http://schemas.microsoft.com/office/powerpoint/2010/main" val="2898328407"/>
+        <p14:creationId xmlns:p14="http://schemas.microsoft.com/office/powerpoint/2010/main" val="3208365751"/>
       </p:ext>
     </p:extLst>
   </p:cSld>
@@ -15397,7 +15546,7 @@
           <p:cNvPr id="2" name="Text Placeholder 1">
             <a:extLst>
               <a:ext uri="{FF2B5EF4-FFF2-40B4-BE49-F238E27FC236}">
-                <a16:creationId xmlns:a16="http://schemas.microsoft.com/office/drawing/2014/main" id="{28AD7696-4518-4706-8338-7F16A9E1D481}"/>
+                <a16:creationId xmlns:a16="http://schemas.microsoft.com/office/drawing/2014/main" id="{777737B6-1777-4C71-9C4F-778031AB3C7A}"/>
               </a:ext>
             </a:extLst>
           </p:cNvPr>
@@ -15410,17 +15559,24 @@
         </p:nvSpPr>
         <p:spPr/>
         <p:txBody>
-          <a:bodyPr/>
+          <a:bodyPr>
+            <a:normAutofit fontScale="92500" lnSpcReduction="20000"/>
+          </a:bodyPr>
           <a:lstStyle/>
           <a:p>
-            <a:endParaRPr lang="en-US"/>
+            <a:pPr algn="ctr"/>
+            <a:r>
+              <a:rPr lang="en-US" dirty="0" err="1"/>
+              <a:t>Pranzo</a:t>
+            </a:r>
+            <a:endParaRPr lang="en-US" dirty="0"/>
           </a:p>
         </p:txBody>
       </p:sp>
     </p:spTree>
     <p:extLst>
       <p:ext uri="{BB962C8B-B14F-4D97-AF65-F5344CB8AC3E}">
-        <p14:creationId xmlns:p14="http://schemas.microsoft.com/office/powerpoint/2010/main" val="307891768"/>
+        <p14:creationId xmlns:p14="http://schemas.microsoft.com/office/powerpoint/2010/main" val="2898328407"/>
       </p:ext>
     </p:extLst>
   </p:cSld>
@@ -15449,10 +15605,10 @@
       </p:grpSpPr>
       <p:sp>
         <p:nvSpPr>
-          <p:cNvPr id="2" name="Text Placeholder 1">
-            <a:extLst>
-              <a:ext uri="{FF2B5EF4-FFF2-40B4-BE49-F238E27FC236}">
-                <a16:creationId xmlns:a16="http://schemas.microsoft.com/office/drawing/2014/main" id="{A5DB07F4-037E-4666-BFFC-D4BC9B32ADA4}"/>
+          <p:cNvPr id="7" name="Title 6">
+            <a:extLst>
+              <a:ext uri="{FF2B5EF4-FFF2-40B4-BE49-F238E27FC236}">
+                <a16:creationId xmlns:a16="http://schemas.microsoft.com/office/drawing/2014/main" id="{D179CEFE-54E9-4050-BCEC-5F22EDA1E3EE}"/>
               </a:ext>
             </a:extLst>
           </p:cNvPr>
@@ -15460,94 +15616,101 @@
             <a:spLocks noGrp="1"/>
           </p:cNvSpPr>
           <p:nvPr>
-            <p:ph type="body" sz="quarter" idx="10"/>
+            <p:ph type="title"/>
           </p:nvPr>
         </p:nvSpPr>
-        <p:spPr/>
+        <p:spPr>
+          <a:xfrm>
+            <a:off x="325315" y="136525"/>
+            <a:ext cx="11028485" cy="626517"/>
+          </a:xfrm>
+        </p:spPr>
         <p:txBody>
-          <a:bodyPr>
-            <a:normAutofit fontScale="77500" lnSpcReduction="20000"/>
-          </a:bodyPr>
+          <a:bodyPr/>
           <a:lstStyle/>
           <a:p>
             <a:r>
+              <a:rPr lang="en-US" dirty="0"/>
+              <a:t>Non </a:t>
+            </a:r>
+            <a:r>
               <a:rPr lang="en-US" dirty="0" err="1"/>
-              <a:t>giulianolatini</a:t>
-            </a:r>
-            <a:endParaRPr lang="en-US" dirty="0"/>
-          </a:p>
-        </p:txBody>
-      </p:sp>
-      <p:sp>
-        <p:nvSpPr>
-          <p:cNvPr id="3" name="Text Placeholder 2">
-            <a:extLst>
-              <a:ext uri="{FF2B5EF4-FFF2-40B4-BE49-F238E27FC236}">
-                <a16:creationId xmlns:a16="http://schemas.microsoft.com/office/drawing/2014/main" id="{0FBC0E0C-D04F-4813-ACAC-967DF99282B2}"/>
-              </a:ext>
-            </a:extLst>
-          </p:cNvPr>
-          <p:cNvSpPr>
-            <a:spLocks noGrp="1"/>
-          </p:cNvSpPr>
-          <p:nvPr>
-            <p:ph type="body" sz="quarter" idx="11"/>
-          </p:nvPr>
-        </p:nvSpPr>
-        <p:spPr/>
-        <p:txBody>
-          <a:bodyPr>
-            <a:normAutofit fontScale="77500" lnSpcReduction="20000"/>
-          </a:bodyPr>
-          <a:lstStyle/>
-          <a:p>
+              <a:t>sempre</a:t>
+            </a:r>
             <a:r>
               <a:rPr lang="en-US" dirty="0"/>
-              <a:t>@</a:t>
+              <a:t> “</a:t>
             </a:r>
             <a:r>
               <a:rPr lang="en-US" dirty="0" err="1"/>
-              <a:t>giulianolatini</a:t>
-            </a:r>
-            <a:endParaRPr lang="en-US" dirty="0"/>
-          </a:p>
-        </p:txBody>
-      </p:sp>
-      <p:sp>
-        <p:nvSpPr>
-          <p:cNvPr id="4" name="Text Placeholder 3">
-            <a:extLst>
-              <a:ext uri="{FF2B5EF4-FFF2-40B4-BE49-F238E27FC236}">
-                <a16:creationId xmlns:a16="http://schemas.microsoft.com/office/drawing/2014/main" id="{FBEDAFD7-CF92-4199-8229-5FCED907CDA4}"/>
-              </a:ext>
-            </a:extLst>
-          </p:cNvPr>
-          <p:cNvSpPr>
-            <a:spLocks noGrp="1"/>
-          </p:cNvSpPr>
-          <p:nvPr>
-            <p:ph type="body" sz="quarter" idx="12"/>
-          </p:nvPr>
-        </p:nvSpPr>
-        <p:spPr/>
-        <p:txBody>
-          <a:bodyPr>
-            <a:normAutofit fontScale="77500" lnSpcReduction="20000"/>
-          </a:bodyPr>
-          <a:lstStyle/>
-          <a:p>
-            <a:r>
-              <a:rPr lang="en-US" dirty="0" err="1"/>
-              <a:t>giulianolatini</a:t>
-            </a:r>
-            <a:endParaRPr lang="en-US" dirty="0"/>
+              <a:t>Devopers</a:t>
+            </a:r>
+            <a:r>
+              <a:rPr lang="en-US" dirty="0"/>
+              <a:t> do it parametric”</a:t>
+            </a:r>
           </a:p>
         </p:txBody>
       </p:sp>
     </p:spTree>
     <p:extLst>
       <p:ext uri="{BB962C8B-B14F-4D97-AF65-F5344CB8AC3E}">
-        <p14:creationId xmlns:p14="http://schemas.microsoft.com/office/powerpoint/2010/main" val="3208365751"/>
+        <p14:creationId xmlns:p14="http://schemas.microsoft.com/office/powerpoint/2010/main" val="4278045101"/>
+      </p:ext>
+    </p:extLst>
+  </p:cSld>
+  <p:clrMapOvr>
+    <a:masterClrMapping/>
+  </p:clrMapOvr>
+</p:sld>
+</file>
+
+<file path=ppt/slides/slide27.xml><?xml version="1.0" encoding="utf-8"?>
+<p:sld xmlns:a="http://schemas.openxmlformats.org/drawingml/2006/main" xmlns:r="http://schemas.openxmlformats.org/officeDocument/2006/relationships" xmlns:p="http://schemas.openxmlformats.org/presentationml/2006/main">
+  <p:cSld>
+    <p:spTree>
+      <p:nvGrpSpPr>
+        <p:cNvPr id="1" name=""/>
+        <p:cNvGrpSpPr/>
+        <p:nvPr/>
+      </p:nvGrpSpPr>
+      <p:grpSpPr>
+        <a:xfrm>
+          <a:off x="0" y="0"/>
+          <a:ext cx="0" cy="0"/>
+          <a:chOff x="0" y="0"/>
+          <a:chExt cx="0" cy="0"/>
+        </a:xfrm>
+      </p:grpSpPr>
+      <p:sp>
+        <p:nvSpPr>
+          <p:cNvPr id="2" name="Text Placeholder 1">
+            <a:extLst>
+              <a:ext uri="{FF2B5EF4-FFF2-40B4-BE49-F238E27FC236}">
+                <a16:creationId xmlns:a16="http://schemas.microsoft.com/office/drawing/2014/main" id="{28AD7696-4518-4706-8338-7F16A9E1D481}"/>
+              </a:ext>
+            </a:extLst>
+          </p:cNvPr>
+          <p:cNvSpPr>
+            <a:spLocks noGrp="1"/>
+          </p:cNvSpPr>
+          <p:nvPr>
+            <p:ph type="body" sz="quarter" idx="13"/>
+          </p:nvPr>
+        </p:nvSpPr>
+        <p:spPr/>
+        <p:txBody>
+          <a:bodyPr/>
+          <a:lstStyle/>
+          <a:p>
+            <a:endParaRPr lang="en-US"/>
+          </a:p>
+        </p:txBody>
+      </p:sp>
+    </p:spTree>
+    <p:extLst>
+      <p:ext uri="{BB962C8B-B14F-4D97-AF65-F5344CB8AC3E}">
+        <p14:creationId xmlns:p14="http://schemas.microsoft.com/office/powerpoint/2010/main" val="307891768"/>
       </p:ext>
     </p:extLst>
   </p:cSld>
